--- a/Relación entre arrestos de personas de distintas razas y la cantidad de arrestos por estado en EEUU, entre 2018 y 2020.pptx
+++ b/Relación entre arrestos de personas de distintas razas y la cantidad de arrestos por estado en EEUU, entre 2018 y 2020.pptx
@@ -5,7 +5,7 @@
     <p:sldMasterId id="2147483648" r:id="rId1"/>
   </p:sldMasterIdLst>
   <p:notesMasterIdLst>
-    <p:notesMasterId r:id="rId15"/>
+    <p:notesMasterId r:id="rId16"/>
   </p:notesMasterIdLst>
   <p:sldIdLst>
     <p:sldId id="256" r:id="rId2"/>
@@ -20,7 +20,8 @@
     <p:sldId id="265" r:id="rId11"/>
     <p:sldId id="266" r:id="rId12"/>
     <p:sldId id="267" r:id="rId13"/>
-    <p:sldId id="268" r:id="rId14"/>
+    <p:sldId id="269" r:id="rId14"/>
+    <p:sldId id="268" r:id="rId15"/>
   </p:sldIdLst>
   <p:sldSz cx="18288000" cy="10287000"/>
   <p:notesSz cx="18288000" cy="10287000"/>
@@ -6307,6 +6308,69 @@
           </a:p>
         </p:txBody>
       </p:sp>
+      <p:sp>
+        <p:nvSpPr>
+          <p:cNvPr id="6" name="AutoShape 2" descr="data:image/png;base64,iVBORw0KGgoAAAANSUhEUgAAAdwAAAEKCAYAAAC4xOTHAAAAOXRFWHRTb2Z0d2FyZQBNYXRwbG90bGliIHZlcnNpb24zLjQuMywgaHR0cHM6Ly9tYXRwbG90bGliLm9yZy/MnkTPAAAACXBIWXMAAAsTAAALEwEAmpwYAACbXElEQVR4nOydd3xUxfqHn3c3ARJKSCihS5MqELqASC8igtyfiooooqJcitcOdrGL96pXsesVFbsUCx1p0luQ3kNNgRBCgCQku+/vjzMpu6loyiaex89+3DPzzjnvLJt9zzszZ76iqtjY2NjY2NgULo7idsDGxsbGxubvgB1wbWxsbGxsigA74NrY2NjY2BQBdsC1sbGxsbEpAuyAa2NjY2NjUwTYAdfGxsbGxqYIsAOujY2NjY2NFyLyqYjEiMj2HOpFRP4rIvtF5A8RaZfXOe2Aa2NjY2Njk5XPgIG51F8DXG5eY4D38jqhHXBtbGxsbGy8UNUVwOlcTIYCn6vFWqCyiNTM7Zx+BemgjU1mEmc8ZW9jZlj94N7idsFn6HTLheJ2wWfw/7+bitsFn6Fc95HyV8+Rcupgvn9zylRrdC9WZprGh6r64SVcrjZwNNPxMVMWmVMDO+Da2NjY2JQO3K58m5rgeikB9i9jB1wbGxsbm9KBuovyaseBupmO65iyHLHncG1sbGxsSgdud/5ff52fgNvNauUrgXhVzXE4GewM18bGxsamlKAFmOGKyNdAT6CqiBwDngH8revo+8BcYBCwH7gA3JnXOe2Aa1NiWbU/ktcWhON2K8PaNmD0Vc096iPjz/PU7PUkJKfgdisT+7Sm++U1WXMgiv/+to0Ulxt/p4MH+ramU4PQYupFwRDSqw1NXhiFOB2cmPEbh9+ek61dtWs70frTh1jffzIJWw8CUKFFPZpNvQdnhQBQZcOAx3EnpxSl+4WGs1k7yv3jHhAHKWsXcXHJDx71Za+/G+flrQAQ/7JIxSDOTb6lOFwtFFZtP8CrXy+w/ka6h3HXoG4e9ZGx8Tz56U8kXEjC7Vbu/7/edG/dmJRUF1M+/5WdhyNxiPDozf3p2Kx+8XTiUnClFtipVDXXL4Ja2rbjLuWcJSbgisjjqvpSPuzmAreq6pnC9+rSEJHrgb2qurOIrvcgcDeQCpwERqvqYVN3B/CkMX1BVaeLSCDwPdAIcAE/q+okY18W+BxoD8QCw1U1oij6kR0ut5uX523m/dt6EFopgBEfL6ZH01o0qhaUbvPRyl30b1mXmzo05sDJeMZ/tZJ59w8mOLAsb918FdUrBrA/Jp6xM1aw6IHriqsrfx2H0PSV0Wy56UWST8TSccHLnFqwkfN7PaeTnOXLUfeeQcRv2pdeJk4HLaaNZ+e4aZzbeRi/4Aq4UwruR6tYEQflbriPC+89hZ6JJfDB/5C6fR3u6IyFpcmzP05/7999MM46DYvD00LB5Xbz0ox5fPDgCEKDK3HrC5/QM6wJjWpVS7f56NffGdChBTf1as+BEycZ/9Y3zGs9gR9XbAHgx+fuJfbseca9+TVfPXkXDsdfXkhcuFzCoqnioFDncEXEWYCnezw/Rqo6qLCCrXd//kT/rgdaFJhDebMF6KCqrYEfgNcARCQEa3ikM9AJeEZEgk2b11W1GdAW6CYi15jyu4A4VW0MvAG8WnTdyMr246epG1yBOsEV8Hc6GdCyHsv2nPCwEeC8ydTOJaVQrWIAAM1qBlPdvG9UrRLJKS4upvr2H2puVGrXmMRD0SQdjkFTXETPXk3VgR2z2DWcNJzD78zBnXQxvSykZ2vO7TzCuZ2HAUiNOwfu0vE0l+Oyy3GfikRjo8GVSuqWFfi16pyjvX+7q0nZtKIIPSxcth86Qd3qIdSpFoy/n5OBnVqyLDzr42nnkpKt/ycmU61yRQAORp6kU/P6AFSpVJ6KgeXYEXEiS1ufQ935fxUDeQZcEakvIrtFZIaI7BKRH0QkUET6iMgWEdlmtsAqa+wjRORVEdkM3CgiA0Vks4hsFZElxqa8abPenGOoKR8lIjNFZL6I7BORtADxChAgIuEiMsOUzRaRTSKyQ0TGZPI3QkSqmve3mWuEi8gHuQVIEXlPRDaa8z3ndb7M/fE+7i8ia0wfvxeRCmk+i8hOs+XX6yLSFRgCTDX+NBKRMBFZa2xmZQp63r5VF5FN5n0bEVERqWeOD5jMNAuqulRV0x56XIu1ig5gALBIVU+rahywCBioqhdUdalpexHYnKnNUGC6ef8D0EdEiu12NyYhkRpBGd0OrRRATEKih819PVry67Yj9H/jZ8Z/vZJJA9tmOc/iXcdoXrMyZfwK8t6waClXI4SkE7Hpx8knYilbw/OrVLFVA8rVqkLs4i0e5YGNaoEqYd88TsdFr1Bv3JAi8bkocARVwR13Kv3YfSYWCaqSra0EV0NCQnHt+6Oo3Ct0YuISqBFcKf24enBFouMSPGzGDrmaX9duo98jbzHurW+YdMsAAJrUCWV5+D5SXW6OnYxj1+FIouPOFqn/f4qiXTR1yeQ3w20KvKuqzYGzwINY214NV9VWWEPTYzPZx6pqO2AJ8BHwf6raBrjR1D8B/KaqnYBeWEGovKkLA4YDrYDhIlLXDGsmqmqYqo4wdqNVtT3QAZgoIh5/SSLS3Jynm6qGYQ2RjiBnnlDVDkBroIeItPbuj6p+49W/xVjDsn3N8UbgQePLMKClyS5fUNXVWKvaHjH9OIA1RPuYsdmGlXVmQVVjgHIiUgnobq7TXUQuA2IyBdXcuAuYZ97n9MB2OiJSGbgO69/Qo42qpgLxQJZfLxEZY25cNn7y2+Z8uFV4zN9+hCFt6rPwget455buPDl7PW7NyN72x8Tz1pI/ePLaDsXoZREgwuXPjWTfs19krXI6qNy5GTv++TabhjxN9UEdCe5+RTE4Wbz4t7ua1K2rii3zKS7mrd/BkK5tWDT1fqbdfzNPfDIHt1u5/qowQoMrcusLnzD120W0aVQHh8P3H2pRdef7VRzk9xM8qqqrzPsvgT7AIVVNG5+YDlydyf5b8/8rgRWqeghAVdO2yeoPTBKRcGAZUA6oZ+qWqGq8qiYBO4HLcvBpoohsxcrc6mLtZ5mZPljzjRvMdfoAuU3Q3GSy1i1ASzyHfr/1ss3cvxbAKnONO4y/8UAS8ImI/ANrBZsHIhIEVFbV5abI+zP0ZjXQzdi8ZP7fHViZS5u0a92GdWMyNS9bY+8HfA38V1UP5qdNGqr6oap2UNUOd/XOcy/vP031igFExWd8rNFnE9OHidOYFX6I/i2sx+Ta1K1KcqqLMxeSjf0FHvxuFc8P7UzdkAqF5mdRkBR1mnK1Mu59ytaqQnJUXPqxs0I5yjerS7uZT9N1w9tUan85bT5/hIptGpIceZoza3aRcjoBd+JFTi3eQsVWDYqjGwWOOz4WR3DV9GNH5SpofGy2tn5tu5OyufQMJ4OV0UZlykpj4hIIDa7oYTPr93AGdLQWG7ZpVIfklFTizl3Az+ngkZv7890z9/DW+JtISEzmstCQIvX/T1FKMlzvSZ0zedifz6NesLLeMPOqp6q7TF1yJjsX2SzsEpGeQF+gi8mct2AFbe9rTM90jaaq+my2zog0AB4G+phs81ev83n3J+1YsIZm067RQlXvMhlgJ6yh18HA/Bw/ifyzAivAXgbMAdoAV5FHwBWRvlgjCkNUNe2zzeuB7Q+Bfar6Zqay9DYmIAdhLZ4qFlrWDuHI6XMcjztHisvFgh1H6NGklodNzUqBrDsUDcDBk2e5mOoiOLAsZ5MuMuHrldzfpzVt61XN7vQlioQtBwhsWINy9aoh/k5Cr+/KqQUb0+tdCYmsbHEPqztOYHXHCZzdtI+tt08lYetBYpdupXzzejgCyiBOB8FdW3B+77Fi7E3B4T6yD0fVWkhIKDj98Gt7Nanb12exc1SvgwRWwB2xuxi8LDxa1q/FkejTHDsZR0qqi/nrd9CjTRMPm5ohQazbFQHAwROnuJiSSkjFQBKTU7iQbM31r9lxEKdDPBZb+SyulPy/ioH8rlKuJyJdVHUNcCvWkOa9ItJYVfcDI4Hl2bRbC7wrIg1U9ZCIhJgsdwEwQUQmqKqKSFtV3ZJN+8ykiIi/qqZg/djHqeoFEWmGlWl6swSYIyJvqGqMWShUMW2VrheVsIJovIiEYqlALMvrQzH9m5b2OZhh8drACSBQVeeKyCogLUtMACoCqGq8iMSJSHdVXUnOn2EaK4EXsUYM3CJyGusZsMk5NRCRtsAHWPOzMZmqFgAvZZoz7p92HhF5AevzvdvrdD9hZfBrgBuwpgSKbXWNn8PBpGvaMXbGCtyqDA1rQOPqQby7dDstagXTs2ltHuzfhik/b2TGur2A8NzQTogI367fz5HT5/hgxU4+WGEtGH//tqsJKe99z1YyUJebPZM/pe03j4PTQeTXyzi/5xgNH72Rs1sPcmrBphzbpsaf5+j7v9BxvvUAQOziLVnmeUssbjdJP75P4H3PgcNByrrFuKOOUOaaEbiO7MO1wwq+fu26k7I5z4GiEoef08HkWwcy9s2vcbvdXN8tjMa1qzFt9jJa1q9Fz7AmPHRTX6ZM/5UvF61DRJgy+jpEhNMJ5xn7xlc4RKgeXJEX7x5a3N3JHz4+JSB5/WaKSH2sDG0j1hDtTqzg0AV4HStobwDGqmqyiERgrYw9ZdpfgzUE6sCab+wnIgHAm0BXU35IVQeLyCjTdrxp+wvWqtllIvIq1qKjzcBoYDZQH9gDVAaeNXYRQHtVjRWR4ViBxAGkAOOMqkN2/fzM+HMUa0j4J1X9LJv+eB/3xlqxW9ac6knzeczBypLF9GG6iHTDmtNOxgpaFYH3gUCsoHynWcSU07/FUeB5Vf1QRB4HbjYZeU72i7HmwtN2PzmiqkNM3WgyVn6/qKr/E5E6pv+7yRhpeEdVPxaRcsAXWKuXT5tr5zrcbIsXZGCLF2RgixdkYIsXZFAQ4gXJO5bk+zenbMs+Rb7oM78B9xdV9fmVFGYVcgxQw2TCNsWIHXAzsANuBnbAzcAOuBkUSMDdvij/AfeKfkUecEvMxhf5ZAfwsR1sbWxsbP6GFNNiqPySZ8A1uwn5fHYLYDZsyBURWUfG8G8aI1V1W+F4dWmIyDSs1ciZeUtV/5dLmyfIeOQqje9V9cWC9s/GxsbGV1G3b+dapS3DzRNVzXmrGR9AVS9pb07T5kWsBVU2NjY2f19KeoZrY/OnKQEPytsUPeJnfy9sCgkfX6VsB1wbGxsbm9KBj4sX2AHXxsbGxqZ0YGe4NjY2NjY2RYA9h2tjY2NjY1MEFKAAfWFgB1ybEsuqfZG8Nn8zbrcyrF1DRnf3lBqOPHOep2avIyHpIm63MrFvG7o3qcWaA1H8d/FWUlxu/J0OHugXRqeGocXUi4IhpFcbmrwwCnE6ODHjNw6/PSdbu2rXdqL1pw+xvv9kErZaG4VVaFGPZlPvwVkhAFTZMOBx3Mm+/XhFfnE2bUvZofeYrR0XkbL0R4/6MkPuwtnIeupRypRFKgRx/qncRMVKFqu2H+DVrxdYfyPdw7hrkOcTh5Gx8Tz56U8kXEjC7Vbu/7/edG/dmJRUF1M+/5WdhyNxiPDozf3p2Kx+8XTiUrAz3IJBRB5X1ZfyYTcXuLWwROj/CiJyPbBXVXcW0fUexNoTORU4iSVpeNjU3YG1DSVY8oHTTfmLwO1AsKpWyHSuy4BPgWpYWzvepqrFtsu9y+3m5bkbeX9kL0IrBTDio0X0aFqbRtWD0m0+WrGD/i3rclPHyzkQE8/4GcuZ12QIwYFleeuWq6leKYD90WcY++VyFj1UQvaKzQ6H0PSV0Wy56UWST8TSccHLnFqwkfN7j3uYOcuXo+49g4jftC+9TJwOWkwbz85x0zi38zB+wRVwp/h2lpBvxEHZYfeS+OEzaHwsAfe/TurO9Wh0hjLlxZ8+SX/v3+1aHLVzExQrWbjcbl6aMY8PHhxBaHAlbn3hE3qGNfEQIfjo198Z0KEFN/Vqz4ETJxn/1jfMaz2BH1dY+2n/+Ny9xJ49z7g3v+arJ+/C4Sg2Cex8oerbi6YKdX1+boLvf4LH8zYBVR1UWMHWuz9/on/X4yn7V9hswdr3uTWWctFrAEbI4RmgM5aq0TOZhAx+NmXevA58bs41BXi5kH3Ple3HT1M3pCJ1Qirg7+dkwBX1WLbHM8CICOeTreBxLjmFaka+r1nNYKpXst43qh5EcoqLi6m+/YeaG5XaNSbxUDRJh2PQFBfRs1dTdWDHLHYNJw3n8DtzcCddTC8L6dmaczuPcG6npemRGncO3KVjR05Hvctxx0ahp6PBlUpq+Er8Wmb31bbwa3s1qVtKj0Tf9kMnqFs9hDrVgvH3czKwU0uWhWfdYvRckrVt+rnEZKpVtuT7DkaepFPz+gBUqVSeioHl2BFxosh8/9OUdHk+EakvIrtFZIaI7BKRH0QkUET6iMgWEdkmIp+KSFljHyEirxpt2RtFZKCIbBaRrSKyxNiUN23Wm3MMNeWjRGSmiMwXkX0ikhYgXgECRCRcRGaYstkisklEdojImEz+RohIVfP+NnONcBH5ILcAKSLvGeH0HSLynNf5MvfH+7i/iKwxffxeRCqk+SwiO0XkDxF5XUS6YokvTDX+NBKRMBFZa2xmZQp63r5VF5FN5n0bEVERqWeOD4hIYHbtVHVpJnH6tVgyfAADsGQFTxuxhEXAQNNmrapGZj0bLYDfzPulQLGmhDFnE6lRKaPboZUCiDmb6GFzX88r+PWPCPr/ew7jZyxn0qD2Wc6zeOcxmtcMpoxfQd4bFi3laoSQdCJDKTH5RCxla3h+lSq2akC5WlWyKAEFNqoFqoR98zgdF71CvXFDisTnokCCqqBnTqUf65lYJKhK9rbB1ZCQ6rj2+8SGcwVCTFwCNYIrpR9XD65IdFyCh83YIVfz69pt9HvkLca99Q2TbhkAQJM6oSwP30eqy82xk3HsOhxJdCZtXZ9F3fl/FQP5zXCbAu+qanPgLPAg8BkwXFVbYQ1Nj81kH6uq7bAk8j7C0r5tQ8b2g09gybt1AnphBaHypi4MGI6lcjNcROqq6iQg0WjOpk2wjFbV9ljC6hNFxOMvSUSam/N0U9UwLG3d3CZnnlDVDkBroIeIZFbhiVXVdqr6jVf/FmMNy/Y1xxuBB40vw4CWJiN8QVVXY0ncPWL6cQD4HHjM2GzDyjqzYKT1yolIJSxN3I1AdzPMG5MpqObGXcA88742lipQGsdMWW5sBf5h3g8DKnp/5r7G/G2HGRLWgIUPDeWdET14cuZa3Jmyt/0x8by1OJwnr+tQjF4WASJc/txI9j37RdYqp4PKnZux459vs2nI01Qf1JHg7iViJ9cCxS+sO6l/rPb5x0oKmnnrdzCkaxsWTb2fafffzBOfzMHtVq6/KozQ4Irc+sInTP12EW0a1cFREjayKekZruGoqq4y778E+mBJ6qWNT0wHrs5k/635/5VY+q2HAIwWLlj6q5NEJBxLd7YcUM/ULVHVeFVNwpICvCwHnyaKyFaszK0ucLlXfR8sOcEN5jp9gNwmaG4yWesWoCWeQ7/fetlm7l8LYJW5xh3G33ggCfhERP4BZAmIIhIEVFbVNA1c78/Qm9VYeyxfjSV3eDVW8M1TyFNEbsO6MZmal20uPIx1I7IF6IElSJ9lHFZExpiRgo2fLMlZh/WvUr1SAFFnMz7W6LOJ6cPEaczacpD+LesC0KZuVZJTXZy5YA2fRcdf4MFvfuf5YVdSN6RioflZFCRFnaZcrYx7n7K1qpAclaHy6KxQjvLN6tJu5tN03fA2ldpfTpvPH6Fim4YkR57mzJpdpJxOwJ14kVOLt1CxVYPi6EaBo/GxSOWq6cdSuQoaH5utrV9Yd1K3lC5N3OrBFYnKlJXGxCUQGuz5XZ/1ezgDOjYHoE2jOiSnpBJ37gJ+TgeP3Nyf7565h7fG30RCYjKXhYYUqf9/Cldq/l/FQH4Drvekzpk87M/nUS9YWW+YedVT1V2mLjmTnYtsFnaJSE+gL9DFZM5bsIK29zWmZ7pGU1V9NltnRBpgBZQ+Jtv81et83v1JOxasodm0a7RQ1btUNRVrHvQHYDCWnvBfZQVWgL0MS2u3DXAVeQRcEemLNaIwRFXTPtvjWDcpadQxZTmiqidU9R+q2tacj+zmylX1Q1XtoKod7uqTdQi3oGhZK4QjsQkcjztHSqqLBduP0KOpZ5JeM6g86w5GA3DwZDwXU10Ely/L2cSLTPhqBff3bU3betWyO32JImHLAQIb1qBcvWqIv5PQ67tyasHG9HpXQiIrW9zD6o4TWN1xAmc37WPr7VNJ2HqQ2KVbKd+8Ho6AMojTQXDXFpzfW2xr4QoU99F9OKrWREKqg9MPv7Du6aLzmZFqtZGA8rgP7y4GLwuPlvVrcST6NMdOxpGS6mL++h30aNPEw6ZmSBDrdkUAcPDEKS6mpBJSMZDE5BQuJFtz/Wt2HMTpEI/FVj6Ljw8p53eVcj0R6aKqa4BbsYY07xWRxqq6H0uQfnk27dYC74pIA1U9JCIhJstdAEwQkQmqqiLSVlW3ZNM+Myki4m+k94KAOFW9ICLNsDJNb5YAc0TkDVWNMQuFKqat0vWiElYQjReRUOAarMw7L9YC09I+BzMsXhs4AQSq6lwRWYUlLg+QgCU6j6rGi0iciHRX1ZXk/BmmsRJLoGCFqrpF5DQwCJicUwMRaQt8AAw0w9JpLABeyjRn3D+385hzVQVOq6rb2H6am31h4+d0MGlQe8Z+sRy3uhnatiGNqwfx7m/baFErhJ7NavNg/zCm/LyBGWutgZjnru+MiPDt+n0cOZ3AB8t38MHyHQC8P7InIRW879lKBupys2fyp7T95nFwOoj8ehnn9xyj4aM3cnbrQU4tyHmkITX+PEff/4WO860HAGIXb8kyz1ticbtJnvUhAfc8C+IgZcMS3NFHKTPgVlxH9+PaaQVf/7bdSQ3/vXh9LQT8nA4m3zqQsW9+jdvt5vpuYTSuXY1ps5fRsn4teoY14aGb+jJl+q98uWgdIsKU0dchIpxOOM/YN77CIUL14Iq8eHcJWcXv448F5VeAfj5WkG2PNcw7EuiCtXLVD9gAjFXVZBGJwFoZe8q0vwZrCNSBNd/YT0QCgDeBrqb8kKoOFpFRpu140/YX4HVVXSYir2ItOtoMjAZmA/WBPUBl4FljFwG0V9VYERmOFRwcQAowTlXX5tDPz4w/R7GGhH9S1c+y6Y/3cW/gVTIk/540n8ccrCxZTB+mi0g3rDntZOAGrOD7PhCIFZTvNIuYcvq3OAo8r6ofisjjwM0mI8/JfjHWXHjaIqgjqjrE1I0mY+X3i2nyf2ah2q1ALawbh49V9VkRuQFrZbJiZdvjMmXM2ZL49TOlY7lrAbD6X6Ure/ordB6ZVNwu+Ax+Q28obhd8hoIQoE/89c18/+YEXPuvIn/GKb8B9xdV9fmVFGYVcgxQwxahL37sgJuBHXAzsANuBnbAzaBAAu4v/8l/wB38YJEH3BKz8UU+2YGVkdnB1sbGxubvRknf2lFVIwCfz24BVLVZXjYiso6M4d80RqqqTzyAJyLTsFYjZ+attCHfHNo8QcYjV2l8b4TpbWxsbP4e+PgcbmnLcPNEVTsXtw+5oarj/kSbF7EWVNnY2Nj8ffHx56j/dgHXxsbGxqaUYme4Nn9bnCV3u8SCxrd/BooYKQE7FhUVJWH3ppKEHXBtbGxsbGyKgDyeuilu7IBrY2NjY1M6SC3hq5RtbGxsbGxKBD6+aMqeQLCxsbGxKR0UoFqQWNKye0Rkv4hMyqa+nogsFUti9g8RGZTXOUtMhisij6vqS/mwmwvcWlgi9H8FEbke2KuqO4voeg8CdwOpwEksScPDpu4OrG0owZIPnG7KXwRuB4JVtUKmc9XDUjSqDDiBSao6tyj6kROr9p3gtV834lZlWPvGjL66pUd95JnzPDVzDQmJF3GrMrF/GN2b1GbbsVM8P8dsYq/Kfb1b07tF3WyuUHKo0qsNTV8YhTgdHJ/xGxFvz8nWrvq1nWjz6UOs6z+Zs1utLb4rtKhH86n34FchAFVl/YDHcSeX3L1jnE3bUnbIXeBwkLJ+MSlLZ3rUl7nuTpyNWwEg/mWRCkGcf/o2AMrd/RTOek1xHdpF0v9K/pN2q7bt59WvFuBWN8O6t+Wua6/yqI+MjefJT2aTcCEZt9vN/Tf0oXvry0lJdTFl+i/sjIjEIcKjtw6gY7P6xdOJS6GA5nDNroXTgH5Y8qUbROQnr9/uJ4HvVPU9EWkBzMXabjhHCjXgiohTVbNIuP1JHsfakzlXVDXPu4w/i3d//kT/rgd+wdqPuijYgrXv8wURGQu8hqUxHIKlvdsBa2/kTebLFAf8DLwD7PM61yV/uQoTl9vNyz9v4P1RvQmtFMiI9+fTo1kdGlUPSrf5aPl2+l9Rj5s6NeFATDzjv1jKvIdq07h6Zb66byB+TgcnExK5adqvXN20Nn7OEjrg4xCavTKazTe9SNKJWDoveJmTCzZyfq+nAJSzfDnq3TOIM5sy/mnF6eCKaePZPm4a53Yexj+4Au4U354HyxVxUHbYGBI/fBaNjyVg4muk7liPxmQoIF38OWMPGf9ug3DUylDtTFk2mxT/svhfOaBI3S4MXG43L305jw8euo3QkErcOuVjeoY1pVHtDNWfj35eyYCOLbmpVwcOHD/J+De/Yt7U+/lx+WYAfnz+PmLPnmfcG1/x1VN343AU+W6Il0bBrVLuBOxX1YMAIvINMBTP327FEr4BS1DnRF4nzfMXRkTqi8huEZkhIrtE5AcRCRSRPiaV3iYin4pIWWMfISKvGm3ZG01avllEtorIEmNT3rRZb84x1JSPEpGZIjJfRPaZjfQRkVeAABEJF5EZpmy2iGwSkR0iMiaTvxFG2QYRuc1cI1xEPjB3LTn18z2j47pDRJ7zOl/m/ngf9xeRNaaP34tIhTSfRWSnGWp4XUS6YokvTDX+NBKRMBFZa2xmZVLv8fatuohsMu/biIiajBMROSAigdm1U9WlmcTp12LJ8AEMwJIVPG2C7CJgoGmzVlUjs57t0r9chcn2Y7HUrVKROiEV8fdzMqDVZSzbddTDRoDzSVamdi7pItUqWnq5AWX80oPrxVQXgo//iORBULvGXDgUTeLhGDTFRdTs1VQb2DGLXaNJw4l4Zw7upIvpZVV6tubcziOc22mJaKXEnQO3b6/0zA1Hvctxn4pET0eDK5XU8N/xa9kpR3u/sO6khmcoXLr2b4PkxKJwtdDZfvA4dasHU6d6MP5+TgZ2bsmy8D2eRgLnEi0NknOJSVSrbOnlHjxxkk7NLV3kKpXKUzGwLDsiivVPPn9cwpCyZNLuNq8xmc5UG0vIJo1jpiwzzwK3icgxrARkQl7u5TfDbQrcpaqrRORT4EHgXiz92L0i8jkwFksBCCBWVduJSDUsdZ+r0+T5TP0TwG+qOlpEKgPrjbINQBjQFktRZ4+IvK2qk0RkvKqGZfJptKqeFkt5aIOI/Kiq6erSItIcGA50U9UUEXkXGAF8nkMfnzDncwJLRKS1qv6RuT/mvK9k6l9VYCbQV1XPi8hjwINibc84DGhm5Acrq+oZEfkJSwjiB3OuP4AJqrpcRKZgZZ3/8nbMyAuWE5FKWJq4G4HuIvI7lgJTFoH7bLgLmGfe5+fL5M2zwEIRmQCUx9IjLjZiziZSIyjjPiM0KJBtxzzFxe/r3Zqxny3h63V7SLzo4oNRvdPrth09xTOz1hIZf54X/69ryc1ugbI1Qkg+kdH35BOxVGrX2MOmYqsGlKtVhVOLt3DZP69LLw9sVAtVpe03j1OmSiWiZq/m8LSfisz3gkYqhaBnTqUfa3wsjnpNsretXA0JqW4F2VJIzJkEaoRkjPhUD67EtoOeox5jh/bgvn/P4Osl60lMTuHDh62h9SZ1Q1kevodrOl9B1Ol4dkVEEn36LK0a5vUzUbyoK/8Djqr6IfDhX7jcLcBnqvpvEekCfCEiVxgJ02zJ76/MUVVdZd5/CfTBktTba8qmA1dnsv/W/P9KLP3WQwBGCxcs/dVJIhKOpTtbDqhn6paoaryqJmGl75fl4NNEEdmKlbnVBS73qu+DJSe4wVynD9CQnLnJZK1bgJZAi2z6k13/WgCrzDXuMP7GA0nAJyLyDyBLQBSRIKCyqqZp4Hp/ht6sxtpj+WqsofWrsYJvrgL05lq3YQ0fT83LNhfSvlx1sHR4vxDJuoNB5rvGTxZvzHKSomT+HxEMadeIhY/8g3dG9uTJH1fjNtlbq7pVmTlxMDPuHcgnK3aQnFJQMx8+iAhNnhvJ3me/yFrldBDcuRnb//k2G4Y8TfVBHQnpXiK2Tv/L+IVdReofa3x+ZWthMm/ddoZ0a8Oifz/AtH/dwhMfzcbtVq7v3pbQ4ErcOuUjpn69gDaN6/r+cDIU5KKp41hxJY06piwzdwHfARit+HJA1dxOmt+A6z3GdCYP+/N51Avwf6oaZl71VHWXqcusseoimyxcRHpiZVhdVLUNVpD0Vg8XYHqmazRV1WezdUakAfAwVsbeGvjV63ze/Uk7Fqyh2bRrtFDVu1Q1FWsO4AdgMJae8F9lBVaAvQxLa7cNcBV5BFwR6Ys1ojAkk35tfr5M3uTry6WqH6pqB1XtcFffDnn16U9TvVIAUfEZ9zHR8ReoboaM05i16QD9r7Du49rUq0ZyqpszFzwlfBtWDyKwjB/7Y84Umq+FTXLUacrWqpJ+XLZWFZKjMmSV/SqUo0KzunSY+TRXbXiboPaXE/b5I1Rq05CkyNPErdlFyukE3IkXObV4CxVbNSiObhQIevY0UjnjaylBVdD42Gxt/cKu8hhOLm1Ur1yRqNPx6ccxcWcJDa7oYTNrZTgDOlm5RZvGdUlOSSXu3AX8nA4euWUA3z13L29NvJmEC0lcFloFn0fd+X/lzgbgchFpICJlgJsB76GfI1iJXNqIajmsxak5kt+AW8+kzGCJk28E6otI2rjVSGB5Nu3WAlebgEamIeUFwAQREVPeNh8+pIiIv3kfBMSZxUDNsDJNb5YAN4hI9bRri0hO2XIlrCAaLyKhwDX58Aes/nVL+xzM3HQTM48bZFbxPoAVHAESsETnUdV4IE5Eupu6nD7DNFYCtwH7zJDFaaxM8/ecGpjP9QOsYBuTqWoB0F9Egs28cX9TlhuX/OUqTFrWrsKR2ASOx50jJdXFgm2H6dGsjodNzcqBrDsQBcDBmHguproILl+W43HnSHVZf3Anzpwj4tRZalUuX+R9KCjObjlAYMMalKtXDfF3UuP6rpxckDG6kJqQyPIW9/B7xwn83nEC8Zv2EX77VM5uPUjs0q1UaF4PR0AZK9vt2oLze4/lcjXfxn10H46qNZHg6uD0wy/sKlw7N2Sxk2q1kYAKuA/vyeYspYOWDWpzJPo0x07GkZLqYv66HfQI8xxerxlSiXU7DwHWvO3FlFRCKgaSmJzChWRrrn/NjgM4nQ6PxVY+i1vz/8oFkzSNx/pd3IW1YHSHiEwRkSHG7CHgHjPS+jUwSvMQmM/vHO4eYJyZv90JTMQKNt+LiB/W3cD72Th90kxEzzTDjzFYy6yfx5rv/cOUH8LKBHPjQ2O/GRgN3Cciu4xva7NeWneKyJNY844OIAUYBxzOxs+tIrIF2I01t7nK2yY7TP9GAV+LWTSGtZo3AZgjIuWwsuAHTd03wEciMhG4AWsI+n2z6OkgcGcu14owNygrTNHvQB2z6CknpgIVsP6dAI6o6hAzV/081r8bwJS04X6xFqrdCgSaxQAfm5GBh4zvD2CNeOT55SpM/JwOJg3uwNjpv+F2K0PbNaJxaGXeXbKVFrWq0LN5HR4c2J4pc9YyY/VuEOG5f3RBRNhyOIZPV+zEz+nAITB5cEeCy3sPkJQc1OVmz+RPaffN44jTwYmvl3F+zzEaPXojZ7ce5OSCTTm2TY0/z+H3f6HzfOsBgFOLt3Bq8Zaicr3gcbtJnv0RAfc8Yx4LWoI7+ihl+t+C69j+9ODrH3YVqeFZ71UDxr6Io3ptKFuOwCc+Ivn7abj2hhdxJwoGP6eDybddw9j/zLCGia8Ko3Ht6kybtZSW9WvRs21THhrenynTf+bLhesQgSl3DUVEOJ1wnrH/noHDIVSvXJEX776+uLuTPwpwL2WTMM31Kns60/udZJVSzRXJ6zdTROpjLfTx+Ykds+ApBqhhi9AXP4nfTSm5y10LmN8n7ChuF3yGLrdfzNvob4Lf9TcUtws+Q7luI/7yJPGFN+/N929O4L8+KPJJ6RKz8UU+2YGVkdnB1sbGxubvRklXC1LVCMDns1sAVW2Wl42IrAPKehWPVFWfeDbAPFLkPUzxlqr+Lzt70+YJ4Eav4u+NML2NjY3N3wMff4a8tGW4eaKqnYvbh9xQ1XF/os2LgB1cbWxs/t74+CNef7uAa2NjY2NTSrEzXJu/K0MfWl3cLvgM/w0quTtZFTTPfx+Ut9HfhJ+mv1XcLvgMu2JG/OVzaEmfw7WxsbGxsSkRXMLWjsWBHXBtbGxsbEoH9pCyjY2NjY1NEWAPKdvY2NjY2BQBPp7hlriVHCLyeD7t5hrpP59DRK4XS8T9z7RdJiL5UgUQkRFiae1uE5HVItImU91AEdkjIvtFZFKm8hmmfLtYmsX+plxE5L/G/g8Rafdn/C9IOvRszyfLPuZ/Kz9l+D9vylLfqvMVTJv7DvMO/Ur3QVd51N39+F18uPgDPv7tQ/753NiicrnQKN+9PQ3mf0jDRR8TMsb7kWwIGtaXxmu/pv6ct6k/522CbvQUWHeUD6DRis8JfbrkfxaZadKjDQ8v+TePLHuDnmOHZKnvPKIv/5r/KvfPfZn7vn+G6o19W37uUrmq15XMXf0989f9yN0Tbs9S3+HKtvy4+HO2nVhN/8G9Peo+/OYt1u1bwntf/qeo3P3rFJx4QaFQJAFXchF+/xPkK+Cq6iBVPVOA103Huz9/on/X4yn/V1gcAnqoaius/as/hHR/p2GJNLQAbsl0AzADaAa0AgKAu035NVgSiJcDY4D3isD/HHE4HIx/YRxP3P4k9/QeQ8+hPal3eT0Pm5jjJ3n9wX/z2+ylHuUt2jenZYcW3Nd/LGP63keTNk1ofWXronS/YHE4CH3mnxy752kODrqPSoN7UKZR3SxmCXNXEDF0AhFDJxD/vadWRdV/3c6FDduLyuMiQRzC9VPu5NNRr/Kffg/TZkjXLAE1fM4q3hz4GG8NmszyD35h8FMji8nbgsfhcPDUq48y5pb7ue6q4Vz7jwE0auKpBHXieBSTJ07h15kLs7T/dNqXPDbumaJyt2AoIPGCwiLfAVdE6ovIbpMB7RKRH0QkUET6iMgWk0V9mraJv4hEiMirRmzgRpNRbRaRrSKyxNiUN23Wm3MMNeWjRGSmiMwXkX1mQ/008fcAEQkXkRmmbLaIbBKRHUYogUzXr2re32auES4iH+QWIEXkPbH0XHeIyHNe58vcH+/j/iKyxvTxe7EUgxCRV0Rkp8kKXxeRrsAQYKrxp5GIhInIWmMzSywFn9wYadpuF5FOORmp6upM4gZrsWT4wJIO3K+qB1X1IpaowlDTZq4agPWZ2gwFPjdVa4HKIlIzDz8LjaZhTTkREUnUkShSU1JZ/tNyuvbv4mETfSyaQ7sP4b1fuCqUKVsGvzJ++Jfxx8/fSdyp3DQgfJtyrZtw8fAJUo5GQUoqZ39dQYW+XfJuaCjbsjF+VStz4ffNhehl0VM3rDGxh6M4fTQGV4qLrT+voUV/z8Gh5HOJ6e/LBJa1vhylhNbtWnLk0DGOHT5BSkoqc2ctpPdAT8ntE0cj2btzP+5s5j7XrtzA+XNZpLx9Gk115ftVHFxqhtsUeFdVmwNnsVRwPgOGmyzKD8g8JhWrqu2wpPI+wtLAbUPGNoRPAL+paiegF1YQStNJCwOGY2Vaw0WkrqpOAhKN9mzaQ1ujVbU9lsD6RBHxEG0US0puONBNVcOwNHZze+DrCVXtALQGeohI5tQnVlXbqeo3Xv1bjKUS1NccbwQeNL4MA1oand0XVHU1lq7iI6YfB4DPgceMzTYgr9vKQNOXfwKf5mGbxl3APPO+NpYqUhrHTFk6Zih5JBlavnm2KUqq1qjCyRMZ6oAnI09RpUb+9Dp3bd5F+JqtfLPxK77Z9BUbl2/i6P6jeTf0UfxDq5AadSr9ODXqFP7ZaJdW7N+N+j9No9Z/H8evhtGMFSF00t3EvPJxUblbZASFBnPmRIYWbnxkLEGhWe9lu4zsx6PL32TQpFuZ8+z0onSxUKleoxpRx6PTj6MjYwitWQIk9v4KpSXDNRxV1TTpui+x9FEPqepeUzYdyHwL9a35/5XAClU9BJAmBYelwzpJRMKBZVgaq2njgktUNV5Vk7AkAXPSsp0olh7hWixR9cu96vsA7YEN5jp9gIa59PEmk7VuAVriOfT7rZdt5v61AFaZa9xh/I0HkoBPROQfQJbbRREJAiqrapoWrvdnmB1fA6jqCqBSXnPVItILK+A+lsd5M/Mu1r/ZJSl0i8gYM0Kw8dg53wxiterXpF7jetza6TZu6TiCsK5hXNGpZXG7VagkLF3HgV6jiBgyjgurtlDz1YcAqDziWs4t30hqdPYi7X8H1nyxiNd6/It5r3xFnwnDitsdm7+Cj8/hXuoqZe/bgjNAbmnF+TzOJ1hZr4cKtIh0BpIzFbnIxlcR6Qn0BboYMfplWEHb+xrTVXVyHr4gIg2Ah4GOqhonIp95nc+7P2nHAixS1VuyOWcnrCB/A5agcW9vmz+B979DjrdrJkP/GLhGVdN+VY9j3ZykUceUpbV5BqgG3JvJJtc26Y6ofoiZK+5fd2Ch3UaeioqlWq2Mu/VqNasSG5W/oNFtQDd2b9lN0oUkADYs3UDzds3Zvr5kSuilRMdmZKyAX42qpHgFUPeZhPT3Z75fQLVHRwMQENacwA4tCb71WqR8OcTfH/eFRE6+/lmR+F6YxEfHUblWxs9TUM0qxEfnPHWw9ec1DHvhrqJwrUiIiTpJjdqh6cehNasTHXkylxalgFK2SrmeiKRNDt2KNXRaX0Qam7KRwPJs2q0FrjYBDREJMeULgAkiljq6iLTNhw8paStngSAgzgTbZliZpjdLgBtEpHratUUkp2y5ElYQjReRUKyFQvlhLdAt7XMwc9NNzDxukBEyfgBIWyWcAFQEUNV4IE5Eupu6nD7DzAw317kKiDfnyIKI1ANmYqkh7c1UtQG4XEQaiEgZ4GasYW5E5G5gAHCLqsdt4E/A7WJxpbluZB5+Fhp7tu6hdv1a1Kgbip+/Hz2G9GDNorX5ahtzIoZWnVvhcDpw+jlpfWWrEj2knLRtL2Xq18K/Tij4+1Hp2qs5t8Tzs3BWyxhKrdCnMxcPWP2NfHgqB3qO4kDvOzn5yiecnb2kVARbgGNbD1Clfg2C61TD6e+kzXVd2LVok4dNlfo10t83692WUxFRRe1mobFty04ua1iX2vVq4e/vx6Bh/Vm64JIGrEoc6tZ8v4qDS81w9wDjRORTrGHeiVjB5nsR8cP6IX/fu5GqnjQLmmaKiANLJL4f1srZN4E/TPkhYHAePnxo7DcDo4H7RGSX8c37F1dVdaeIPAksNNdIAcYBh7Pxc6uIbAF2Y81XrvK2yQ7Tv1HA12IWjWHN6SYAc0SkHFYW/KCp+wb4SEQmYmW+dwDvi0ggcBC4M49LJhk//c1nkBNPY41AvGvuaVJVtYOqporIeKwbHifwqaqmpXfvY302a0ybmao6BZgLDAL2Yw2N5+VjoeJ2uXnnqXd56csXcTgdLPh2IYf3Hub2h0ay9499rF20liZtmvDMR09RMagiV/btzMgHRzKm772s/PV3wrqG8eGi91FVNi7fxNrF64qzO38Nl5voKe9R95MXwOkg/oeFXNx/hKoTbyNp+z7O/baOkNuHUqF3Z9TlwnUmgchJJehRjz+J2+VmztOfcdfnk3E4HWz4bhnR+47R74EbOLbtELsWb6LrHf25vFsrXKmpJMaf57uHinXxfYHicrl4YdJUPv72vzicDmZ+9TP79xxkwmNj2B6+i6ULVnJFWHPe/uw1KgVVolf/7kx4dAzXXX0zAF/89CENG19GYPkAlob/zJMPvMiqpfm7qS02imkxVH4R7xWcORqK1Ad+UVWf18Y1q5BjgBq2GH3xUZhDyiWN/waUuEfeC43/XbTFC9L46cKB4nbBZ9gVs17+6jkS/nlNvn9zKr477y9f71IprTtN7QA+toOtjY2Nzd8IH5/DzXfAVdUIwOezWwBVbZaXjYisA8p6FY9U1W2F49WlISLTgG5exW+p6v+ysb0TuN+reNWfEbO3sbGxKankd8S2uCitGW6eqGrn4vYhNy4lWJognCUQ29jY2PytKC0Zro2NjY2NjU9jB1ybvyvunB8Ptvkb49vrSG1KMppqy/PZ2NjY2NgUPr4db+2Aa2NjY2NTOiiuDS3yix1wbWxsbGxKB3bAtbGxsbGxKQJ8fEi5xG1/IyL5EqAXkbl5qegUFyJyvWQIvl9q22Ui0iFvSxCREUZjd5uIrBaRNpnqBorIHhHZLyKTMpWPN2UqRk/YlAcbrd4/xNIWLvZnsjv27MD/ln3M9JX/4+Z/3pSlvlXnK3hv7jssODSX7oOu8qi75/G7+Hjxh3zy20eMe25slrYljfLd29Ng/oc0XPQxIWNuzFIfNKwvjdd+Tf05b1N/ztsE3TjAo95RPoBGKz4n9OmS/1lkpmmPNjy65N9MWvYGvcYOyVLfZURfHpr/Kg/MfZlx3z9DaONiU5wsFK7qdSVzV3/P/HU/cveE27PUd7iyLT8u/pxtJ1bTf7CnrsqH37zFun1LeO/LkrMNqK/vpVwkAVdyEXz/E+Qr4KrqIFU9U4DXTce7P3+if9fjKftXWBwCehit4ucxKj7G32lY4gwtgFsy3QCswlJg8t5r+nEg3Gj23g68Vfju54zD4WDCC+N4/PYnuav3PfQa2ot6l9fzsIk5fpLXHvw3v81e6lHeon0LWnZoyZj+93FP33tp2qYJba5sTYnF4SD0mX9y7J6nOTjoPioN7kGZRnWzmCXMXUHE0AlEDJ1A/PcLPOqq/ut2LmzYXlQeFwniEIZNuZOPR73K1H4P03ZI1ywBdfOcVfx74GO8MWgySz/4heueGllM3hY8DoeDp159lDG33M91Vw3n2n8MoFGTBh42J45HMXniFH6duTBL+0+nfclj4/KS5vYtNFXz/SoO8h1wRaS+iOwWkRkisktEfhCRQBHpIyJbTBb1adrm/SISISKvGpGBG01GtVlEtorIEmNT3rRZb84x1JSPEpGZIjJfRPaJyGum/BUgQETCRWSGKZstIptEZIcRSCDT9aua97eZa4SLyAe5BUgReU8sPdcdIvKc1/ky98f7uL+IrDF9/N4oBSEir4jITpMZvi4iXYEhwFTjTyMRCRORtcZmlohkVcn2ZKRpu10s+b9sUdXVqpqmR7YWS1IPoBOwX1UPqupFLDGFoabNFrOrmDctgN+MzW4slajQbOyKhKZhTTkRcYLII1GkpqSy7KdldOvfxcMm+lg0h3Yfwu2lfamqlClbBr8yfviX8cfp70fcqZxl23ydcq2bcPHwCVKORkFKKmd/XUGFvl3ybmgo27IxflUrc+H3zYXoZdFTL6wxsYejOH00BleKi/Cf19Cyv+fgUPK5xPT3ZQLLgo/vVHQptG7XkiOHjnHs8AlSUlKZO2shvQd6Sm2fOBrJ3p37cbuzjsWuXbmB8+eySHj7Nu5LeBUDl5rhNgXeVdXmwFks9ZvPgOEmi/IDMo9JxapqOyyJvI+wtG/bAGljXk8Av6lqJ6AXVhAqb+rCsGToWgHDRaSuqk4CElU1TFVHGLvRqtoe6IAlRu+hzysizc15uqlqGNZjgCPImSdUtQPQGughlp6sR39U9Ruv/i3GUgfqa443Ag8aX4YBLU1m+IKqrsaSunvE9OMA8DnwmLHZBuR1Wxlo+vJP4NM8bNO4C5hn3tfGUkNK45gpy42twD8gXeP3MjICeJFTtUYVYk5kaHuejDxFlUyasLmxa/Muwtds5buNX/Pdpq/ZuHwTR0qwPJ9/aBVSo06lH6dGncI/NKtMdcX+3aj/0zRq/ffxDP1cEUIn3U3MKx8XlbtFRlBoMGdOZOgCn4mMJSg0671s15H9mLT8TQZPupXZz04vShcLleo1qhF1PDr9ODoyhtCa1XJpUfLxcf35Sw64R1U1TbLuSyxh9UOZtFanA5lvob41/78SWKGqhwBU9bQp7w9MEpFwYBmW2HvauOASVY1X1SQsKcCcNGwnishWrAyuLnC5V30foD2wwVynD9Awlz7eZLLWLUBLPId+v/Wyzdy/FsAqc407jL/xQBLwiYj8A0vWzgMRCQIqq2qaBq73Z5gdXwOo6gqgUl5z1SLSCyvgPpbHeXPjFaCy6d8ErM8nyx4GIjLGjBBsPH7u2F+4XOFRq34tLmtcl5s7jWB4x1tp27UNV3Qq9inpQiVh6ToO9BpFxJBxXFi1hZqvPgRA5RHXcm75RlK9BOv/Tqz+YhGv9PgXv77yFX0nDCtud2z+Cj6e4V7qKmXv8ZYzWHqrOXE+j/MJVta7x6NQpDOQnKnIRTa+ikhPrPnGLkaEfhlW0Pa+xnRVnZyHL4hIA+BhoKOqxonIZ17n8+5P2rEAi1T1lmzO2QkryN8AjAd6e9v8Cbz/HXIcBzMZ+sfANaqa9qt6HOvmJI06piznC6qexWjgiohgzQ8fzMbuQ8xccd+6AwptfO5UVCzVa2XcrVerWZXYTFleblw1oCs7t+wm6UISAOuXbqRFu+ZsX18y5zBTomMzMlbAr0ZVUrwCqPtMQvr7M98voNqjloxyQFhzAju0JPjWa5Hy5RB/f9wXEkuFCH18dByVa2X8PFWuWYX46JynDsJ/XsM/XrirKFwrEmKiTlKjdsasT2jN6kRHnsylRcmnuDLX/HKpGW49EUmbHLoVa+i0vog0NmUjgeXZtFsLXG0CGiISYsoXABPMDzgi0jYfPqSIiL95HwTEmWDbDCvT9GYJcIOIVE+7tojklC1Xwgqi8WZ+8pp8+ANW/7qlfQ5mbrqJmccNUtW5wANA2irhBKAigKrGA3Ei0t3U5fQZZma4uc5VQLw5RxZEpB4wE0sFaW+mqg3A5SLSQETKADdjDXPniIhUNrYAd2ONWJzNw89CY8/WPdSuX5sadUPx8/ej55CerF6UP3HsmBMnadO5NQ6nA6efk9ZXtuLI/iOF7HHhkbRtL2Xq18K/Tij4+1Hp2qs5t8Tzs3BWyxhKrdCnMxcPWEPokQ9P5UDPURzofScnX/mEs7OXlIpgC3B06wGq1q9BSJ1qOP2dhF3XhR2LNnnYVK1fI/19895tORURVdRuFhrbtuzksoZ1qV2vFv7+fgwa1p+lC1YWt1uFiqbm/5UXksOTHF42N5k1OjtE5Ku8znmpGe4eYJyIfIo1zDsRK9h8LyJ+WD/k73s3UtWTZkHTTBFxYInD98NaOfsm8IcpPwQMzsOHD439ZmA0cJ+I7DK+ef/iqqruFJEngYXmGinAOLKuwkVVt4rIFmA31hznKm+b7DD9GwV8LWbRGNacbgIwR0TKYWXBD5q6b4CPRGQiVuZ7B/C+iARiZY135nHJJOOnv/kMcuJprBGId809TaqqdlDVVBEZj3XD4wQ+VdUdAManR4EaWJ/zXFW9G2gOTBcRxdIbLtZUwO1y8/ZT03jly5dwOB3M/3Yhh/ce5o6HbmfvH3tZs2gtTds04dmPnqZCUEW69L2SOx68nbv7jmHFrysJ69qGjxZ9AKpsWL6RtYvXFWd3/houN9FT3qPuJy+A00H8Dwu5uP8IVSfeRtL2fZz7bR0htw+lQu/OqMuF60wCkZNKzqMefxa3y82spz/jns8nI04HG75bRvS+Ywx44AaObjvEzsWb6HZHfy7v1gpXaiqJ8ef55qH3itvtAsPlcvHCpKl8/O1/cTgdzPzqZ/bvOciEx8awPXwXSxes5Iqw5rz92WtUCqpEr/7dmfDoGK67+mYAvvjpQxo2vozA8gEsDf+ZJx94kVVL83dTW1wUVIYrGU9y9MNa47JBRH5S1Z2ZbC4HJmOtD4pLS+pyPW9+9QNFpD7wi6r6/GSX+bBigBq2CH3xUZhDyiWNdwIK8sm4ks3HF4OK2wWf4dcLB4rbBZ9hV8x6+avniO7VI9+/OaFLl+d4PTOS+6yqDjDHkwFU9eVMNq8Be1U13ysOS9zGF/lkB/CxHWxtbGxs/kao5PuVeYGneY3JdKb8PMnRBGgiIqvMY50D83Iv30PK5tlMn89uAVS1WV42IrIOKOtVPFJVtxWOV5eGiEwDunkVv2XE5r1t7wTu9ypedSki9jY2NjYlnUsZUs68wPNP4of1VExPrIWnK0SkVW4bLv1t91JW1c7F7UNuXEqwNEE4SyC2sbGx+Tuh7r88Kp1Gfp7kOAasMyOph0RkL1YA3pDTSUvrkLKNjY2Nzd8Mt0vy/cqD/DzJMRsru0WsXQ2bkM2jkpn522a4NoWPy9cfiitCxGHf26bhzvmx8b8dan8WBUpB/eTk9CSHiEwBNqrqT6auv4jsxNor4pFMex1kix1wbWxsbGxKBQU4pIzZP2GuV9nTmd4r1qOeD5JP7IBrY2NjY1Mq8HXtCTvg2tjY2NiUCgoywy0M7IBrY2NjY1MqyMdiqGKlxK3kEJF8CdCLyNy8VHSKCxG5XjIE3y+17TIR6ZC3JYjICLE0dreJyGoRaZOpLtt9QkVkvClTs/IurTxIRH4WS894h3n2t1jp2LMD05d/ype/f8Yt44ZnqW/duRUfzHuXxRHzufra7unlYV3b8NGC99NfC/b/SrcBXYvS9QIn8Kr2NJj3EQ0WfELIPTdmqa80rC+NVn/DZbPe4bJZ7xB0wwCPekf5QBou+4LqT43N0rak0axHGyYt+Q+PL3uT3mOHZKnvcdcgHl30Og/Pe5X7ZjxJcO0M4YfBk27lkQVTeWTBVMIG519T2Fe5qlcX5q3+gQXrZnLPhDuy1He4si0/Lv6C7SfWMGCwp67KR9/8l/X7fuP9L0vONqDqlny/ioMiyXBFxKmqWaTc/iSPAy/lZaSqgwroelnw7s+f6N/1wC9Y+1EXJoeAHmafz2uwHvLunMc+oauMb8u8zjUO2Kmq14lINWCPiMwwAvZFjsPh4P4XJvDIrY9xMvIU7//6DqsXruHwvgwRgujjMbz64FSG3+sZgMJXb+WeAfcBULFyRb78/TM2Lvfc1L5E4XAQ+vQ4jo1+nJToU1z2/Vuc+20dFw94CjIkzFtOzPPZ7xVc9f6RJG70iT1f/hLiEP4xZTTv3/Yi8VGxPPDTS+xYtIno/RmPUB7fGcEb1z1OStJFut7Wj8GTR/DF+Ldo3qsttVvW59+DHsOvjD///OZpdi0L9xCpL0k4HA6efvVRRt84nugT0Xy/cDq/LVjBgb2H0m0ij0cxeeJzjP7nbVnafzLtCwICyjH89pIjWahaSjJcEakvIrtFZIaI7BKRH0QkUET6iMgWk0V9mrZ5v4hEiMirRmTgRpNRbTYZ0hJjU960WW/OMdSUjxKRmSIyX0T2mT0rEZFXgAARCReRGaZstohsMlnXmEz+RqRlaCJym7lGuIh8YAJOTv18z2zztUNEnvM6X+b+eB/3F5E1po/fi6UUhIi8IpaaxB8i8rqIdAWGAFONP41EJMxsDfaHiMwSkawq2Z6MNG23iyX/ly2qulpV0/TI1pIhGN8J2K+qB03A/AYYatpsMbuKZTkdUFFEBKgAnAbyoblRODQLa8qJiBNEHokiNSWV3+Yso1t/zyw1+lg0B3cdwu3OeSVFj2u7s37pBpKTknO08XXKtW5CypETpByLgpRUEuYup0Kf7ISzsqdsy8Y4qwRzftXmQvSyaKgX1phTh6M4fTQGV4qLLT+v5or+ngNC+9fsJCXJuk88vGUflWtY4mU1Lq/NwfW7cbvcXExMJnL3EZr1aJPlGiWF1u1acuTQUY4dPk5KSipzZy2iz8AeHjbHj0ayd+d+NJu/kbUrN3D+XF4Kq75FaROgbwq8q6rNgbNYy6E/A4araiusjDnzmFSsqrbDksj7CEv7tg2QlnI8Afymqp2AXlhBqLypC8OSoWsFDBeRuqo6CUhU1TBVHWHsRqtqe6ADlhi9hz6viDQ35+mmqmFYz0uNIGeeUNUOQGugh1h6sh79UdVvvPq3GEsdqK853gg8aHwZBrRU1dbAC6q6GusB6kdMPw4AnwOPGZttwDO5+AcQaPryT+DTPGzTuAuYZ97nZ59Qb97BUgw6YXy8X7X4HrStWrMqMZm0PU9GnaJqzaq5tMieXkN6smT20oJ0rcjxC61KSqbPIjXqFH6hWWWqK/a7ivpz3qXWW09k6OeKUP2xezj5Wr73X/dpgkJDOHMi41HIM5GnCQoNydG+80292LUsHIDju6wA61+uDOWDK9K4Swsq18xN7tu3Ca1Rjcjj0enHUZHRhNaslkuLko9bJd+v4uBSh5SPqmqaZN2XwFPAoUxaq9Oxhh7fNMffmv9fiaWfeghAVU+b8v7AEBF52ByXA+qZ90vSdF7Ng8WX4Rkk0pgoImljHnWxttbK/PBxH6A91rApQACWklBO3GQyZT+gJtAC+MOrP3gdX2nsVplrlAHWAPFAEvCJiPyCNVTrgYgEAZVVNU0DdzrwfS7+AXwNoKorRKSSiFTObf9OEemFFXCvyuO8uTEACAd6A42ARSKy0lsT13x2YwCaVG5GrfJ1vM/jM4RUD6FhswZsWL6xuF0pdM4tXUfCL8vRlBSChl9DjVce4tioyVS+dTDnl28gNfpUcbtY5LS//irqtm7IO8Otgay9K/+gXuuGTJw5hXOxZ4nYvA9125u3lCR8fUj5UgOu97jDGSy91ZzIazxCsLLePR6FIp2BzGN8LrLxVUR6An2BLkaEfhlW0Pa+xnRVnZyHL4hIA+BhoKOZ9/zM63ze/Uk7FmCRqt6SzTk7YQX9G4DxWAHrr+L975DjmKnJ0D8Grsm0C0p+9gn15k7gFfOw934ROQQ0A9Z7OJJpQ/BedfoV2lNxpyJPUT3T3Xq1GlU5FXlpQaPXdT34ff4qXKkFtbygeEiNPoV/ps/Cr0ZVUqM9N7xxn0lIfx///QKqPWzJGQeENSegfUsq3zoYCSyH+PvjPp/Eqf+UzK2546NPU7lWxk9S5ZohxEefzmJ3ebcr6Dt+GNOGP4frYsbMyOJps1k8bTYAt701gZMHIwvd58IiOuokNWuHph/XqBlKdKaRkNJIaVulXE8snUCAW7GGTuuLSGNTNhJYnk27tcDVJqAhImljPAuACWZeEBFpmw8fUkTE37wPAuJMsG2GlWl6swS4QYw4sIiEiMhlOZy7ElYQjReRUOCafPgDVv+6pX0OZm66iZnHDTI7ljwApE0IJQAVAUwWHyciactoc/oMMzPcXOcqID5tJMAbEakHzMRSQdqbqSo/+4R6cwTrxgHz2TQlj31DC5PdW/dQu0FtatStgZ+/H72H9mT1ojWXdI7eQ3uxZE7JHk4GSNq2F//LauFfOxT8/ag4qAfnfvMUCndWy1gWUKH3lVw8YA0WRT7yGgd738HBPqM4+drHnJ2zuMQGW4CjWw9QrX4NQupUw+nvpO11Xdm+yHNBXO2W9bnxpXv45O6pnIvNGKARhxBYuQIANZvVo2azeuxZ+QcllW1bdnJZw3rUrlcLf38/Bg3rx28LVhS3W4VKaVulvAcYJyKfYq2wnYgVbL4XET+sH/L3vRup6kkz1DhTRBxYQ7r9gOexhp//MOWHgMF5+PChsd8MjAbuE5Fdxre1XraqqjtF5ElgoblGCtaw9+Fs/NwqIluA3VjD16u8bbLD9G8U8LWYRWNYc7oJwBwRKYeVBadtAfYN8JGITMTKfO8A3heRQKwgltcjN0nGT3/zGeTE01gjEO+ae5pUVe2Q0z6hAManR4EaWJ/zXFW9G+vf6jMR2Wb68piqFts4pNvl5r9PvcNrM17G4XAw79sFROw9zJ0P38GerXtZvWgNTds04fmPn6VCUAW69LuSOx+8nTv73ANAaJ1QqtWqxtY1JfcHNR2Xm5jn36POJy+Aw0n8jwu5uP8IVSaMJGn7Xs4vXUfwyKFU6HUl6nLhjk8gavK/i9vrQsHtcjPz6f8x5vPHcTgdrP9uKdH7jjHwgRs5uu0gOxZv4rrJIygbWJY73v0XAHHHT/HpPa/j9Pdj/PfPApB8LpEZD7yD21Vyh5RdLhfPT3qNT779Lw6nkx+/+on9ew4y4bF72R6+i6ULVnBFWAve+ew1KgVVolf/qxj/6L1cd7X1iN2XP31Iw8b1CSwfwLLwX3jygRf4fan3T6xvUVxzs/lFNJ97YYlIfeAXVfV5TVyzCjkGqGGL0BcfhTmkXNJ4v4K9x0waHyQFFbcLPsPcCweK2wWfYXfMhr8cLbc1uC7fvzmtDv1c5NG5tP4K7AA+toOtjY2Nzd+HUrOXsnk20+ezWwBVbZaXjYisA8p6FY9UVZ94+l9EpgHdvIrfMmLz3rZ3Avd7Fa+6FBF7Gxsbm5KOrw8pl9YMN09UtXNx+5AblxIsTRAuuStdbGxsbAoAty1eYGNjY2NjU/jYGa7N35YJqaV7V5tLoVxgbnut/L2YMsxeWpHGi60Lbcv3vyWlbeMLGxsbGxsbn8TOcG1sbGxsbIoAH1+kbAdcGxsbG5vSgcvt2xLvdsC1sbGxsSkV+Pq+YHbALSBE5HFVfSkfdnOBW3NT9ylAn2ZgyRamYIkM3KuqKWbv6reAQcAFYJSqbhaRMOA9rD2lXcCLqvqtOVcDrC0pqwCbsJ5ZLhbx+TRCe7Wm9fO3I04HETOWsvedn7O1q3VtR6785AF+G/AEZ7YeIrhtI9pOtTbvR4Tdr//IiXklWzGoXNeOhDz8T3A6ODdrHmc/+8ajvvx1/Qn+1xhcMdZunAnfzuHc7HmU7dCGkIcyFDX969fj5OQXSFy2ukj9L0icTcIoO3g0OBykbFhCyvJZHvVlrh2Fs6G1pYCUKYuUD+L8lNtx1KxP2evHQNlAcLtJWfoDqdtK7ucAsGpfJK/N34zbrQxr15DR3Vt41EeeOc9Ts9eRkHQRt1uZ2LcN3ZvUYs2BKP67eCspLjf+TgcP9AujU8PQHK7iOyj2HK7PIiJOVS0oqZjHgTwDrqoW5bLEGcBt5v1XwN1YAfUaLBnDy4HOpqwzVvC9XVX3iUgtYJOILDA3B68Cb6jqNyLyPpbc33tF2BdPHEKbl+/k95teJjEyll7zXyBy4WYS9nqKHvmVL0fjuwdyetO+9LKzu4+ydMCTqMtNueqV6f3by0Qu3IyW1H1zHQ5CHptAzD8fIzX6JDW/nEbi8tWkHDriYXZ+4TLiXn3Hoyx541Yib7nPOk2litSaM52ktZ6b/ZcoxEHZIfeQ+MkU9GwsAeNeJXXXBjTmWLrJxV8/S3/v3+UaHLUaAKApySR99zYaG4lUDCZg/FRS94VD0oUi7kTB4HK7eXnuRt4f2YvQSgGM+GgRPZrWplH1jK01P1qxg/4t63JTx8s5EBPP+BnLmddkCMGBZXnrlqupXimA/dFnGPvlchY9NLQYe5M/3D4+ievbA975QETqi8huEZkhIrtE5AcRCRSRPiKyRUS2icinaaICIhIhIq8a8YMbRWSgiGwWka0issTYlDdt1ptzDDXlo0RkpojMF5F9IvKaKX8FCBCRcJNVIiKzRWSTiOwwwg1kun5V8/42c41wEfnA7AGdXR9vFJH/mPf3i8hB876hiOQosKCqc9WAleGmidMOBT43VWuByiJSU1X3quo+0/YE1n7U1UxG3Bv4wbSfDlx/Kf9OBU1I28acPxTNhSMxaIqLY7PXUHNA+yx2LR67kb3TfsaVnPEoiivxYnpwdZTz9/2VFnlQ5oqmpB47QerxSEhN5fyCZQT09N6kLG8C+15N0qoNaFJy3sY+iqNuY9yxUWhcNLhSSd36O37NO+Zo79fmKlK3/g6AnopEYy05Pk2IQ8/HI+VL7r7P24+fpm5IReqEVMDfz8mAK+qxbI/nDamIcD7Zkic8l5xCtYoBADSrGUz1Stb7RtWDSE5xcbEEyFi6kXy/ioMSH3ANTYF3VbU5cBZLleczYLiqtsLK5Mdmso9V1XZY0n0fYWnytgFuNPVPAL+paiegFzBVRMqbujAsebxWwHARqauqk4BEVQ1T1RHGbrSqtsca0p0oIh66wSLS3Jynm6qGYQ3hjiB7VgJp8n3dgVgRqW3e56m3ZeQMRwLzTVFtLDWkNI6ZssxtOgFlgANYw8hnVDU1J/uiplzNYBJPZGi+JkaeJqBmiIdN5Vb1CahVhajF4VnaB7dtRN/lr9F36auEP/pJyc1uAb9qVUmNynjO1xVzEmf1rDLVgb27U/PbD6n62tM4Q7M+I11+QE/OL/itUH0tbKRSCBqfIWKlZ08jQdlLdkvlakhwKK4D27PUOeo0Rpx+6OmoQvO1sIk5m0iNSoHpx6GVAog5m+hhc1/PK/j1jwj6/3sO42csZ9KgrDeti3ceo3nNYMr4ZZsP+BSK5PtVHJSWgHtUVdMyvS+xdFsPZdKAnQ5cncn+W/P/K4EVqnoIQFXTlKr7A5NEJBxYhiVCX8/ULVHVeFVNwpIozElbd6KIbMWSDKyLNXybmT5Ae2CDuU4foGF2J1LVKKCCiFQ05/rK9Kc7VjDOi3dNP/Nji4jUBL4A7lTVS4pEIjJGRDaKyMaFF/ZfStOCRYRWz93Gtue+zLY6bssBFvd4lKUDn6TJxKE4yvpna1daSFyxluODbyNy+BiS1m2i6pRHPeqdVUPwb9yAxDUley77UvBr3Y3U7WvA6ysuFStT7qaJJP3wju/vhv8Xmb/tMEPCGrDwoaG8M6IHT85cizvTuOz+mHjeWhzOk9d1KEYv848LyferOCgtAdf7r+JMHvbn86gXrKw3zLzqqeouU5d5vM1FNvPgItIT6At0MZnzFqyg7X2N6Zmu0VRVn83Fp9VYOrl7yMh4u5CHZq+IPANUI0OLF+A4VuBOo44pQ0QqAb8CT5jhZoBYrGFnP297b1T1Q6O526F/YOPcXPtLJEXGEVArI3MJqBlCYuTp9GO/CuWo1LQu3Wc+xYANbxHSrjFdpj9M5TYNPM6TsO8EqeeTqNSsDiWV1JOn8KtRPf3YWb0arphYDxt3/FlIsYbVz82aR5lmTTzqA/v14MLSVVAChg1zw8poq6YfWxlvbLa2fm26pQ8np1M2gHJ3PEHywq9wH92XbbuSQvVKAUSdzZh/jj6bmD5MnMasLQfp39L6KWhTtyrJqS7OXLB+4qLjL/DgN7/z/LArqRtSsegc/wu4L+FVHJSWgFtPRLqY97cCG4H6IpL2iz8SWJ5Nu7XA1WYFLiKSNia5AJhg5i4Rkbb58CHFDN0CBAFxqnpBRJphZdLeLAFuEJHqadcWkZyyZbCC7MNYQ8hbsIa6k1U1PqcGInI3MAC4xStT/Qm4XSyuBOJVNVJEygCzsOZ30+ZrMXPAS4EbTNEdwJxcfC104sIPUKFhDQLrVUP8ndS5vguRCzMW+6QmJPJry3tZ0PF+FnS8n9Ob97Pmjtc5s/WQ1cZpffUD6lSlYuNaXDh6KqdL+TwXd+zBr25t/GrVAD8/yg/oSeJyz9W1zqoZw+0BPbqQEuG5oKr8wN6cn1+yh5MB3Mf246haEwmuDk4//NpchWtX1qxdqtVGAirgPrIno9DpR7nbHiV1yzJc231baD0/tKwVwpHYBI7HnSMl1cWC7Ufo0dRzJqhmUHnWHYwG4ODJeC6mugguX5aziReZ8NUK7u/bmrb1Ss4Wrb4ecEvLKuU9wDgR+RRrmHciVjD93mRlG4D3vRup6kmzoGmmiDiwFgn1A54H3gT+MOWHgMF5+PChsd8MjAbuE5Fdxjfvv15V1Z0i8iSw0FwjBRgHHM7h/CuxstIVquoSkaPA7jx8et+cb425d5ipqlOAuViPBO3HWpl8p7G/CWuouoqIjDJlo1Q1HHgM+EZEXsAK+J/kce1CRV1uwh//jG5fT0KcDg5/vYyEPcdp/ugNnAk/SOTCzTm2rdKpKU0nDMGdkgpuJXzS/7h4OqEIvS9gXG5Ov/o21ae9Ag4H536aT8rBwwTddwcXd+4lccUaKt48jIAeXcDlwh2fwKlnXktv7qwZijO0Gsmb/ijGThQQbjfJP31MwOinQBykbPwNd8xRyvS9Gdfx/enB1791N1K3eg4O+bXqirNBCySwIn7tegGQ/MM7uCMjiroXBYKf08GkQe0Z+8Vy3OpmaNuGNK4exLu/baNFrRB6NqvNg/3DmPLzBmastWbfnru+MyLCt+v3ceR0Ah8s38EHy3cA8P7InoRU8B6o8y18/bEg0RI+RyEi9YFfVNXntXrNKuQYoIaqlvod3GfWuLVkf7kKkPa1bPGCNKoMKLkrfwsaZ2uf/9kqMgJuee4vR8ufa9yS79+c66K+LvLoXFoy3JLCDuDjv0OwtbGxsSlqiutxn/xS4gOuqkYAJeI2UVWb5WUjIuuAsl7FI1V1Wy5tZgENvIofU9UFl+6ljY2NTcnE15f8lfiAW9pQ1c5/os2wwvDFxsbGpiThFjvDtbGxsbGxKXR8fdGIHXBtCg1fv9ssSsTh6z8FRYc4SsvTiAWA/VkUKL6+X5z9r21jY2NjUypwS/5feWH22d8jIvtFZFIudv8nIioieW7HZWe4NjY2NjalgoLastE8wjkNa1+GY1hb8P6kqju97CoC9wPr8nNeO8O1sbGxsSkVFGCG2wnYr6oHje73N1gqa948jyVdmpQf/+yAa2NjY2NTKriUrR0zC62Y15hMp8qPolo7oK6q/ppf/+whZZsSS2iv1oRNGYk4HRz6ahl73vk5W7va13aky8f/YsnAJ4nbeojqV19BqyduxuHvhzsllT+mfMXJVTuzbVtSKNelI8EPjwOHg/Oz53J2+jce9eUHD6Dy/WNwxVh7Rid8N4fzc+ZStn0YwQ9mKFf616/HqcdfIHF5rpoYPo3z8jDKXHsnOBykblxCyorZHvVlBt2Bo6H16L74l0HKB3HhhVE4atanzJB7kLIBoG4uLpuJa9vqbK5Qcli17wSvzd2EW5Vh7Rox+uqWHvWRZ87z1Mw1JCSl4FZlYr82dG9SmzX7I/nvonBSXG78nQ4eGNCWTg1rFFMv8s+lLE1U1Q+xtuS9ZMx2vP8BRl1KOzvgFhAi8riqvpQPu7nArap6pgh8moGlx5uCJUB/r6qmGFGGt7D2U76AtV/yZtNmPpbYwu+qOjjTuXoDr2Np5G4C7sqkj1v0OIS2L41i5fCXuRB5mj7znufEws0k7PUUMfIrX47Gdw8kdlOGVODF0wmsuv11kqLPUKlpHbp//Ri/tptQ1D0oOBwOgh+bSMy4R3FFn6TG5+9yYcUaUg95bst9YdEy4l5726MseVM4USPutU5TqSI1Z31O0toSLNEnDspcdxdJ/3sePXuacmNfJnXXRvTksXSTi3Onp7/3u3IgjlrWnjF6MZnkH95GY6OQisGUG/cqifvCIemC91VKBC63m5d/2cj7d/QmtFIAIz5YQI9mdWhUPWNrzY+Wb6f/FZdxU6fLORATz/gvlzHvwdoEly/LWyN6UL1SIPujzzD286UsesT3H/fPz2KofJKjopqhItaGS8vMPvU1gJ9EZIiq5vgH9LceUjYT4wXF4/kxUtVBRRFsDTOAZkArIAC425Rfg6XPezkwBngvU5upWOpK6Zi7uenAzWbP6sNYikHFRkjbRpyLiOb8kZNoioujc9ZSa0BW8eyWj93Annd+xp18Mb3szPbDJEWfAeDsnmM4y5XBUabk3nuWadmM1KPHcR2PhNRULixcSmCPrpd8noA+V5O0ej2anJy3sY/iqNMY9+koNC4GXKm4/liFX/OcF4/6tb4qXcRAYyPRWEtwXhPi0HPxSPlKReJ3YbD9WCx1QypQJ6QC/n5OBrS6jGW7j3nYiAjnk41sY9JFqlW05Pua1QyhuhGvb1Q9iORUFxdLgHRjAaoFbQAuF5EGRkXtZiyVNQCMJnpVVa2vqvWxBGpyDbZQCgKuiNQXkd0iMkNEdonIDyISKCJ9RGSLiGwTkU9FpKyxjxCRV42qz41m6fdmEdkqIkuMTXnTZr05x1BTPkpEZorIfBHZJyKvmfJXgAARCTdZJSIyW0Q2iciOzHMD5vpVzfvbzDXCReSDnG4ARORGEfmPeX+/iBw07xuKSI5jf6o6Vw1YGW6a6OtQLAk+NZq3lY3oPKq6BPCWzqkCXFTVveZ4EfB/ef/rFB4BNUJIPJ6hc5oYeZqAGsEeNpVb1SegVhWiloTneJ7a13YiblsE7ovFl6z/VZzVq+KKPpl+nBpzEmf1qlnsAnt3p8bXH1H11WdwhmaVXCvfvxfnFywtVF8LG2/9W0sft0r2tpWrIiHVcR/cnqXOUacx4vRDT0cXmq+FTUxCIjWCyqcfh1YKJOasZ7Z+X69W/Lr1EP1fn8X4L5cx6dqsNyeLdx6lec1gyvgVZH5SOLgk/6/cMKN347GkWncB36nqDhGZIiJD/qx/JT7gGpoC76pqc+Asltj6Z8BwVW2FNXQ+NpN9rKq2w9Kk/QhLbL4NcKOpfwL4TVU7YenOThWRtG9uGDAcK2scLiJ1VXUSkGiE5EcYu9Gq2h5rSHeiiHj81YtIc3OebqoahrUN6AiyJ01wHvP/WBGpbd6vyOvDMTq9I4H5pijPBQFenAL8Mj1ndgOewy2Zr5W+EGHRhf3ZmRQNIrR5dgR/PDsjR5NKTWrT6smb2fxosSoNFgmJK9dw/LoRRN1yD0nrNlHl2cc86h1VQvBv3ICkNRuKycOix69VN0v3Vj3zHalYmbI3TCB55rtQwtXU8mL+HxEMaduQhQ8P453bevLkj6txuzP6vD/mDG8tDOfJIZ2K0cv8U5B6uCZhaaKqjVT1RVP2tKr+lI1tz7yyWyg9AfeoqqZlel8CfYBDmTKy6Vg6r2l8a/5/JZa+7CEAVT1tyvsDk0QkHFgGlAPqmbolZjghCUt7NyfR+IkishVrqKEu1vBtZvoA7bGe7wo3xw2zO5GqRgEVzDNfdYGvTH+6YwXjvHjX9DM/ttldX7GGVN4QkfVYGXC240uq+qGqdlDVDv0CG/+Zy+WLxKjTBNTOuIcJqBlCYlRc+rFfhXJUalaXHjOf5Jr1bxLSrjFdP3uI4DYN0u27fPoAGya+z/nDJVs6zxVzyiNj9ateLX1xVBru+LOQYoYOZ8+lTHPPr2P5fj1JXPo7uHx/2DA3vDNa74w3M87W3Uj943fPwrIBlL19MhcXfY376L7CdLXQqV4xgKj48+nH0WcvpA8TpzFr80H6X2H9tLWpV43kVBdnLlhTCtHxF3jw65U8/48u1A2pWHSO/wV8XYC+tARc79vQM3nYn8+jXrCy3jDzqqequ0xd5gkuF9ksPBORnkBfoIvJnLdgBW3va0zPdI2mqvpsLj6txhKK30NGxtsFyHU5qYg8A1TDyvrTyGtBQBZUdY2qdjdZ/wpgb272hU1c+EEqNKhBYN1qiL+TukOvJHLBpvT61IREfm55H/M6/Yt5nf7F6c37WT3q38RtPYR/pUC6ffEw2176htgNxdqNAuHizt34162Ns1YN8PMjsH8vEld4rq51VAlJfx9wdRdSDh3xqA8cUPKHkwHcx/fjqFITCa4OTj8rqO7OmnhI1VpIQHncRzL9+zv9KDfiEVK3LMe1Y20Rel04tKxdhSOnEzged46UVBcLth2mRzPPgayaQYGsO2gNmx88Gc/FVDfB5ctyNvEiE75cxv39wmh7WdbpB19FL+FVHJTclSKe1BORLqq6BrgV2AjcKyKNVXU/1nDq8mzarQXeFZEGqnpIREJMlrsAmCAiE1RVRaStqm7Jw4cUEfE3WrdBQJyqXhCRZliZtDdLgDki8oaqxohICFBRVQ9nYwtWkJ1iXluwhroTVTU+J4dE5G5gANBH1WPc7CdgvIh8A3QG4lU1MrfOiUh142dZ4DHgxdzsCxt1uQl//DO6f/0Y4nQQ8c1yzu49TotH/o+4rYeIXLg5x7aNRvenQoNQWjzwD1o88A8AVt78CsmxZ4vK/YLF5eb01Lep/var4HRw/qd5pBw8TNC9o7i4aw+JK9ZQ8eZhBFzdFVwu3GcTiH32tfTmzpqhOEOrk7x5azF2ooBwu7n48yeUG/UEiIPUzUvRmGP49xmO+/gBXCb4+rXuRuofnjclziu64KjfHL/Aivi16wXAxR+n4Y6MKOpeFAh+TgeTru3A2M+X4nYrQ9s1pHH1yry75A9a1A6hZ7M6PDiwHVPmrGPG6t0g8NywKxERvl23lyOnE/hg2TY+WGYpg75/e29CKnjnDb5FAa5SLhRES/gchYjUx5qb3Ig1RLsTK8B2wXqMxQ9rxdlYVU0WkQigg6qeMu2vAV7CyvZjVLWfiAQAbwJdTfkhVR0sIqNM2/Gm7S/A66q6TEReBYYAm4HRwGygPlZGWhl41thFAO1VNVZEhgOTzTVSgHFmEVN2/WwE7AeaqupeEVkI7FbVibl8NqlYK4rTFkHNVNUp5rGgd4CBWI8F3Zk2/yAiK7FWNlcAYrEe/1kgIlOBwcbX91T1zZyum8YPNUeU7C9XAdKpdlRxu+AzVBkQkrfR3wRH6xIh5V0kBAx/5i+Hyzfq3Zbv35wHjnxZ5OG5tATcX8zjKj6NWYUcA9QwmXCpxg64GdgBNwM74GZgB9wMCiLgvn4JAffhYgi4pWVIuaSwA/j47xBsbWxsbIoaXx9SLvEBV1UjsHb88HlUtVleNiKyDijrVTxSVbfl0mYW0MCr+DFVXXDpXtrY2NiUTHxdD7fEB9zShqp2/hNtfH/PNRsbG5tCxtfnsOyAa1NoOEr4+oCCRHx8qKtIcdgfhk3h4PbxkGsHXBsbGxubUoGvb9tiB1wbGxsbm1KBPYdrY2NjY2NTBNirlG1sbGxsbIoAew7XxqaQCO3VmtbP325t7ThjKXvf+Tlbu1rXduTKTx7gtwFPcGbrIYLbNqLt1LusShF2v/4jJ+aVYNF1oFyXjlR+aBw4HJyfM5eE6d941AcOHkDliWNwnbREDc59N4fzc+ZStn0YlR/MENLyv6wesU+8QOLyXLfo9mmcjdtQ5to7ra0dNy0hZeUcj/oy19yBo0FLAMS/DFI+iAsv3YmjxmWUue4epFyAtUXk8pm4tq8pji4UGKv2neC1uZtwqzKsXSNGX93Soz7yzHmemrmGhKQU3KpM7NeG7k1qs+3YKZ7/ab1lpJaMX+8W2QqE+RS+HW7tgFtgiMjjqvpSPuzmArcWhQi90ebtgLVt5HrgXlVNMVs7vgUMwtracZSqbjZt5mPt/fy7qg7OdK4+WOL0DuCcaVN8+nsOoc3Ld/L7TS+TGBlLr/kvELlwMwl7PTUY/MqXo/HdAzm9KUP55ezuoywd8CTqclOuemV6//YykQs3oy5fnwHKAYeD4EcnEjP+UVzRJwmd/i6JK9aQeshzW+4Li5ZxZurbHmXJm8KJHnGvdZpKFakx83OS1pbgmw8Rylx3F0mfvYCejaXcfS+TunsjejLje3Fx3vT0936dB+KoaT3CrikXSf7xHfR0FFIxmHJjXyFx/1ZIupDlMiUBl9vNy79s5P07ehNaKYARHyygR7M6NKoelG7z0fLt9L/iMm7qdDkHYuIZ/+Uy5j1Ym8bVK/PVvQPxczo4mZDITe/O5eqmtfFz+rbeja//Bfv2p1fI5CT4/id5PD9GqjqoKIKtYQbWvsitgADgblN+DZZc4OXAGOC9TG2mYu1F7c17wAij3fsV8GThuJw/Qto25vyhaC4ciUFTXBybvYaaA9pnsWvx2I3snfYzruSMzb1ciRfTg6ujnL/v3xbnQZmWzUg5ehzX8UhITeXCoqUE9Oh6yecJ6HM1SWvWo8nJeRv7KI46jXHHRqFxMeBy4dq2Gr/mHXO092vdjdRtlkSfxkaip60tODUhDj0fjwRWKhK/C4Ptx2KpG1KBOiEV8PdzMqDVZSzbfczDRkQ4b/42ziVdpFrFAAACyvilB9eLqS4EH58cNbjQfL+KgxIfcEWkvojsFpEZIrJLRH4QkUAR6SMiW0Rkm4h8alRuEJEIEXlVRDYDN4rIQBHZLCJbRWSJsSlv2qw35xhqykeJyEwRmS8i+0TkNVP+ChAgIuEmq0REZovIJhHZISJjMvkbISJVzfvbzDXCReSDnG4ARORGEfmPeX+/iBw07xuKSI5jf0ZAWY2e7XosGT6AocDnpmotUFlEapo2S8gQO/A4HZD26xMEnMj9X6ZwKVczmMQTGTqniZGnCajpuUdv5Vb1CahVhajF4VnaB7dtRN/lr9F36auEP/pJyc1uAWe1qriiT6Yfu6JP4qxWNYtdYO/uhH71EVVeecZDPze9vl8vLpRwiT5v/VuNj0UqZr93swRVRYKr4z64PUudo3YjxOmHxkUXmq+FTUxCIjWCyqcfh1YKJOasZ7Z+X69W/Lr1EP1fn8X4L5cx6doO6XXbjp7iH2//yg3T5vLkdR19PrsFWw+3qGgKvKuqzYGzWNqvnwHDVbUV1tD52Ez2saraDksi7yMs7ds2wI2m/gngN6P92guYKiJp39wwYDhW1jhcROqq6iQsqbwwVR1h7EaranusId2JIpKhig2ISHNznm4ma3QBI8ieNP1bzP9jRaS2eb8irw9HRPyxstb5pqg2cDSTyTFTlht3A3NF5Jg51ys5XGuMiGwUkY0LLxTfiDMitHruNrY992W21XFbDrC4x6MsHfgkTSYOxVHWv4gdLFqSVq7hxJARRN96D0nrNhHyzGMe9Y4qIfg3bkDSmg3F5GHR49e6m6V767VBi1SoTNkbJpA8870sdaWN+X9EMKRtQxY+PIx3buvJkz+uxu22+tyqblVmTriWGfcO4JOVO0hO8fWnXK1FU/l9FQelJeAeVdW0TO9LoA+WpF6auvR04OpM9t+a/18JrFDVQwBGCxegPzBJRMKBZVji8fVM3RJVjVfVJCwpwMty8GmiiGzF0tytizV8m5k+WHKCG8x1+gANszuRqkYBFUSkojnXV6Y/3bGCcV68a/qZH9uceAAYpKp1gP8B/8nB1w9VtYOqdugf2PgvXC53kiLjCKiVcQ8TUDOExMjT6cd+FcpRqWldus98igEb3iKkXWO6TH+Yym08t5xO2HeC1PNJVGpWh5KK6+Qpj4zVGVotfXFUGu74s5BiDR2enzOXMs09v46B/XqSuOx3cPn+j2pu6NnTSFDG90KCqqAJp7O1dbbqSuofXgNEZQMoO3ISFxd/jfvYvmzblRSqVwwgKv58+nH02QtUrxToYTNr80H6X2H9tLWpV43kVBdnLnhOKTSsFkRgGX/2x5wpdJ//Kr4uQF9aAq7353cmD/vzedQLVtYbZl71VHWXqcv8bXSRzcIzEekJ9AW6mMx5C1bQ9r7G9EzXaKqqz+bi02rgTix93bSMtwuQ63JSEXkGqIaV9adxHCtwp1HHlOV0jmpAG1VdZ4q+xdIKLjbiwg9QoWENAutVQ/yd1Lm+C5ELN6XXpyYk8mvLe1nQ8X4WdLyf05v3s+aO1zmz9ZDVxgyPBdSpSsXGtbhw9FROl/J5Lu7cjX+92jhr1QA/PwL79SJxhae4uqNKxrBqwNVdSDl0xKM+sH/JH04GcB8/gKNKTaRyNXA6raC6O+siMKlaCylXHvfRvRmFTiflbnmY1PAVuHasy9KmpNGydhWOnE7geNw5UlJdLNh2mB7NPAeyagYFsu6gNWx+8GQ8F1PdBJcvy/G4c6SaaZYTZ84TceostSqXz3INX8PXh5RLyyrleiLSRVXXALdiidHfKyKNzUrakcDybNqtBd4VkQaqekhEQkyWuwCYICITVFVFpK2qbsnDhxQR8TfSe0FAnKpeEJFmWJm0N0uAOSLyhqrGiEgIUFFVD2djC1aQnWJeW7CGuhNVNT4nh0TkbmAA0EdVM3/HfgLGi8g3QGcgXlUjc+lbHBAkIk3MqEE/YFcu9oWOutyEP/4Z3b6ehDgdHP56GQl7jtP80Rs4E36QyIWbc2xbpVNTmk4YgjslFdxK+KT/cfF0dtPWJQSXm7jX3qbaf19FnA7O/TSP1IOHqXTvKC7u2kPSijVUvHkYAVd3RVNduM8mcPq519KbO2uG4gytTvLmrcXYiQLC7ebiL59S7o4nwOEgdfNSNOYY/r1vwn3iAK7d1k2ZX6tupG7zvClxXtEVR/3m+AVWxK9tTwAuzpyGOyqnP0nfxs/pYNK1HRj7+VLcbmVou4Y0rl6Zd5f8QYvaIfRsVocHB7Zjypx1zFi9GwSeG3YlIsKWwyf5dOVO/JyCQ4TJgzsQXN47Z/A9imsxVH4pLQL087GCbHusYd6RWNnf61g3FRuAsaqaLCIRQAdVPWXaXwO8hJXtx6hqPxEJAN7EyuIcWMPTg0VklGk73rT9BXhdVZeJyKvAEGAzMBqYDdTHykgrA88auwigvarGishwYLK5Rgowzixiyq6fjYD9QFNV3SsiC4Hdqjoxl88mFThMxiKomao6xTwW9A4wEOuxoDtVdaNpsxJrZXMFIBa4S1UXiMgwrGDvxgrAo1X1YE7XBphZ49aS/eUqQDrWLbmLbwqakIFV8jb6m+C4omXeRn8TCkKA/p/1b8r3b867Ed8V+dLr0hJwf1FVn9fENauQY4AafwcRejvgZmAH3AzsgJuBHXAzKIiAO/YSAu57xRBwS8uQcklhB/Dx3yHY2tjY2BQ19taOhYyqRgA+n90CqGqzvGxEZB1Q1qt4pKpuy6XNLKCBV/Fjqrrg0r20sbGxKZn4+tP0JT7gljZUtfOfaDOsMHyxsbGxKUmoneHa/F25N3FT3kZ/E4afDCtuF3yGxR/kutbub8Wxc3+fjUby4tzwZ/7yOXx9lbIdcG1sbGxsSgX2kLKNjY2NjU0R4Pbxp27sgGtjY2NjUyrw7XBrB1wbGxsbm1KCrz8WVFr2Urb5m9C7T3fWbJzP+i0LmfjAPVnqy5Tx56P/vcH6LQuZv+Q76taz9o6tW682R6K2snTlbJaunM3UN55LbzP7l89Zs3F+el3VqtnLufkyzXu04aklb/DMsrfoN3Zolvred13LE4v+zeR5rzFhxpME186Q7xs6aQRPLHydJxf/hxueGVWEXhc+V/XqwrzVP7Bg3UzumXBHlvoOV7blx8VfsP3EGgYM7l0MHhY8fftdzebwJWzdtpQHH7ovS32ZMmWY/vnbbN22lKXLZ1HP/I306n0VK1f9xLr181i56id69OiS3ubGG69j3fp5rF03j1lzPqNKleAi68+loJfwX3FgB9wCRkTyJUQvInNFpPKfOP+5S7CdarSC/xCRWZmvJyKTRWS/iOwRkQGmrK6ILBWRnUbH9/5M9iEissjoAC8SkSL/i3M4HLzy76e5+Ya76dbpWob932CaNG3kYTPi9hs5c+Ysndr25/13P+Pp5x5Or4s4dIRe3a+nV/freeQBzxWR993zcHrdqVPZq8v4KuIQbpoymndHvcwL/R6k/ZBu1GjsuUn90Z0RvHbdZF6+5lG2zFvH9ZMtJcgG7ZrQsENTXhr4CC/2f4jL2jTi8itbFEc3ChyHw8HTrz7KPbfcz+CrbuLaf/SnURPPx9Ujj0cxeeJz/DKzdDyy7nA4+M8bU/jH9aPo0K4/N944hGbNPFW77hh1E2fOxNOmVS+mvf0Jz78wCYDY2NPceMPddO50Dffe8zAffWIJgjmdTl6b+jSDrrmVKztfw/Ztu7n3vtuLvG/5IRXN96s4sAMu6VsuFhT5CriqOkhVzxTgdbNjEXCFqrYG9mLt24yItABuBlpi7af8rvkMUoGHVLUFluDCOGMLMAlLmvByLOGFSYXsexbatW9NxMHDHI44RkpKCrNn/so11/bxsLlmUG++/WoWAD/PXkD3THfppZX6YY05dTia2KMxuFJcbP55Na37d/Sw2bdmBylJFwGI2LKPyjXStldU/Mv64+fvh18Zf5x+Ts6ezFEPo0TRul1Ljhw6yrHDx0lJSWXurEX0GdjDw+b40Uj27tyPun17KDK/dOjQhoMHDhMRcZSUlBR++OFnrh3cz8Pm2mv7MePLHwGYNWsePXtawl9/bN1JVGQMADt37qVcuXKUKVMGEUFECAy0pP0qVapApLHzNewMt4gQkfomm5shIrtE5AcRCRSRPiKyRUS2icinIlLW2EeIyKsishm4UUQGishmEdkqIkuMTXnTZr05x1BTPkpEZorIfJPxvWbKXwECRCRcRGaYstkisslkjGMy+RshIlXN+9vMNcJF5IO8bgBE5A1zviVGOi9bVHWhqqaaw7VYMnwAQ4FvVDXZaAHvBzqpaqSqbjZtE7AUgWpnajPdvJ8OXJ/HP0mBU7NWKMePR6UfnzgeTc2aoR42NWqGcvy4JXzkcrk4ezaBkBArGa93WR1+WzmLOb9+wZVd2nu0+++0l1i6cjYPPvLPQu5FwRMUGkLcidj047jIWIJCcx6A6HJTL3YuCwfg0OZ97Fuzgxc3fMBL6z9g14qtRB/IUamxRBFaoxqRxzP2sI6KjCa0Zo5/LqWCWrVqcOx4hvDX8eNR1KpVw8smNN3G5XIRfzYhyxDx9ddfw9bw7Vy8eJHU1FT+df9TrNswj/0H19Gs2eVM/+xbfJGClOczMWGPGQnMkmCIyINmNPAP81uckzZ6OqUm4BqaAu+qanPgLJYG7GfAcFVthbVIbGwm+1hVbYeVsX2EpYHbBrjR1D8B/KaqnbDk8KaKSJooZBgwHGgFDBeRuqo6CUsyL0xVRxi70araHuiAJUrvsXO7iDQ35+mmqmFYGrsjyJnywEZVbYklOZjfp8VHA/PM+9rA0Ux1x8gIrGl+1QfaAmnCoKGZJPyiAM9I5+NER8XQtmUvencfxlNPvML7H/+bChWtf8r77nmYHl2HMPiaEVzZtT033Zx1DrS00PH6q6jXuhFLPvwJgKqXhRLauDZPXjmWJ668jyZdr6BRxzx3ILUpxTRvfjlTXniMiROeAMDPz4+77xlBty6DadywM9u37+ZhH70xVdV8v3LDJD3TgGuAFsAtmUb70tiCpR7XGvgBeI08KG0B96iqpgmyfwn0wZLWS1OZng5cnck+7TbtSmCFyfYwmrgA/YFJIhIOLMMSka9n6paoaryqJmFJAuZ0dzNRRLZiZZh1gcu96vtgyQpuMNfpAzTMpY/uTH5/CVyViy0AIvIE1nDxjLxsjX0F4EfgX6p61rterW9rtt9YERkjIhtFZGPSxTP5uVy+iTwRTe3aGXfrtWqHEhnpqcITFRlN7do1AWvuqVKlipw+HcfFiynExVn+/BG+g4hDR2jUuIFpYw2PnT93npnf/0K79q0L1O/CJj76NMG1Mu7jgmtWIT46Lotd026tGDD+H3xw92ukXrQGPtoM6ETEln1cvJDMxQvJ7FgWToN2TYrM98IkOuokNWtn3BfWqBlKdOTJYvSo8DlxIoo65vsPULt2DU6ciPKyiU63cTqdBFWqSGys9X2pVbsGX33zAWPufohDh44A0LqNFWfSjmf++Cudr2xX6H35M7jRfL/yoBOwX1UPqupF4BusUb50VHWpql4wh5lHEHOktAVc70/xTB725/OoF6ysN8y86qlqmvB6ciY7F9k8YiUiPYG+QBeTOW/BCtre15ie6RpNVfXZPPzKTK7fHKPhOxgYoRm3dcexgn8adUwZIuKPFWxnqOrMTDbRIlLT2NTEkhnM6ozqh6raQVU7lCtT+RK6kTdbNm+jQaP61LusDv7+/lz/j2uZP/c3D5v5c39j+K3W1tLXXT+A31dY8sJVqgTjcFhf98vq16Fho/ocjjiK0+lMH3L28/Oj/8Ce7Nq1r0D9LmwObz1Atfo1qFKnGk5/J+2u68ofizZ62NRpWZ+bX7qbD+5+jXOxGfdQcSdO0bhzCxxOBw4/J5d3bk7U/mNF3YVCYduWnVzWsB6169XC39+PQcP68duCFcXtVqGyadMfNGpcn8vM38gNN1zH3F8Xe9jMnbuYEbf9HwDDhl3D8uVrAAgKqsiPP37KM0+/ytq1GduynjgRRbPml6ev3u/d5yr27D5QRD26NFxovl+ZkwPzGpPpVHmOAnpxFxkjiDlS2p7DrSciXVR1DXArlij9vSLSWFX3YwnTL8+m3VqshUMNVPWQiISYLHcBMEFEJqiqikhbVd2Shw8pIuJvJPiCgDhVvSAizbAyaW+WAHNE5A1VjRGREKCiqh7O4fwO4AasO65bgd9zckREBgKPAj0y3YkB/AR8JSL/AWphZd3rRUSAT4Bdqvofr9P9BNwBvGL+PyeXz6BQcLlcTH54Ct/N/BiH08nXX/7Int37eezxiYRv2c6Ceb8x44sfePfDqazfspC4uHjGjH4AgC7dOvLY4xNJTUnFrW4efuAZzsTFExgYwHezPsbPzx+n08GKZWv44rPvirprfwm3y813T3/KuM8fR5wO1n63jKh9x7j2gRs5su0g2xZv4vrJt1E2sBx3vWt9HnHHT/HBPVPZMnctTbpeweMLXkdV2bU8nO1LNhdzjwoGl8vF85Ne45Nv/4vD6eTHr35i/56DTHjsXraH72LpghVcEdaCdz57jUpBlejV/yrGP3ov1109vLhd/9O4XC4eevAZZv/0OU6ngy8+/55du/bx5FMPsHnzNub+upjpn33Lx5+8wdZtS4mLi2fU7RMAuPe+O2jY6DImTZ7IpMkTARh63e1ERcbw8ktvsWDht6SkpHLk6HHuG/Nwbm4UG5fyHK6qfgh8+FevKSK3YU0Z9sjTtqQL0Kdh5hznYwXZ9ljDvCOBLsDrWDcXG4CxqposIhFY4++nTPtrgJewAlqMqvYTkQDgTaCrKT+kqoNN1thBVcebtr8Ar6vqMhF5FRgCbMaaN50N1Af2AJWBZ41dBNBeVWNFZDjWCmIHkAKMU9W1OfTzHNaXpD9WljlcVbMdJxOR/VhSf2krataq6n2m7gnjXyrW0PE8EbkKWAlsI2NdweOqOtfMPX+HNaR+GLgp09B7tlQLalo6vlwFwPDgsOJ2wWdYfMEWL0jj2LlTxe2Cz3DuwqG/LAh/Td1r8v2bM+/ovByvJyJdsH6r0x6ZnAygqi972fUF3sZKavJcul3aAu4vqurz2rhmQj4GqFGaxejtgJuBHXAzsANuBnbAzaAgAu6ASwi4C3IPuH5Yj1L2wZpu2wDcqqo7Mtm0xVosNVBV8zUPVdqGlEsKO4CPS3OwtbGxsSlqCur5WlVNFZHxWNOKTuBTVd0hIlOwnhL5CZgKVAC+t2bjOKKqQ3I7b6kJuKoaAfh8dgugqnk+dyEi67CGgzMzUlW3ZWM7DejmVfyWqv7vz3tpY2NjU7IoyL2UVXUuMNer7OlM7/te6jlLTcAtbahq50uwHVeYvtjY2NiUBFzq24q4dsC1sbGxsSkVFNeWjfnFDrg2NjZFiq+LhBclvh4gShq+/t2yA66NjY2NTanAt8OtHXBtbGxsbEoJvi5AbwdcGxsbG5tSga8H3NK2l7JNKad3n+6s2Tif9VsWMvGBe7LUlynjz0f/e4P1WxYyf8l31K1nbX9at15tjkRtZenK2SxdOZupbzyX3ubxp/5F+I5lRBwvuVsaNu/RhqeWvMEzy96i39isake977qWJxb9m8nzXmPCjCcJrl01vW7opBE8sfB1nlz8H254ZlQRel34dO/dhflrfmTR+lmMmXhHlvoOXdoya8mX7Ixcy4Dr+mRzhpJHv3492BK+hD+2LeOhh8ZmqS9TpgzTP3+HP7YtY9ny2dSrZ+2537v3Vfy+6mfWr5/P76t+pkcmLWl/f3/efuclwrf+xuYtSxg6dGAR9ebScKk736/iwA64BYyI5EuAXkTmikjlP3H+c5dgO9VoBP8hIrMyX09EJhudxz0iMiBT+aciEiMi273O1UZE1oilK/yziFS6VN//Kg6Hg1f+/TQ333A33Tpdy7D/G0yTpo08bEbcfiNnzpylU9v+vP/uZzz9XMaerxGHjtCr+/X06n49jzyQoWq4YN5SBvS+kZKKOISbpozm3VEv80K/B2k/pBs1Gnvus350ZwSvXTeZl695lC3z1nH9ZEsBskG7JjTs0JSXBj7Ci/0f4rI2jbj8Sm8VspKJw+HgmVce456bJzKo240MHjaARk0aeNhEHoti0oRn+eXHBcXkZcHicDj4zxtTGHb9KNq368eNNw6hWbPGHjZ3jLqJM2fiad2qJ++8/QnPv2BJvcbGxnHDDXfRqdNAxtzzEB9/8kZ6m0cfG8/Jk7GEtelN+3Z9+f33dfgitgB9CSAvwfdLJF8BV1UHqeqZArxudiwCrjB6jXux9mvG6DreDLQEBmIJN6R9Bp+ZMm8+BiYZXeFZwCOF63pW2rVvTcTBwxyOOEZKSgqzZ/7KNdd6ZiXXDOrNt1/NAuDn2QvonukuPSc2bdxKdHTJlW2rH9aYU4ejiT0agyvFxeafV9O6f0cPm31rdpCSdBGAiC37qFwjTc5P8S/rj5+/H35l/HH6OTl7Mr6Ie1A4tG7XksMRRzl6+DgpKan8Onshfa/x3F/++NFI9uzcj9vHn9/MLx06hHHwwGEiIo6SkpLCDz/8zODB/T1sBl/bnxlf/gjArFlz6dmzKwBbt+5Il6rcuXMv5cqVo0yZMgDcfvuNvD71XcDSnE2T8/M1CkoPt7AoNQFXROqbbG6GiOwSkR9EJFBE+ojIFpOZfSoiZY19hIi8KiKbgRtFZKCIbBaRrSKyxNiUN23Wm3MMNeWjRGSmiMwXkX0i8popfwUIEJFwEZlhymaLyCYR2ZFZ/slcv6p5f5u5RriIfJDXDYCIvGHOt0REquVkp6oLVTXVHP5/e3ceH0WVLXD8dxKCIEpYhJCFEARlkEERkBFxAxRkc4IDgyMub3AfBEWdgQiCgzM+FJdxZvQJCgrCw2EAIUJAMMgiEtlCQAIISBCyPjHAAGJCct4fVUk6CVmQpDs05/v59IfuqttVt4pOn763bt3jma/x18BHqvqTmwN4L07+R1R1DXCmpARXAgW5zVYAvymvjtUhNCyE1NSi3J5pqZmEhoYUK9MsNITU1HTAyZxy7Nh/CtPvRbaIYOXaj1m05EOu79rJexWvZsEhjchOO1z4Ojv9MMEhDcss3/W33UletRWA/Vv2sGf9Dv66cQovbZjCzjVJZO5Lre4qe0VIaFMyUovyJWekZRES2tSHNap+YWEhHEpNK3ydmppOaFhImWUK/kYaNy7+eYmO7kPS1q/JyckhONjpzBo//hnWfbmYD2e9RdOml1ETVWE+3GrhNwHX1QZ4W1XbAseAp3FabEPcllktwPOixmFV7YiTIu9dnNy31wAF/YtjgZWq2gXoDkwWkXruug7AEKA9MEREmqvqGOBHN6/tULfcMFXthJO+aaSbdaeQiLR1t9NNVTvg5NYdStnq4czl2Q4n1eCEcsp6GkZRvsazzfUIzvzPBRcHB1M8n26Nl5mRxbXtutPjpoE8P3YS77z3GpdcWq/iN/qZ66JvJPLqVsRPjQXgshYhhLQOZ9z1jzP2+se48oZf0uq6CmceNX6sbdsrePEvYxgxwumsq1UrkIiIMBISNtPthv5s+GoLL71UqY48r7MWrncdVNV17vNZOJke9qvqN+6yGcDNHuX/5f57PbDGbe3hkXauFzBGRLYCq3CSx0e66+JV9aiqnsJJBdiijDqNFJEknBZmc5zcs5564qQT3OjupydweTnHmO9R71nAjeWUBQpT8Z0GZldUthzDgD+IyGbgUiCnjH0VJnU+lXPkHHZXWnpaJuHhzQpfh4WHkJ6eWaxMRnom4eGhAAQGBlK//qX88EM2OTm5ZGc79dm2dQcp+7+jVevi1/POV0czf6BhWNHvuIahjTmaWbrLr0239vR+4i6mPPQKp3Ocjo9renchJXEPOSd/IufkT+xYtZWWHa/0Wt2rU2Z6Fs3Ci1p3zcKakpleYQa181paWiYR4WGFr8PDQ0lPyyyzTMHfSEEXcVh4M+Z8NIWHH3qa/fu/A5xruydOnGTRomUALFgQxzUdaua09XnkV/rhC/4WcEv+bDlSQfkTFawXnFZvB/cRqao73XU/eZTL4wy3WInIrcBtQFe35ZyIE7RL7mOGxz7aqOoLFdTLU7k/1dzcvf2BoVr0sy6V4i3UCHdZ2TtR3aWqvdzW+hxgXxnlpqpqZ1XtXKd2g8odQSUlbtlOy1ZRRLaIICgoiOi7+rEsbmWxMsviVjLknoEADIjuzRdrnLTCjRs3JCDA+bi3iIrg8lZRHEg5iD84kLSPJlHNaBzRhMCgQDoOuIFtKzYVKxPRLoq7X3qIKQ+9wvHDxwqXZ6d9T+tfXUVAYAABtQK54ldtydh7yNuHUC22JyYT1bI5EZFhBAXVol90L+KXran4jeexzZuTaNU6ihbu38igQQNYsmRFsTJL4lYw9F7nitDAgX1ZvfpLAIKD67Ng/vuMH/8yCQmbi70nLi6em2++HoDu3buxa1elstF5Xb5qpR++4G8BN9JNHAxwD04y+igRKRimdx9ON2xJCcDNItISQEQaucs/BUaIm3vJzX9YkVwRCXKfBwPZqnpSRH6B05IuKR4YJCJNC/YtImW1lsH5PxvkcYxflFVQRO4A/gTcqaonPVbFAneLyEXuMV8BbCjvoDzqFwCMA94pr3x1yMvLI+bZicxd8B7rNsYRu3Apu3ftZfRzI+ndpwcAsz+cR6NGDdiQuJzHh/+eF194FYCu3a5j9ZexfL52IdNn/p1nR03gSLYzOGj8xD+SlLyauhfXJSl5NX8c84S3D+2c5OflM3f8dIbPfI5xn71O4uL1ZOw5RL9Rg2l/m3OtOjrmXi66uA4Pvj2KMXEv8+i7zpi3xLgEvv8uk+c+fZWYpa+QuvMAX8efv7dHecrLy2NizGSmzf0HS9fNIy72M/bu/paRox+lR2+no6t9h6tYk7SEOwbcxsRXY1iy9l8VbLVmy8vL45mnx7ModiZbEj9j/oLF7Ny5h3HPj6JvPye5zYwP5tKoUQO2bV/FiJEPMv75lwF49LH7ubxVC2JinmR9QhzrE+Jo0sTpOXl+3CSeG/sUX321lN/9biAxY/7qq0MsV00fpexvCeiX4QTZTjjdvPcBXYFXcVqgG4HHVfUnEUkBOqvq9+77+wAv4QS0LFW9XUTqAn8DbnCX71fV/m6rsbOqPuG+dzHwqqquEpGXgTuBLTjdsAuBKGA30AB4wS2XAnRS1cMiMgRnBHEAkAsMV9WEMo7zODAVp7s7C+f69BmH2IrIXpwUfwUjahJU9TF33Vi3fqeBp1R1qbt8DnArcBmQCUxQ1Wki8iRQkJVoARCjFXx4LAF9EUtAX2T5iTN2jlyQUk9YAvoCJ06mnHMC+rZNu1T6O2dn1oZz3t/Z8reAu1hVa+bFBQ/uKOQsoJk/J6G3gFvEAm4RC7hFLOAWqYqA+4um11X6O2dX1kavB1yb2tE3dgDv+XOwNcYYb7NsQV6iqilAjW/dAqhqhfddiMhXON3Bnu5T1e1nKPsW0K3E4jdV9f2fX0tjjDm/WAJ687Oo6q/OouzwiksZY4x/q+n5hS3gGmOM8QtqLVxjjDGm+tX09HwWcI0xxviFmn7XjQVcY4wxfsFauMYYY4wX5OXbNVxjjDGm2tX0Ucr+Npeyz4lIpfJWiUiciDT4Gds/fhZlJ7s5greJyMee+xORGBHZKyK7RaS3x/LpIpIlIl+X2FYHEUlwc/ZuEpEuZ1v3qtCj502s37SMDYnLGTnq4VLra9cO4t3332BD4nKWxc+leaSTdbB5ZDjfZSTx+dqFfL52IZPf+DMAdevW4X/nTuHLjUtZm7CY5194xqvHU1Xa3nINz8e/wYRVb3L7478utb7Hg/0Yu+I1Ypa+wojZ42gY7uQzvaJrO8bEvVz4eGP3h1zdq7O3q19tburRlWXr57Niw8c8MvKBUus7d72Wj+NnkZyeQO8BPX1Qw6p3++23kLg1nm3bV/HMM4+XWl+7dm1mzPwn27avYtXqhURGOmmye/S4kS/WfcKGDcv4Yt0n3HJL18L3LF32EYlb40vNsVzT1PT0fNbCxZlqUVXzqmhzz+HMyVwuVe1bRfsrzwqcOY9Pu3M8xwCjReQq4G6gHRAGfCYiV7rn4APgn8DMEtt6Bfizqi4Vkb7u61u9cAyFAgICmPTaeAZH/5601EyWfz6PZXEr+WZ30VSBQ+8fzJEjx+hybS+if9OX8X9+lod/PwqAlP3f0f2m6FLbfesf01m39iuCgoJYEPsBPW+7mfjPzp+sMhIg/HbiMP557185knGYP8b+N9tXbCJjb1ECqIPJKawdEEPuqRxuvPd2omOG8v4Tb7Jn/Q4m9R0NwMXB9Ziw+u/sXLPNV4dSpQICApgwaTS/HzycjLRM5i+fSfyyNez7Zn9hmfRDGYwZ8QIP/uE+H9a06gQEBPD6GxMZ0P9eUlMzWLs2liVLVrBr197CMg/81285cuQoV7e/lUGDBvDiX8bwwP1PcPhwNoMGPUhGehZXXXUli2JnckXronwrw4Y9ReKWUvPu1Cg1/Rqu37RwRSTKbc3NFpGdIjJPRC4WkZ4ikigi293W20Vu+RQReVlEtgCDReQOEdkiIkkiEu+Wqee+Z4O7jV+7y/9LRBaIyDIR2SMir7jLJwF13VbgbHfZQhHZLCI7ROQRj/qmiMhl7vN73X1sFZEp7lzL5R3rG+724kWkSVnlVHW5qp52XybgpOEDJ5H8R6r6k5sDeC/QxX3PGuCHUhtz0gDWd58HA2nl1bE6dOx0NSnfHuBAyiFyc3NZuGAJffoVb5X06duDf/3vxwB8svBTbvL4lX4mP/54inVrvwIgNzeXbUnJhHrkUD0fRHVozfcHMjl8MIu83Dy2fPIlV/e6rliZPet3kHvKSWGckriHBs1Kt1Cu7Xs9yau2FpY7313dsR0HUg5y8EAqubmnWbJwObf1uaVYmdSD6exO3kt+Db9/s7I6d+7At/sOkJJykNzcXObN+4T+/XsVK9O/Xy9mz5oPwMcfx3HrrTcAkJS0gww3X3By8jfUqVOH2rVre/cAzlFNb+H6TcB1tQHeVtW2wDHgaZwW2xBVbY/TovfsYzmsqh1xUuS9i5P79hpgsLt+LLBSVbsA3YHJIlLPXdcBGAK0B4aISHNVHQP86Oa1HeqWG+bmkO2Mk4y+2DediLR1t9NNVTvg5NYdStnqAZtUtR1OqsEJlTw3w4Cl7vNwwDMZ7CF3WXmewjn+gzjZl2Iqud8qExoWQmpqRuHrtNRMQkOLB8dmoSGkpqYDTqqyY8f+Q6NGDQGIbBHByrUfs2jJh1zftVOp7dcPvpRefbqzdvX6ajyKqhcc0ojstMOFr7PTDxMc0rDM8l1/253kVVtLLe844AY2x66rjir6REhoUzJSi5KvZ6RlERLa1Ic1qn5hYSEcSi36LZyamk5oWEiZZQr+Rho3Lv55iY7uQ9LWr8nJKfrxNeWdyaxPiGP0mBHVeATnJi8/v9IPX/C3gHtQVQu+MWYBPXFS6n3jLpsB3OxRviD55fXAGre1h6oWtPB6AWNEZCuwCid5fKS7Ll5Vj6rqKZxUgGXlsB0pIkk4LczmOLlnPfXESSe40d1PT+Dyco4x36Pes4AbyykLFKbiOw3MrqhsOR4HRqlqc2AUMK2MfT3iXuPddCrnyDnsrmplZmRxbbvu9LhpIM+PncQ7773GJZfWK1wfGBjI1Gmv8947H3IgxT8SsJ/JddE3Enl1K+KnxhZbXr9JA8LaRJK8JslHNTM1Rdu2V/DiX8YwYkTRcJRhw56kS5c7uP22wXS74TruuecuH9awbPlopR++4G8Bt+RZPFJB+RMVrBecVm8H9xGpqjvddT95lMvjDNfDReRW4Dagq9tyTsQJ2iX3McNjH21U9YUK6uWp3E+Om7u3PzDUI39tKk7wLxDhLivPAzh5cAH+jdsFXaoyqlNVtbOqdq5Tu0EFmzw76WmZhIc3K3wdFh5CenpmsTIZ6ZmEh4cCThCtX/9Sfvghm5ycXLKzjwCwbesOUvZ/R6vWLQvf9/qbL/LtvhSm/M+MKq2zNxzN/IGGYUUdJw1DG3M0M7tUuTbd2tP7ibuY8tArnM45XWxdx/5d2fbpBvJPV9VQBt/LTM+imcflgWZhTcl0u0z9VVpaJhHhYYWvw8NDSU/LLLNMwd/I4cPO5yUsvBlzPprCww89zf793xW+p2Abx4+fYO7cWDp1vqa6D+VnsS5l74oUkYKLdvfgJKOPEpHW7rL7cLphS0oAbhaRlgAi0shd/ikwQkTEXX5tJeqQKyJB7vNgIFtVT4rIL3Ba0iXFA4NEpGnBvkWkrNYyOP9ngzyO8YuyCorIHcCfgDtV9aTHqljgbhG5yD3mK4ANFRxXGlBwAawHsKeC8lUucct2WraKIrJFBEFBQUTf1Y9lcSuLlVkWt5Ih9wwEYEB0b75YkwBA48YNCQhwPu4toiK4vFUUB1KcXvWYcU9RP/gSxo6pcKxbjXQgaR9NoprROKIJgUGBdBxwA9tWbCpWJqJdFHe/9BBTHnqF44ePldpGpzu7semTL71VZa/YnphMVMvmRESGERRUi37RvYhfdv4Mhvs5Nm9OolXrKFq4fyODBg1gyZIVxcosiVvB0Ht/A8DAgX1Zvdr5fw8Ors+C+e8zfvzLJCRsLiwfGBhY2OVcq1Yt7ujTg+Tkb6iJ8lUr/fAFfxulvBsYLiLTcbp5R+IE03+LSC1gI/BOyTep6v+5A5oWiEgATnL424EXgb8B29zl+3Fai+WZ6pbfgnPd9DER2enWLaH0rjVZRMYBy9195ALDgQNlbP8E0MV9TxbO9d+y/BMnxd8K9zdDgqo+pqo7RGQuzjk6DQwvGKUtInNwRh9fJiKHgAmqOg14GHjTPY+ngEdK7a2a5eXlEfPsROYueI+AwEDmzJrP7l17Gf3cSLYmfs2nS1cy+8N5vD11MhsSl5OdfZRHhjkjlLt2u47Rz43kdO5p8jWfZ0dN4Ej2UULDQnj6j4/zze59rFzjDLaa9u4sZs2c5+3D+9ny8/KZO346w2c+hwQGkDB3FRl7DtFv1GC+2/4t2z/bTHTMvVx0cR0efNs5H9mp3zPl4ckANIpoQsPQxuxNSPblYVS5vLw8JsZMZtrcfxAYEMi8ObHs3f0tI0c/ytdbd7Ly0zW073AVb82YTP3g+nTvdRMj//QI/W4q70+qZsvLy+OZp8ezKHYmgYGBzJw5l5079zDu+VFs2bKduCWfMeODubw37XW2bV9FdvYRHrjfuSb76GP3c3mrFsTEPElMzJMA3DngPk6cOMmi2JkE1apFQGAgqz5fx/vT5/jwKMtW0+/DlZo+92RliUgUsFhVa3xOXHcUchbQzJ+T0DcJbuMfH64qMKRhB19XocZYfmJfxYUuEKknvvd1FWqMEydT5Fy3Ubdui0p/5/z444Fz3t/Z8rcW7vliB/CePwdbY4zxtpp+e5ffBFxVTQFqfOsWQFV/UVEZEfkKpzvY032qWurOcxF5C+hWYvGbqvr+z6+lMcacX6qyx9YdA/MmEIjTQJpUYv1FOBMEdQIO49x+mlLeNv0m4PobVf3VWZQdXp11McaY80FVBVz3st9bOGN5DuHcthmrqp4DHR7EGRTbWkTuBl6m/DE1fjdK2RhjzAVKz+JRgS7AXlX9VlVzgI9wZujz9GucuR0A5gE9C+5oKYu1cE21+b+ju70+KOFMROQRVZ3q63rUBHYuHHYeivjTuTidk1rp7xz3zhTPuy2mepyHM83GV7LXsbCMO1/9UaAxUOZIOGvhmguB129hqsHsXDjsPBS5IM+F5yQ97qPaf3RYwDXGGGOKq8xsfIVl3PkJgnEGT5XJAq4xxhhT3EbgChFpKSK1cdKZxpYoE4sz5S04s/+t1ApGbdk1XHMh8IvrU1XEzoXDzkMROxcluNdkn8CZ3jcQmO7O0DcRJ1tbLE4Clw9FZC9OStO7K9qu38w0ZYwxxtRk1qVsjDHGeIEFXGOMMcYLLOAavyUid4jIbhHZKyJjfF0fXxGR6SKSJSJf+7ouviYizUXkcxFJFpEdIvKkr+vkKyJSR0Q2iEiSey7+7Os6+Tu7hmv8kjs12zd4TM0G/K7E1GwXBBG5GTgOzDwfsmlVJxEJBUJVdYuIXApsBqIv0M+FAPVU9bibw/sL4ElVLZlG1FQRa+Eaf1WZqdkuCKq6BmcU5QVPVdNVdYv7/D/ATpwZgy446jjuvgxyH9YCq0YWcI2/OtPUbBfkF6s5MzeH9rXAVz6uis+ISKCIbMXJz71CVS/Yc+ENFnCNMRccEbkEmA88parHfF0fX1HVPFXtgDOTUhcRuaAvOVQ3C7jGX1VmajZzAXKvV84HZqvqAl/XpyZQ1SPA58AdPq6KX7OAa/xVZaZmMxcYd6DQNGCnqr7u6/r4kog0EZEG7vO6OAMMd/m0Un7OAq7xS6p6GiiYmm0nMFdVd/i2Vr4hInOA9UAbETkkIg/6uk4+1A24D+ghIlvdR19fV8pHQoHPRWQbzg/UFaq62Md18mt2W5AxxhjjBdbCNcYYY7zAAq4xxhjjBRZwjTHGGC+wgGuMMcZ4gQVcY4wxxgss4BpjfhYROV7B+qizzVAkIh+IyKBzq5kxNZMFXGOMMcYLLOAaY86JiFwiIvEiskVEtouIZ1amWiIyW0R2isg8EbnYfU8nEVktIptF5FM3bV7J7U5y89ZuE5FXvXZAxlQTC7jGmHN1Chioqh2B7sBr7hSKAG2At1W1LXAM+IM7l/E/gEGq2gmYDvzVc4Mi0hgYCLRT1auBv3jnUIypPrV8XQFjzHlPgJfcRPf5OGkQQ9x1B1V1nft8FjASWAb8EljhxuVAIL3ENo/iBPJpIrIYsCkHzXnPAq4x5lwNBZoAnVQ1V0RSgDruupJzxypOgN6hql3L2qCqnhaRLkBPYBDOvNg9qrrixniTdSkbY85VMJDlBtvuQAuPdZEiUhBY7wG+AHYDTQqWi0iQiLTz3KCbrzZYVeOAUcA11X0QxlQ3a+EaY87VbOATEdkObKJ4irfdwHARmQ4kA/+jqjnurT9/F5FgnO+hvwGe2ZwuBRaJSB2cFvHT1X8YxlQvyxZkjDHGeIF1KRtjjDFeYAHXGGOM8QILuMYYY4wXWMA1xhhjvMACrjHGGOMFFnCNMcYYL7CAa4wxxnjB/wM124DGTKFoewAAAABJRU5ErkJggg=="/>
+          <p:cNvSpPr>
+            <a:spLocks noChangeAspect="1" noChangeArrowheads="1"/>
+          </p:cNvSpPr>
+          <p:nvPr/>
+        </p:nvSpPr>
+        <p:spPr bwMode="auto">
+          <a:xfrm>
+            <a:off x="307975" y="7937"/>
+            <a:ext cx="304800" cy="304801"/>
+          </a:xfrm>
+          <a:prstGeom prst="rect">
+            <a:avLst/>
+          </a:prstGeom>
+          <a:noFill/>
+          <a:extLst>
+            <a:ext uri="{909E8E84-426E-40DD-AFC4-6F175D3DCCD1}">
+              <a14:hiddenFill xmlns:a14="http://schemas.microsoft.com/office/drawing/2010/main">
+                <a:solidFill>
+                  <a:srgbClr val="FFFFFF"/>
+                </a:solidFill>
+              </a14:hiddenFill>
+            </a:ext>
+          </a:extLst>
+        </p:spPr>
+        <p:txBody>
+          <a:bodyPr vert="horz" wrap="square" lIns="91440" tIns="45720" rIns="91440" bIns="45720" numCol="1" anchor="t" anchorCtr="0" compatLnSpc="1">
+            <a:prstTxWarp prst="textNoShape">
+              <a:avLst/>
+            </a:prstTxWarp>
+          </a:bodyPr>
+          <a:lstStyle/>
+          <a:p>
+            <a:endParaRPr lang="es-CL"/>
+          </a:p>
+        </p:txBody>
+      </p:sp>
+      <p:pic>
+        <p:nvPicPr>
+          <p:cNvPr id="8" name="Imagen 7"/>
+          <p:cNvPicPr>
+            <a:picLocks noChangeAspect="1"/>
+          </p:cNvPicPr>
+          <p:nvPr/>
+        </p:nvPicPr>
+        <p:blipFill>
+          <a:blip r:embed="rId3"/>
+          <a:stretch>
+            <a:fillRect/>
+          </a:stretch>
+        </p:blipFill>
+        <p:spPr>
+          <a:xfrm>
+            <a:off x="10751184" y="5383500"/>
+            <a:ext cx="7343775" cy="3686175"/>
+          </a:xfrm>
+          <a:prstGeom prst="rect">
+            <a:avLst/>
+          </a:prstGeom>
+        </p:spPr>
+      </p:pic>
     </p:spTree>
   </p:cSld>
   <p:clrMapOvr>
@@ -6473,6 +6537,140 @@
                                   </p:childTnLst>
                                 </p:cTn>
                               </p:par>
+                              <p:par>
+                                <p:cTn id="18" presetID="10" presetClass="entr" presetSubtype="0" fill="hold" nodeType="withEffect">
+                                  <p:stCondLst>
+                                    <p:cond delay="0"/>
+                                  </p:stCondLst>
+                                  <p:childTnLst>
+                                    <p:set>
+                                      <p:cBhvr>
+                                        <p:cTn id="19" dur="1" fill="hold">
+                                          <p:stCondLst>
+                                            <p:cond delay="0"/>
+                                          </p:stCondLst>
+                                        </p:cTn>
+                                        <p:tgtEl>
+                                          <p:spTgt spid="8"/>
+                                        </p:tgtEl>
+                                        <p:attrNameLst>
+                                          <p:attrName>style.visibility</p:attrName>
+                                        </p:attrNameLst>
+                                      </p:cBhvr>
+                                      <p:to>
+                                        <p:strVal val="visible"/>
+                                      </p:to>
+                                    </p:set>
+                                    <p:animEffect transition="in" filter="fade">
+                                      <p:cBhvr>
+                                        <p:cTn id="20" dur="500"/>
+                                        <p:tgtEl>
+                                          <p:spTgt spid="8"/>
+                                        </p:tgtEl>
+                                      </p:cBhvr>
+                                    </p:animEffect>
+                                  </p:childTnLst>
+                                </p:cTn>
+                              </p:par>
+                            </p:childTnLst>
+                          </p:cTn>
+                        </p:par>
+                      </p:childTnLst>
+                    </p:cTn>
+                  </p:par>
+                  <p:par>
+                    <p:cTn id="21" fill="hold">
+                      <p:stCondLst>
+                        <p:cond delay="indefinite"/>
+                      </p:stCondLst>
+                      <p:childTnLst>
+                        <p:par>
+                          <p:cTn id="22" fill="hold">
+                            <p:stCondLst>
+                              <p:cond delay="0"/>
+                            </p:stCondLst>
+                            <p:childTnLst>
+                              <p:par>
+                                <p:cTn id="23" presetID="42" presetClass="entr" presetSubtype="0" fill="hold" grpId="0" nodeType="clickEffect">
+                                  <p:stCondLst>
+                                    <p:cond delay="0"/>
+                                  </p:stCondLst>
+                                  <p:childTnLst>
+                                    <p:set>
+                                      <p:cBhvr>
+                                        <p:cTn id="24" dur="1" fill="hold">
+                                          <p:stCondLst>
+                                            <p:cond delay="0"/>
+                                          </p:stCondLst>
+                                        </p:cTn>
+                                        <p:tgtEl>
+                                          <p:spTgt spid="7"/>
+                                        </p:tgtEl>
+                                        <p:attrNameLst>
+                                          <p:attrName>style.visibility</p:attrName>
+                                        </p:attrNameLst>
+                                      </p:cBhvr>
+                                      <p:to>
+                                        <p:strVal val="visible"/>
+                                      </p:to>
+                                    </p:set>
+                                    <p:animEffect transition="in" filter="fade">
+                                      <p:cBhvr>
+                                        <p:cTn id="25" dur="1000"/>
+                                        <p:tgtEl>
+                                          <p:spTgt spid="7"/>
+                                        </p:tgtEl>
+                                      </p:cBhvr>
+                                    </p:animEffect>
+                                    <p:anim calcmode="lin" valueType="num">
+                                      <p:cBhvr>
+                                        <p:cTn id="26" dur="1000" fill="hold"/>
+                                        <p:tgtEl>
+                                          <p:spTgt spid="7"/>
+                                        </p:tgtEl>
+                                        <p:attrNameLst>
+                                          <p:attrName>ppt_x</p:attrName>
+                                        </p:attrNameLst>
+                                      </p:cBhvr>
+                                      <p:tavLst>
+                                        <p:tav tm="0">
+                                          <p:val>
+                                            <p:strVal val="#ppt_x"/>
+                                          </p:val>
+                                        </p:tav>
+                                        <p:tav tm="100000">
+                                          <p:val>
+                                            <p:strVal val="#ppt_x"/>
+                                          </p:val>
+                                        </p:tav>
+                                      </p:tavLst>
+                                    </p:anim>
+                                    <p:anim calcmode="lin" valueType="num">
+                                      <p:cBhvr>
+                                        <p:cTn id="27" dur="1000" fill="hold"/>
+                                        <p:tgtEl>
+                                          <p:spTgt spid="7"/>
+                                        </p:tgtEl>
+                                        <p:attrNameLst>
+                                          <p:attrName>ppt_y</p:attrName>
+                                        </p:attrNameLst>
+                                      </p:cBhvr>
+                                      <p:tavLst>
+                                        <p:tav tm="0">
+                                          <p:val>
+                                            <p:strVal val="#ppt_y+.1"/>
+                                          </p:val>
+                                        </p:tav>
+                                        <p:tav tm="100000">
+                                          <p:val>
+                                            <p:strVal val="#ppt_y"/>
+                                          </p:val>
+                                        </p:tav>
+                                      </p:tavLst>
+                                    </p:anim>
+                                  </p:childTnLst>
+                                </p:cTn>
+                              </p:par>
                             </p:childTnLst>
                           </p:cTn>
                         </p:par>
@@ -6503,12 +6701,468 @@
     <p:bldLst>
       <p:bldP spid="2" grpId="0"/>
       <p:bldP spid="3" grpId="0"/>
+      <p:bldP spid="7" grpId="0"/>
     </p:bldLst>
   </p:timing>
 </p:sld>
 </file>
 
 <file path=ppt/slides/slide13.xml><?xml version="1.0" encoding="utf-8"?>
+<p:sld xmlns:a="http://schemas.openxmlformats.org/drawingml/2006/main" xmlns:r="http://schemas.openxmlformats.org/officeDocument/2006/relationships" xmlns:p="http://schemas.openxmlformats.org/presentationml/2006/main">
+  <p:cSld>
+    <p:spTree>
+      <p:nvGrpSpPr>
+        <p:cNvPr id="1" name=""/>
+        <p:cNvGrpSpPr/>
+        <p:nvPr/>
+      </p:nvGrpSpPr>
+      <p:grpSpPr>
+        <a:xfrm>
+          <a:off x="0" y="0"/>
+          <a:ext cx="0" cy="0"/>
+          <a:chOff x="0" y="0"/>
+          <a:chExt cx="0" cy="0"/>
+        </a:xfrm>
+      </p:grpSpPr>
+      <p:sp>
+        <p:nvSpPr>
+          <p:cNvPr id="3" name="Marcador de texto 2"/>
+          <p:cNvSpPr>
+            <a:spLocks noGrp="1"/>
+          </p:cNvSpPr>
+          <p:nvPr>
+            <p:ph type="body" idx="1"/>
+          </p:nvPr>
+        </p:nvSpPr>
+        <p:spPr>
+          <a:xfrm>
+            <a:off x="609600" y="2205989"/>
+            <a:ext cx="17130800" cy="969496"/>
+          </a:xfrm>
+        </p:spPr>
+        <p:txBody>
+          <a:bodyPr/>
+          <a:lstStyle/>
+          <a:p>
+            <a:r>
+              <a:rPr lang="es-MX" dirty="0" smtClean="0"/>
+              <a:t>Además hicimos regresión lineal para ver si la población y la cantidad de arrestos tenían alguna relación.</a:t>
+            </a:r>
+            <a:endParaRPr lang="es-CL" dirty="0"/>
+          </a:p>
+        </p:txBody>
+      </p:sp>
+      <p:sp>
+        <p:nvSpPr>
+          <p:cNvPr id="4" name="object 2"/>
+          <p:cNvSpPr txBox="1">
+            <a:spLocks/>
+          </p:cNvSpPr>
+          <p:nvPr/>
+        </p:nvSpPr>
+        <p:spPr>
+          <a:xfrm>
+            <a:off x="990600" y="266700"/>
+            <a:ext cx="16259301" cy="1420495"/>
+          </a:xfrm>
+          <a:prstGeom prst="rect">
+            <a:avLst/>
+          </a:prstGeom>
+        </p:spPr>
+        <p:txBody>
+          <a:bodyPr vert="horz" wrap="square" lIns="0" tIns="10160" rIns="0" bIns="0" rtlCol="0">
+            <a:spAutoFit/>
+          </a:bodyPr>
+          <a:lstStyle>
+            <a:lvl1pPr>
+              <a:defRPr sz="3450" b="0" i="0">
+                <a:solidFill>
+                  <a:srgbClr val="272352"/>
+                </a:solidFill>
+                <a:latin typeface="Arial Black"/>
+                <a:ea typeface="+mj-ea"/>
+                <a:cs typeface="Arial Black"/>
+              </a:defRPr>
+            </a:lvl1pPr>
+          </a:lstStyle>
+          <a:p>
+            <a:pPr marL="3618229" marR="5080" indent="-3606165">
+              <a:lnSpc>
+                <a:spcPct val="100699"/>
+              </a:lnSpc>
+              <a:spcBef>
+                <a:spcPts val="80"/>
+              </a:spcBef>
+            </a:pPr>
+            <a:r>
+              <a:rPr lang="es-MX" kern="0" spc="10" dirty="0" smtClean="0"/>
+              <a:t>5. </a:t>
+            </a:r>
+            <a:r>
+              <a:rPr lang="es-MX" kern="0" spc="5" dirty="0" smtClean="0"/>
+              <a:t>¿Existen </a:t>
+            </a:r>
+            <a:r>
+              <a:rPr lang="es-MX" kern="0" spc="50" dirty="0" smtClean="0"/>
+              <a:t>grupos </a:t>
+            </a:r>
+            <a:r>
+              <a:rPr lang="es-MX" kern="0" spc="10" dirty="0" smtClean="0"/>
+              <a:t>que </a:t>
+            </a:r>
+            <a:r>
+              <a:rPr lang="es-MX" kern="0" spc="5" dirty="0" smtClean="0"/>
+              <a:t>tengan </a:t>
+            </a:r>
+            <a:r>
+              <a:rPr lang="es-MX" kern="0" spc="15" dirty="0" smtClean="0"/>
+              <a:t>relación </a:t>
+            </a:r>
+            <a:r>
+              <a:rPr lang="es-MX" kern="0" spc="10" dirty="0" smtClean="0"/>
+              <a:t>basados </a:t>
+            </a:r>
+            <a:r>
+              <a:rPr lang="es-MX" kern="0" spc="5" dirty="0" smtClean="0"/>
+              <a:t>en </a:t>
+            </a:r>
+            <a:r>
+              <a:rPr lang="es-MX" kern="0" spc="-1505" dirty="0" smtClean="0"/>
+              <a:t> </a:t>
+            </a:r>
+            <a:r>
+              <a:rPr lang="es-MX" kern="0" spc="5" dirty="0" smtClean="0"/>
+              <a:t>la</a:t>
+            </a:r>
+            <a:r>
+              <a:rPr lang="es-MX" kern="0" dirty="0" smtClean="0"/>
+              <a:t> </a:t>
+            </a:r>
+            <a:r>
+              <a:rPr lang="es-MX" kern="0" spc="25" dirty="0" smtClean="0"/>
+              <a:t>información</a:t>
+            </a:r>
+            <a:r>
+              <a:rPr lang="es-MX" kern="0" spc="10" dirty="0" smtClean="0"/>
+              <a:t> que</a:t>
+            </a:r>
+            <a:r>
+              <a:rPr lang="es-MX" kern="0" spc="15" dirty="0" smtClean="0"/>
+              <a:t> </a:t>
+            </a:r>
+            <a:r>
+              <a:rPr lang="es-MX" kern="0" spc="10" dirty="0" smtClean="0"/>
+              <a:t>tenemos?</a:t>
+            </a:r>
+            <a:endParaRPr lang="es-MX" kern="0" spc="10" dirty="0"/>
+          </a:p>
+        </p:txBody>
+      </p:sp>
+      <p:sp>
+        <p:nvSpPr>
+          <p:cNvPr id="5" name="AutoShape 2" descr="data:image/png;base64,iVBORw0KGgoAAAANSUhEUgAAAWAAAAFgCAYAAACFYaNMAAAAOXRFWHRTb2Z0d2FyZQBNYXRwbG90bGliIHZlcnNpb24zLjQuMywgaHR0cHM6Ly9tYXRwbG90bGliLm9yZy/MnkTPAAAACXBIWXMAAAsTAAALEwEAmpwYAABN00lEQVR4nO3dd3hc1bXw4d+aIo26JRfcKzbGJlRTEohjCOGaZqcHQupNQrlJSP9SLhhsp5FOQkggIYEk3DikYRN6Mw4Egg2hWO6YYuMiW7LVp6/vj3MkxrLKkTRnRmW9z6NHmtGZOetI8vKePXuvJaqKMcaY3AvkOwBjjBmuLAEbY0yeWAI2xpg8sQRsjDF5YgnYGGPyxBKwMcbkSSjfAfTFwoUL9b777st3GMYY44V09Y1BOQLev39/vkMwxph+G5QJ2BhjhgJLwMYYkyeWgI0xJk8sARtjTJ5YAjbGmDyxBGyMMXliCdgYY/LEErAxxuSJJWBjjMmTQbkV2Rhjcmn1phpuWrOdHQdamFRZzGXzp7Ng9ph+P6+NgI0xphurN9WwZFU1NY1RRhSFqWmMsmRVNas31fT7uS0BG2NMN25as51wUCguCCHifA4HhZvWbO/3c1sCNsaYbuw40EJROHjIfUXhIDsPtPT7uS0BG2NMNyZVFtOaSB1yX2sixcTK4n4/tyVgY4zpxmXzp5NIKS3xJKrO50RKuWz+9H4/tyVgY4zpxoLZY1i2aC5jyiLUtyYYUxZh2aK5WVkFYcvQjDGmBwtmj8lKwu3IRsDGGNODWDJFfUsi689rCdgYY7oRTaTYfTBKSjXrz21TEMYY04WWeJK9DTHUh+QLloCNMaZTjdEE+5viviVfsARsjDGHqW9JUNsc8/08loCNMSZDXXOcgy3xnJzLErAxxrj2NcZojGZ/tUNXLAEbY4Y9VWVfY4ymWDKn57UEbIwZ1tJpZW9jlNZ4queDs8wSsDFm2EqllT0NUWKJ3CdfsARsjBmmkqk0u+ujJFLpvMVgCdgYM+zEk2n21EdJpvOXfMESsDFmmIkmUuxtiJJK+7fBwitLwMaYYaM17iTftI+723rDErAxZlhoiiXZ1+hfXYe+sARsjBnyGqIJ9jf6v7W4tywBG2OGtAPNcQ7kaGtxb1kCNsYMWfubYjS05m5rcW9ZAjbGDDmqyr6mGE3R3G4t7i1LwMaYIUVV2dsQoyU+sJMvWAI2xgwhaXdrcTRPW4t7y1NPOBGpEJEfi8g69+OHIlLhd3DGGONVMpVmV33roEm+4L0p52+ABuD97kcD8Fu/gjLGmN5IuHUd4sn8bi3uLa9TEDNU9T0Zt5eKyHM+xGOMMb0SS6bYUz8wthb3ltcRcKuInNF2Q0ROB1r9CckYY7xpbxk/CJMveB8BXwHc5s77ClAHfMyvoIwxpifNsSQ1A2xrcW95SsCq+hxwnIiUu7cb/AzKGGO60xhNsG8Abi3urW4TsIh8sYv7AVDVH/kQkzHGdClXLeNzoac54DL3Yx7ONMQE9+NyYE5PTy4iC0Vks4hsE5GvdfL9ChG5S0SeF5FqEfl47y/BGDNc1DXH85J8k6k0v1qznYYsd0zudgSsqksBROQB4ERVbXRvXwv8ubvHikgQ+DnwDmAnsFZEVqnqhozDPg1sUNULRWQ0sFlEblfVgVk5wxiTN7luGd/mQEucpXdt4IWd9WytaeTmD88jEJCsPLfXN+EmA5lJMQ5M7eExpwDbVHU7gIisABYDmQlYgTJx5jRKcd7cG/j7B40xOaOq1DTGaM5xy3iALXsbWbKymhp3vnnOuPKsPr/XBPx74GkR+TtO0nwX8LseHjMB2JFxeydwaodjbgBWAbtwpjo+oKqDayW1McY3+WwZ/9DGvfzggS3Ek2ki4QDLFx/D++ZNyuo5vK6C+JaI3Ae0rQX+uKr+p4eHdTZG77he5L+A54CzgBnAgyLyz85WWYjIpcClAJMnT/YStjFmEEulld31rTnf3ZZKKzev2c6fn9kJwLiKCN985zGcMLky6+fyXIxHVZ8RkR1ABEBEJqvqa908ZCeQ+d/FRJyRbqaPA99VZyHfNhF5GZgNPN3J+W8GbgaYN2/e4F34Z4zpUSLldC3Odcv4+tYE3/zHBp557SAA86ZUctX5R1NeFPblfJ4SsIgsAn4IjAdqcOaENwFzu3nYWmCmiEwDXgcuAj7Y4ZjXgLcD/xSRI4CjgO29uQBjzNCSr5bx2/c1cfXKanbXRwH4wLyJfPKt0wlm6Q23zngdAS8HTgMeUtUTRORM4OLuHqCqSRH5DHA/EAR+o6rVInK5+/1fus97q4i8iDNl8VVV3d/HazHGDHL5ahn/2JZ9XHffJqKJNIWhAF8+ZxZvP/oI38/rNQEnVLVWRAIiElDVR0Xkup4epKr3APd0uO+XGV/vAs7pVcTGmCGpJZ5kb0Nutxan0sqt/3qF2//tzKaOKStk+eK5zDyiLCfn95qAD4pIKbAGuF1EarDlYsaYLMlHy/imaJJv37uRp7bXAXD8pAqWXDCHEcUFOYvBawJejFP97AvAJUAFsNSvoIwxw0d9a4Laptzubnu1tpmrV1az84BT1PHdJ07g8vnTCQW9FojMDq8JeImqfhVIA7cBuFMQX/UrMGPM0JePlvH/emk/375nEy3xFOGg8IWzZ7HwmLE5jaGN13T/jk7uOzebgRhjhpfaplhOk29ald8/+SpX3VlNSzzFqNICfvKB4/OWfKHnamhXAP8DzBCRFzK+VQY84WdgxpihKR8t41viSa67bzP/3Oosspo7vpyli+ZSVZK7+d7O9DQF8X/AvcB3gMxqZo2qWudbVMaYISkfLeNfP9DK1SvX80ptCwDnv2kcnz3rSApCuZ3v7UxP1dDqgXoRuQrYo6oxEVkAHCsiv1PVg/6HaIwZCvLRMn7tK3Us/8dGmmJJggHhyrOO5MLjxufs/D3x+l/AX4GUiBwJ3AJMwxkdG2NMj3LdMl5VWfH0a3z9by/SFEtSWRzmh+87dkAlX/C+CiLt7mx7N/ATVf2ZiPRUjMcYY4gn0+xtyF1dh2gixffv38yjm/cBcNQRZSxdNIcx5ZGcnL83PO+EE5GLgY8AF7r3+VOdwhgzZOR6a/GehihL7qxm274mAN4x5wi+ePZMCsPBnJy/t7wm4I/jtCH6lqq+7BbY+YN/YRljBrvWuJN80zna3fbcjoMsvWsD9a0JAgJXLJjBu0+Y0N7DciDyWg94g4h8FacKGqr6MvBdPwMzxgxeuWwZr6r8/T+7uHH1NtIK5ZEQSy6Yw4lTsl+/N9s8vQknIhfiFE6/z719vIis8jEuY8wg1RBNsLchmpPkG0+m+d79m7nhUSf5zhhdwi8+dOKgSL7gfQriWpweb6sBVPU5dxrCGGPaHWyJU9ecm91t+xpjLFlVzeY9jQCcedRovvxfR1E0QOd7O+M1ASdVtb7DXIp1pTDGtKttilHfmpuuxetfr+eaVdUcaEkgwCffOo2LTp40oOd7O+M1Aa8XkQ8CQRGZCVwJ/Mu/sIwxg0Wutxb/44Vd/PThbSTTSklhkKvOP5pTp43MybmzzetGjM/itB+K4WzAqAc+71NMxphBom1rcS6SbyKV5scPbuFHD24lmVamVBXzi0tOHLTJF7yvgmgB/tf9MMaYnG4trmuOc+2qatbvchqmn37kSL5+7myKCzz3FR6QBnf0xpi8SKbS7GmI5qRl/KY9DSxZWc3+JufNvY++eQoffvMUAoNsvrczloCNMb2Sy5bx91fv4UcPbiGRUorCQb5x3mxOP3KU7+ftTNCHhN9jAhaRIHClqv4462c3xgwqsWSKPfX+by1OpZVfPPYSf3v2dQAmVhaxbPFcpo4s8fW8nQmIUFVaQHkk+9UXekzAqpoSkcWAJWBjhrFowkm+fm8trm9JsPQfG3hux0EATplWxVXnHU1pJPcv2CPhIKPLCgn71CvO6xU9ISI3AH8CmtvuVNVnfYnKGDOg5Gpr8Us1TVy9spo9DVEALj5lEv99+jSCgdzO94oIlcVh3zske03Ab3E/L8u4T4GzshuOMWagaYwm2Nfof9fiRzfV8P37NxNNpomEAvy/hUex4Kgxvp+3o4JQgNFlhRSG/N9R53UZ2pl+B2KMGXjqWxLUNvubfFNp5ZbHX2bF2h0AjC2PsHzxXGaMKfX1vJ0ZUVxAZXE4ZzvqPCVgEakArgHmu3c9BixzWxYZY4agXGwtbowm+NbdG3n6lQMAnDh5BFdfMIeKotyWGw8HnVFvJMd1JLxOQfwGWA+83739YeC3wLv9CMoYk1/7GmM0Rv1Nvi/vb+bqlevZddCZ733fSRO5dP70nM/3lheFqSouIJDj84L3BDxDVd+TcXupiDznQzzGmDxSVWoaYzTH/N1a/PjW/Xzn3k20JlKEg8KXzjmKc+Yc4es5OwoFnFFvUUH+qqd5TcCtInKGqj4OICKnA63+hWWMybV0WtnbGKU17t/W4rQqv3vyVX735KsAjC4tZNniuRw1tsy3c3amNBJiVElhXka9mbwm4CuA29y5YAHqgI/6FpUxJqdSaWV3fauvW4ubY0m+e+8mnnipFoA3TSjnmgvnUlXi71KvTMGAMKq0kJLCgbEJ2OsqiOeA40Sk3L3d4GdQxpjcycXW4h11LSxZWc2rdS0ALD5uPP9z5gzfNjh0prggxOiywpzPMXfH6yqIkTirIM4AVEQex1kFUetncMYYf8WSKfbWx0im/Uu+T22v5Vv3bKQ5liIUEK58+0wuOHacb+fryM+txP3ldRy+AlgDtL0RdwnOrriz/QjKGOM/v1vGqyp/fHoHtzz+MgpUlRSwdNEc5o6v8OV8nfF7K3F/eU3AVaq6POP2N0XknT7EY4zJgZZ4kr0N/m0tbk2k+N59m3lsyz4AZo8tY+miuYwuK/TlfB3laitxf3lNwI+KyEXAHe7t9wJ3+xOSMcZPTbEk+3ys67C7vpWrV1azfZ9TNmbh3LF8/uyZFIRyMwoNBwOMKc/NVuL+Ei+/BBFpBEqAtvUpQd4oyqOqWu5PeJ2bN2+erlu3LpenNGZIqG9NUNvk39biZ189wLJ/bKAhmiQg8Okzj+Sdx4/P2dbeiqIwVSUFA605Z5fBeF0FkdtFesaYrDvQHOdAiz8t41WVvzz7Ojc99hJpdRLhtRfO4bhJI3w5X0f52krcXwNjMZwxxld+bi2OJVL86KGtPLhhLwBHjill+eK5HFEe8eV8HQ2UTRV9YQnYmCFMVdnXGKPJp63FNQ1RlqyqZsveJgDePnsMXzpnVk5GogNtU0VfDN7IjTHd8ntr8Qs7D3Ltqg0cbE0QELh0/nTed9LEnMy/FheEGFVaQGiALi/zqlcJWETGAO2vK1T1taxHZIzpt5TbMj7mQ8t4VWXV87u54dFtpNJKWSTE1ecfzbypVVk/V0cDeVNFX3jdCbcI+CEwHqgBpgAbgbn+hWaM6YtkKs1un7YWx5NpfvrIVu55cQ8A00aVsHzxXMaPKMr6uToa6Jsq+sLrCHg5cBrwkKqeICJnAhf7F5Yxpi/iSaeugx9bi2ubYlyzagMbdjulYObPHMVXF872vZzjYNlU0RdeE3BCVWtFJCAiAVV9VESu8zUyY0yv+Lm1eMOuBq65q5rapjgCfPz0qVxy6mTf53sH06aKvvCagA+KSClOPYjbRaQG8LdiszHGs9a4k3z9aBl/74u7+cnDW0mklJKCIN8472jePGNk1s/T0QDdVJFVXhPwYpwC7F/AKcRTwaEdks0wsHpTDTet2c6OAy1MqizmsvnTWTA7911rzaH8ahmfTKW5cfVL3PncLgAmVRaxfPExTB5ZnNXzdDQQOlXkSo8JWESCwEpVPRtIA7f5HpUZcFZvqmHJqmrCQWFEUZiaRmf95zKwJJxHDdEE+31oGX+gJc7Suzbwwk6n7+5p06v4xnlHU+rzmtvBvKmiL3r8aapqSkRaRKTCuiAPXzet2U44KBQXOH8yxQUhWuJJblqz3RJwnhxsiVPXnP2txVv2NrJkZTU1bmL/0GmT+dhbphLwcSpgKGyq6AuvVxsFXhSRB3mjCA+qeqUvUZkBZ8eBFkZ0aBVeFA6y80BLniIa3vxqGf/Qxr384IEtxJNpIuEAX1s4m/mzRmf9PJmGyqaKvvCagO/Gyk8Oa5Mqi6lpjLaPgMGp+Tqx0t/5QHMoVWVfU4ymaHbfA0+llZvXbOfPz+wEYFxFhOWL5zJ9dGlWz5NJRKgqKaCiaGhsqugLr9XQbN53mLts/nSWrKqmJZ6kKBykNZEikVIumz8936ENG+m00zK+JZ7d5NvQmmD53Rt55tUDAMybUslV5x9NuY+JsTAcZHRpYc5qBA9UXnfCvQh0fIu1HlgHfNN6ww19C2aPYRnOXPDOAy1MtFUQOeXX1uLt+5q4emU1u+ujAHxg3kQ++dbpvjWuFHHexB1RHB7Sy8u88joFcS9OMfb/c29fhFNkuB64Fbgw65GZAWfB7DGWcPPAr63Fa7bs47v3bSKaSFMQCvCVc2bx9qOPyOo5Mg3Wmr1+8pqAT1fV0zNuvygiT6jq6SLyIT8CM8b40zI+rcpvn3iF2//t1NIaU1bIssVzmXWEf30XyovCjBzimyr6wusETKmInNp2Q0ROAdpm57uckBKRhSKyWUS2icjXujhmgYg8JyLVIvKY58iNGeJiyRS7D2Y3+TbFklx15/r25HvcxAp++aETfUu+oUCAcRVFjCottOTbCa8j4E8Cv3G3IwM0Ap8UkRLgO509wN3A8XPgHcBOYK2IrFLVDRnHjABuBBaq6mtuuUtjhr1oIsWe+uxuLX6ttoWrV65nx4FWAN51wgSueNt035Z/lRaGGFU6fDZV9IXXVRBrgTeJSAVOI8+DGd++o/NHcQqwTVW3A4jICpwtzRsyjvkg8Le2usKqWtO78I0ZevzYWvzkS7V8+56NNMdThIPC58+exbnHjM3a82cKBoSRpYW+75obCryugjgC+DYwXlXPFZE5wJtV9ZZuHjYB2JFxeydwaodjZgFhEVkNlAHXq+rvvAZvzFDTGE2wL4tbi9Oq3P7Ua/z2X68AMLK0gGWL5nL0OH8amQ/nTRV94fW/qFuB3wL/697eAvwJ6C4Bd/a6o+N/6SHgJODtQBHwpIg8papbDnsykUuBSwEmT57sMWxjBo/6lgS1zdlLvi3xJNfdt5l/bt0PwJxx5SxdNIeRpYVZO0ebodapIle8/jc1SlXvwCnGg6omcZaldWcnMCnj9kRgVyfH3Keqzaq6H6fc5XGdPZmq3qyq81R13ujR/m6NNCbX6prjWU2+rx9o5TP/95/25Hv+m8bxo/cf50vyLQwHGT+iyJJvH3gdATeLyEjcEayInIazBrg7a4GZIjINeB1n7fAHOxyzErhBREJAAc4UxY89xmTMkJDtlvFrX6lj+T820hRLEgwInznzSBYfPz5rz9+mbVNFZcnQ61SRK14T8BeBVcAMEXkCGA28t7sHqGpSRD4D3A8Egd+oarWIXO5+/5equlFE7gNewBld/1pV1/fxWowZVFSdrcXNWWoZr6rcsW4nv/rndtIKlcVhrrlwDsdOHJGV589kmyqyQ7y+0+qOUo/CmdvdrKrZL8Xk0bx583TdunX5Or0x/ZbtlvHRRIofPrCFhzc5C4mOOqKMpYvmMKY80sMje68s4myqsOVlnnX5g+rNOpFTgKnuY04UEWzFgjG9l+26DnsaoixZWc22miYAzplzBF84eyaFnYxOn95ex4q1O9jd0Mq48iIuOnkSp0z31k5+uNbs9ZPXZWi/B2YAz/HGm28KWAI2pheyvbX4uR0HWXrXBupbEwQErlgwg3efMKHTXWdPb6/j+ke2EgoI5ZEQtc0xrn9kK59jZo9JuKjAqV5my8uyy+t/ZfOAOZrtplPGDCPZbBmvqvz9P7u4cfU20grlkRBLLpjDiVMqu3zMirU7CAWEIndk3FZWdMXaHV0mYBGhqriAimJb4eAHrwl4PTAW2O1jLMYMWdlsGR9PpvnxQ1u4v3ovANNHl7B88VzGVRR1+7jdDa2URw79Jx8JB9jT0Nrp8QUh5422odoSfiDwmoBHARtE5GmgfbGiqi7yJSpjhpBstozf1xjjmlXVbNrTCMCCWaP5ysKj2ke13RlXXkRtc+yQY6OJNGPLD0/cuWgJb122vSfga/0MwpihKpt1Hda/Xs+1d22grjmOAJ986zQuOnmS5yR50cmTuP6RrbQmUkTCAaKJNMm0ctHJb+yXylVLeOuy7fBajMfKRBrTS9ms6/CPF3bz04e3kkwrJYVBrjr/aESFL93xgucVDadMr+JzzGTF2h3saWhlbIfHlLjVy/zqhpHJumw7bD2JMT7IVl2HRCrNDY9u467nnbdfplQVs/ydc9l1INqnFQ2nTK867Pv5qONgXbYdtqbEmCw7kKW6DnXNcb785+fbk+/pM0by80tOYGJl8SErGgTncyggrFi7o4dnPVRhOMiEytzXcZhUWUxrh3XQw7HLtiVgY7Jof1OMAy3xfj/P5j2NXP6HZ3jx9QYAPvrmKSxdPLf9JfvuhlYi4UP/+Xa3oqEjEaGyuIAJI4oI52Ft72Xzp5NIKS3xJKrO5+HYZdvrRozTcd6Im+I+RgBV1eH10zKmGzWNUZqi/a/r8ED1Hn744BYSKaUoHOQb583m9CNHHXJMb1Y0dDQQ6jhYl22H1zngW4AvAM/QcxlKY4aVbBXVSaWVXz72En999nUAJowoYvk75zJ1ZMlhx3pZ0dCZgVTHwbpse0/A9ap6r6+RGDMIZauoTn1LgmV3b+A/rx0E4JRpVfzvebMp62JutqcVDR1ZHYeByetv41ER+T7wNw7diPGsL1EZMwhkq6jOSzVNXL2ymj0NUQAuPmUS/336tB6Xg3W2oqEzxQUhRpflZnmZ6R2vCbitl9u8jPsUOCu74RgzOCRTafY0RIkn+1fX4dFNNXzv/s3EkmkioQD/b+FRLDgqOy/LRYSqkgIqiqyOw0DldSPGmX4HYsxgkY2KZqm0csvjL7cvGxtbHmHZ4rkcOaY0KzEWhAKMKYtQELKFTgOZ11UQFcA1wHz3rseAZaraU1siY4aUbFQ0a4om+ebdG3j6lQMAnDB5BEvOn5O1imMjiguoLA77WsfBZEeX/z2KyEdEZIJ78zdAI/B+96MBp0uyMcNGNJFid31rv5Lvy/ubueL2Z9uT73tOnMD33nNsVpJvOBhg/Igi34vomOzpbgR8H/ATnEaaR6rqezK+t1REnvMxLmMGlGgixZ76/lU0e3zrfr5z7yZaEynCQeFL75jFOXPHZiW+0kiIUSWFA2J5mfGuywSsqjUicql7s0VEzlDVx6F9Y4a3LTfGDHIt8SR7G/pe0Sytyu+efJXfPfkqAKNLC1m2eC5HjS3rd2wBEUaVFVJqy8sGpW5/a6ra5H55BXCbOxcsQB3wMX9DMyb/mmJJ9vWjnGRzLMl37t3Ev16qBeBNE8q55sK5VGWhlbu1CRr8vK6CeA44TkTK3dsNfgZlzEDQEE2wvx/lJHfUtbBkZTWv1jkVvhYfN57/OXNGv2svWJugoaPbBCwiH1LVP4jIFzvcD4Cq/sjH2IzJm4Mtceqa+15U598v1/LNuzfSHEsRCghXvn0mFxw7rt9xhYMBxpR7axNkHScGvp5GwG2b0Ps/WWXMIFHXHOdgHyuaqSp/fHoHtzz+MgpUlRSwdNEc5o6v6HdcvWkTZB0nBoee5oBvcj8vzU04xuTXvsYYjdFEnx7bmkjxvfs289iWfQDMHlvG0kVzGV1W2K+Y+tImyDpODA6eJqNE5DYRGZFxu1JEfuNbVMbkmKpS0xDtc/LdXd/KZ//4n/bku3DuWH7ygeP7nXxLCkNMqCzqdY+2HQdaDmvUORw7Tgx0XteuHKuqB9tuqOoBETnBn5CMyS1VZW9DjJZ438pJPvvqAZb9YwMN0SQBgU+feSTvPH58vzZD9LdN0KTKYmoao+0jYBieHScGOq9vxwZEpLLthohUYf3kzBCQdiua9SX5qip/eWYn/++vL9AQTVJRFOYH7zuOd50woV/JNxttgqzjxODgNYn+EPiXiPzFvf0+4Fv+hGSMPzquCvjUGdM4anx5n8pJxhIpfvTQVh7csBeAI8eUsmzxXMaWR/oVY2VxASOyUMfBOk4MDuJ1gbmIzAXOxNmI8bCqbvAzsO7MmzdP161bl6/Tm0Eoc1VAUThISzxJNJHmyrO67yLcmZqGKNes2sDmvY0AnDV7DF8+Z1a/WvwMhDZBxjdd/m/qeRpBVatFZB8QARCRyar6WhaCM8Z3masCVJVwMEgipaxYu6NXCfiFnQdZetcGDrQkCAh86q3Tef+8if0asQ6kNkEmt7yWo1yEMw0xHqjBac65EZjrX2jGZM+OAy2MKAqTViWZUlS1V12EVZVVz+/mhke3kUorZZEQV51/NCdP7d3oOZO1CTJef/PLgdOAh1T1BBE5E7jYv7CMya5JlcXsaWh1tgG7s25euwjHk2l+9sg27n5xNwDTRpWwbPFcJozo+bFdsToOBryvgkioai3OaoiAqj4KHO9fWMZk18fePIVoIk1rPIWitCZSnroI1zbF+OIdz7cn37fOHMUNF5/Q5+QrIowsLWRcRZElX+N5BHxQREqBNcDtIlID9K8HtzE50hRLMmtcOZ87y3sXYYCNuxtYsqqa2qY4Anz89KlccurkPs/3Wpsg05GnVRAiUgJEcd7NuwSoAG53R8U5Z6sgjFf1LQlqm3tf0eze9Xv4yUNbSKSUkoIgXz9vNm+ZMarPcfSmjoMZcvq3CkJVmzNu3tbvcIzJgb4U1Umm0ty4+iXufG4XAJMqi1i++Bgmj+zbDjJbXma601M5ykba37Jw7nJvC6CqWu5jbMb0WV+K6hxsibP0rg08v9PpNXva9Cq+cd7Rfe42YW2CTE96qoZmZSjNoKKq1DTGaI45b1E8vb2OFWt3sLuhlXHdzPtu2dvIkpXV1LgF2C85dTIfP30qgT5MGVibIOOV578QETkROANnBPy4qv7Ht6iM6YO2ug5Rd2vx09vruP6RrYQCQnkkRG1zjOsf2crnOHT320Mb9/KDB7YQT6aJhAN8beFs5s8a3acYIuEgo8sK+931wgwPXstRLsGZ+x0JjAJuFZGr/AzMmN5IptLsqm9tT74AK9buIBRwth4LzudQQFixdgcAqbTyi9Uv8e17NhFPphlXEeGGi0/oU/IVEapKChg/osiSr/HM6wj4YuAEVY0CiMh3gWeBb/oVmDFexZNp9jZESaTSh9y/u6GV8sihf+Jtu98aWhMsv3sjz7x6AICTplRy9flHU17U+wpk9kab6SuvCfgVnBoQUfd2IfCSHwEZ0xuxZIo99VFS6cOXU44rL6K2OXZIYfJoIk1FUQFX3P4su+udP+f3z5vIp946nWAf3iwri4QZVWrLy0zf9LQK4mc4c74xoFpEHnRvvwN43P/wjOlaazzF3oYo6S7Wsl908iSuf2QrrYkUkXCAaCJNYyzJ3oYY8VSaglCAr5wzi7cffUSvzx0MCKPLCg8peG5Mb/X019O22+EZ4O8Z96/2JRpjPGqOJalpjNHdRqJTplfxOZzdb7vrWwDhYIuzNG1MWSHLFs9l1hG9X+hTXBBidFlhjyNm60psetKbesAFwCz35mZV7VvzrCywnXDDW2M0wb5G77vbmmJJvn3PRp7aXgfAcRMruObCOYwoLujVeZ06Dt7aBHWsP9yaSJFIKcsWzbUkPPz0byeciCzAWQXxivtkk0Tko6q6JgvBGeNZb7cWv1bbwlUr17PzgFN28l0nTOCKt03vdSGc3tZxsK7ExovetCQ6R1U3A4jILOCPwEl+BWbyZ6C+dD7QHOdAL7YW/+ul/Xz7nk20xFOEg8Lnz57FuceM7fV5+1LHoa3+cCbrSmw68pqAw23JF0BVt4hI3zsGmgEr86XziKIwNY1RlqyqZhnkNQnvb4rR0Opt1iutyu3/fo1bn3gFBUaWFLB00VzmjO/dzvlQwFle1tuW8GBdiY03XhPwOhG5Bfi9e/sSnDfmzBAz0F46qyr7mmI8sqHG05bilniS6+7bzD+37gdgzrhyli6aw8jSwl6d1+sbbV25bP50lqyqpiWePGQO2LoSm0xeE/AVwKeBK3HmgNcAN/oVlMmfgfTSOZ126jqs3lTjaUvx6wdbufrO9bxS68R6/pvG8dmzjuxV/V0Roaq4gIri/r3As67Exguv5ShjInID8DCQxlkF0bs6f2ZQGCgvnZOpNHsaosST6UO2FAPtI8rMhpprX6njm3dvpDGaJBgQPnvWkSw6bnyvzlkQcqYcCkPZ2dG2YPYYS7imW15rQZyPs/PteuAGYJuInOtnYCY/Lps/nURKaYknUXU+5/qlcyyZYtdBJ/mCs6U4Ej70T7VtS7Gq8qe1O/j6316kMZqksjjMD993bK+Sr4hQWVzAhBFFWUu+xnjRm1UQZ6rqNgARmQHcDdzrV2AmP/L90jmacLYWZ+5u62pL8ZjSCN+6ZxOPbKoBYNYRpSxbNJcx5RHP5wsHA4wpz96o15je8JqAa9qSr2s7Tnv6bonIQpxRcxD4tap+t4vjTgaeAj6gqn/xGJPxSb5eOrfEnW3CHTcHdbalOJpMs785xgu7nOLp75hzBF88eyaFvSiIY22CTL55TcDVInIPcAdOLYj3AWtF5N0Aqvq3jg8QkSDwc5y6ETvd41ep6oZOjrsOuL/PV2EGvcZogv1N8U63FmduKd7T0EppYZi65jjN8RQBgcvfNoP3nDjBcyLtz/Ky/hio66tN/nhNwBFgL/A29/Y+oAq4ECchH5aAgVOAbaq6HUBEVgCLgQ0djvss8Ffg5F5FboaM+tYEtU3d7247ZXoVJ0+r5M7ndvHzR7eRViiPhFhywRxOnFLp+VwlhSFGlfZ9eVlfDdT11Sa/vK6C+HgfnnsCsCPj9k7g1MwDRGQC8C7gLCwBD0teG2fGk2l+8tBW7qveA8D00SUsXzyXcRVFns4TEKHKYx0HPwy09dVmYPCzll5nQ4yOry9/AnxVVVM9vXwUkUuBSwEmT56cjfhMHrVtsGiKJns8dl9jjGvvqmbj7kYAFswazVcWHnXIm3LdKQwHGZPnNkEDaX21GTj8TMA7gUkZtycCuzocMw9Y4SbfUcB5IpJU1Ts7Ppmq3gzcDE41ND8CNrmRTit7G6O0xlM9Hrv+9XquvWsDdc1xBPjEGdO4+JRJnuZ7neVl4V5XPfPDQFlfbQYWP4cEa4GZIjLNLWV5EbAq8wBVnaaqU1V1KvAX4H86S75m6Eilld0N3pLv3S/s5ot3PE9dc5ySwiDffvcxfPDUyZ6SbzgYYPyIyIBIvjAw1lebgcfrRozPiUi5OG4RkWdF5JzuHqOqSeAzOKsbNgJ3qGq1iFwuIpf3P3Qz2CRSaXYdbCWW6D75JlLOfO8PH9xCMq1MqSrmxg+eyKnTRno6T0VRmImVA2tTxYLZY5w1ymUR6lsTjCmLWG1g460gu4g8r6rHich/4dSEuBr4raqe6HeAnbGC7INPLJlib32MZDrd7XF1zXGW3rWBF1931veePmMkXzt3NiWFPc+WWXNMM0D1ryB7xhOch5N4nxdbvW486ql3W5vNexpZsrKafe6StI++eQoffvMUAh7+1Erd5WWBHC8vM6Y/vCbgZ0TkAWAa8HURKcMpymNMt5piSfb10LsN4IENe/nhA5tJpJSicJCvnzubM2aO6vH5e9MmyJiBxmsC/gRwPLBdVVtEZCTQl7XBZhg52BKnrrn7Nb6ptHLTmpf4yzOvAzBhRBHL3zmXqSNLenz+3rYJMmag8boRIy0iE4EPujMPj6nqXb5GZgaU3m6j9dLBor4lwbK7N/Cf1w4CcMrUSq46fw6lkZ7/LK2OgxkKvDbl/C7OTrXb3buuFJG3qOrXfYvMDBi92Uar6hRRb451v8HipZomrl5ZzZ6GKOAU3PnEGdN63CIcDAijywoPWU9rzGDl9a/4POB4VU0DiMhtwH8AS8DDgNdttKm0srchSrSHZWaPbqrhe/dvJpZMEwkF+H8Lj2LBUT0vxyoqCDK6tLDXHY2NGah6M4wYAdS5X1dkPxQzUHnZRptMpdldHyWR6vq92VRa+c0TL/PHp50SIUeUF/LNxccwY0xpt+cfSDvajMkmrwn4O8B/RORRnCVp84Fv+BaVGVB62kbrZY1vYzTBt+7eyNOvHADghMkjWHL+nB57r9naXjOUeXotp6p/BE7DKTv5N+DN7n1mGOhuG200kWL3wWi3yfeV2mY+/X//aU++7zlxAt97z7E9Jt/SwhATRhRZ8jVDltc34R5W1beTUcsh4z4zxHXVpmjetCp210e7XeP7xLb9fPueTbQmUoSDwpfeMYtz5o7t9ny2ttcMF90mYBGJAMXAKBGp5I0dceVA71rOmgGtp2VmHdsU1bckqHFXMHQmrcrvn3yV2558FYDRpYUsWzyXo8aWdRuHre01w0lPI+DLgM/jJNtneCMBN+C0GzJDQG+7NdQ2xajvZo1vcyzJd+/dxBMv1QLwpgnlXHPhXKpKun8TrSwSZlSpre01w0e3CVhVrweuF5HPqurPchSTyTGvy8y8rPHdUdfCkpXVvFrnrJC48LhxfObMI7sthh4KBBhVVmBre82w4/Uvfo+IlKlqo4hcBZwIfFNVn/UxNtMPvdm55nWZ2d7GWLelJJ/aXsu37tlIcyxFKCBc+faZXHDsuG7jLI2EGFViRXTM8OQ1AV+tqn8WkTOA/wJ+APyCDj3ezMDQ2ymF3iwze3p7HSvW7mB3Qyvjyou46ORJnDytkj8+vYNbHn8ZBapKCrj2wjkcM6Hr5eI26jXGe0eMtmHP+cAvVHUlYKviB6jMKQUR53M4KNy0Znunx3tdZvb09jquf2Qrtc0xyiMhaptj/PjhLXzhT8/zazf5zh5bxi8uObHb5FsaCTGxssiSrxn2vP4LeF1EbgLOBq4TkUL8bWdk+qG3DSC9LjNbsXYHoYC0N8MMBYQ9DXH2Njj1e0+aXEkilebKFf9pHx2fMr2q/TzBgDCqtNBTcXVjhgOv/xLeDywEfqCqB0VkHPAV/8Iy/dGXBpCHLTNrPXyZ2e6GVsrdSmUt8SS76qOk3SXAi44dx9Ov1BEOBtpHx9c/spXPMZNTpldR4hZM76nYjjHDidedcC1ADXCGe1cS2OpXUMa71ZtquPjmpzjjuke4+OanWL2ppt8NIGubYtS6XSkyjSsvojWe4kBLnJ0HneQbEJgxqoTX6loJBwMUhYMIzig5FBBWrNvByNJCjiiPWPI1pgOvTTmvAb7KG9XPwsAf/ArKdK8t6c775oNc9odneHl/0yFvtgF9bgBZ0xjtco3ve06cQG1znH1NTpH1cFAYWVrIp946nd0NrUTCh/45FYWD7G+MUlFkO9qM6YzXKYh3AScAzwKo6i63LZHJscwVDi2xJGlVapvjFIaClBeF29fv/vHS03rVcVdV2dcYo6mLNb41DVH+8O/XaE04NR8ioQCzxpTxwVMnc8r0KsatLaK2OdY+PxwMCLFkiklVPXe2MGa48pqA46qqIqIAImL/qvIkc4VDIq0EA4KmnQ4U5UXhbt9sg87XB7/tqNHdbrB4cWc9195VzYGWBAGBT711Ou+fN/GQHWsXnTyJ6x/ZSjSZorQgRCyVJpnG87SHMcOR1wR8h7sKYoSIfAr4b+BX/oU19PW2xU+bzBUOBcEAybQiAnG3Dm93b7Z1tj746pXr+fzZMzlhcmWnj1n1/C5+9sg2UmmltDDE1RcczclTqw477pTpVXwldBR3rNvB6wdb21dS9GYUbsxw02MCdtvP/wmYjVMD4ihgiao+6HNsQ1ZvN0pkylzhMLqskF0Ho6RRCoKBHt9s67jluCgcJJFK8/snXzssAceTaW54dBv/eGE3AFNHFrN88TFMqCzq9Lkriwt490kTefdJE3v50zBm+OoxAbtTD3eq6kmAJd0s8Fp7oTOXzZ/OklXVtMSTlBaGGFkapq45QVHYqSLmdctxWpVkSikMBdjT0HrIcbVNMa69awPVuxoAeOvMUXx14VGdbpwIBoQxZRGKCqxmrzG95XUK4ikROVlV1/oazTDR240SmTpumpg6spTvvMvbS/220XNhKOgUUFeIJtKMLX9jVLtxdwNLVlVT2xRHgI+9ZSqXnDaZQCcVyqxHmzH94zUBnwlcJiKvAs04ZSlVVY/1LbIhrC8bJTJ13DTh1WXzp/O/d64nnkwTCQeIJtIk08pFJ08C4N71e/jJQ1tIpJTigiDfOG82b5kxqtPnqiwuoLKH8pId9XXe25ihqsehizsHfDkwAzgLuBC4wP1s+qC/GyX6QlWZM76cz555JCNLCmmMJhlZUsjnzprJiVNG8NOHt/L9+zeTSCkTK4u48YMndpp8gwFhXEVRn5LvklXV1DRGD5n3Xr2pJluXaMygI921k2k/SOQZdw54QJg3b56uW7cu32H0S9toMLP2gl+jwVRa2dMQ7bSU5MGWOEvv2sDzO+sBOG16Fd8472hKO6nXUBgOckRZ36YcLr75qcNG/S3xJGPKIvzx0tN6/XzGDCJdbgG1OeA86es0Qm/FkilqGmKdtovfsreRJSurqWl0th1/6LTJfOwtUzud7y0vCjOypO/dKvoz723MUGVzwENYSzxJTUOMdCevch7euJfvP7ClfT74awtnM3/W6MOOy1YFs/7OexszFHn9V3Wur1GYrKtvTXDvC7sPK55+0tRKfvXP7dyxbicA4yoiLF88l+mjSw97jkg4yJg+Tjl0lLl8rigcpDWR8n3e25iBztMccPvBImOASNttVX3Nj6B6MhTmgP1U2xTjweq9XP/IVkIBaV/xEE+mKS8Ks7WmCYCTplRy9flHU95JsZy+rHLoSS7nvY0ZQPo3Bywii4Af4nRHrgGmABuBudmIzmRHZtPMjsXTAwL7m+Psded733fSRC6dP/2wEpGhQIAx5YVEwtnfWJGreW9jBguvUxDLgdOAh1T1BBE5E7jYv7BMbyVTafY0RIknnTfbMounN0aT7GmM0vZi5xvnzebso484rL/bR988hUUnTLC6vcbkiNfJvYSq1gIBEQmo6qPA8f6FZXojlkyx6+AbyRfeKJ6+vynG7gYn+QZFmDWmtD35ZvZ3O9ga58cPb+WfW/bl8UqMGV68JuCDIlIKrAFuF5HrcbpimDxriSfbm2Zmeufx49nXFKeuxSmuXhgKMLK0gP8+fRrwRn+34oIQBaEgZZFwt407jTHZ53UKYjHQCnwBuASoAJb5FZTxpjGaYH9TnI5vpL5W18ItT7xMzB0RF4cDzBxTxsWnTG5vkrm7oZURRU7SbVvba+tyjcktTwlYVZvdL9PAbf6FY7w60BznQEv8sPuffKmWb9+zkeZ4inBQ+PzbZ3Lum8YddtzkymLqWuIUhN6Y77V1ucbklpWxGmTSaWVvQ/Sw5Kuq/P6pV7nqzvU0x1OMLC3gJx84/rDk21bL4dNnHpnzehTGmEP1b3uTyalEKs2e+uhh24pb4ymuu28Ta7buB2DOuHKWLprDyNLCQ47L3FjRsaylrcs1Jvc8J2ARKQBmuTc3q2rnrXONL1rjKWoao6TSh873vn6wlSUrq3l5vzNLdN6bxnLlWTMpCB364mZEcQFVHTZW2LpcY/LL60aMBThzv6/g7OqYJCIfVdU1vkU2xKzeVMN1921iu5sop40s5mvnHu0pATZEE9R28mbbulfqWH73RhqjSYIB4TNnHsmi48YdUjAnGBBGlxV22s3CGJNfnstRAh9U1c3u7VnAH/NVonKwbUVevamGr/zl+fauwgBphRHFYX7w3uMAOi1Urqrsb4rTGD30xYaq8udndnLzmu2kFSqLw1xz4RyOnTjikOOyWcvBGNNn/S5HGW5LvgCqukVEDi8gYDp105rt7aPUtlKPklaaYkmuu29T+4qFzELl16SV2ePLD6vhG02k+NGDW3hoo1PIfNYRpSxbNJcx5ZFDjhtRXEBlcbjP5SONMf7zOjRaJyK3iMgC9+NXwDN+BjaU7DjQQjKdJjMXijiF0rfvb25v0CnifA4G4IZHtx2WfPc0RLlyxXPtyfcdc47g+g8cf0jyDQUCjKsooqoftXuNMbnhdQR8BfBp4Eqc4fQa4Ea/ghqMuut3NqmymP2NMVRpT8KqzvysKu0Fc8BJyqGAsLv+0E7Fz+84yLV3baC+1ZnGuPxtM3jPiRMOSbJtreqtloMxg4PXjRgx4Efuh+mgrd9Zx2mEZTgrDS6bP719DljFmXNPK4woDDOqpIDWRIrighDJVJpUWg/pVKyq3PncLm5c/RKptFIeCbHkgjmcOKWy/fwiQlVxARXFNitkzGDS7RSEiNzhfn5RRF7o+JGbEAe+m9ZsP2waIbOuwoLZY/j+e49j5phSRJytv0eOLuEH7z2Or517NPFkmobWOMl0mtZEqr1TcTyZ5gcPbOFnj2wjlVamjy7hFx868ZDk60w5RCz5GjMI9TQC/pz7+QK/AxnMvPQ762rNbSyZ4sqzZnL7v19jT0MrY93OFdPHlPCFO55j4+5G5/GzRvOVhUcdMl1hqxyMGdy6TcCqutv9/GpuwhkcOs73lhWG2qcR2nipq9AUS7K/McZJUys5aeobo9rqXfVc/odnqWuOI8AnzpjGxadMOmS+t79NMo0x+ddtAhaRRqDLhcKqWp71iAa4zuZ761sT7Qv9vPY7q2uOc7CTYjp3v7Cb6x/eSjKtlBQGuer8ozl12sj274sIo0oLKIvYlIMxg11PI+AyABFZBuwBfo+zCuISoMz36AagzPleoP1zOCBUlhT2WFchnXbaBrXEDy2nnEil+fmjL7Hq+V0ATKkqZtniuUyqemMUHQ467YIKQ9lvF2SMyT2vy9D+S1VPzbj9CxH5N/A9H2Ia0Lqa761vTXDfF07r9rHxZJq9DYcX06lrjrP0rmpefL0BcIqnl0fC7D4YbU/ApYUhRpUWErAlZsYMGV7fvUmJyCUiEhSRgIhcAqR6epCILBSRzSKyTUS+1sn3L8lYVfEvETmutxeQa5Mqi2ntsEHC63zvroOthyXfLXsbueIPz7Yn3/JIiEmVEQ62xrn+ka08/XIdI0sKGVMeseRrzBDjNQF/EHg/sNf9eJ97X5dEJAj8HDgXmANcLCJzOhz2MvA2VT0Wp/Hnzd5Dz4/L5k/vVR1dp55DjJqGKOkOdTce2LCXK1c8x76mGAGBkSUFjC2PEJAAReEg4aDwt2dftyVmxgxRXjdivILTlqg3TgG2qep2ABFZ4T7Hhozn/VfG8U8BE3t5jpzrTR3dZCrN3sbYYVuKU2nlpjUv8ZdnXgdgwogiookkVSVvJFoRobQwdNiOOGPM0OG1HOUs4BfAEap6jIgcCyxS1W9287AJwI6M2zuBU7s4FuATwL1e4sk3L3V0u6rfW9+SYPndG3j2tYMAnDy1kqvOP5prVm6gtjlGUThIICCEAmItgowZ4ry+Cfcr4CvATQCq+oKI/B/QXQLubMKy0yVtInImTgI+o8snE7kUuBRg8uTJ3qLOk4MtceqanSVmT2+vY8XaHU4TzEgBNU1RDridii86eRKfOGMawYBw0cmTuP6RrcRSKUqDIU9L2Ywxg5vXBFysqk93WPTfU1v6ncCkjNsTgV0dD3JH078GzlXV2q6eTFVvxp0jnjdvXs9FjPMglVZqGqO0xp0ph6e313H9I1sJBQQBttQ0okA4KHxt4WzOzBhFnzK9iv+NHM3t/37NWgQZM0x4TcD7RWQG7ghWRN4L7O7hMWuBmSIyDXgduIgOb9yJyGTgb8CHVXVLbwIfaKKJFDUNMZLpN1Y5rFi7g6A4KyDaRr3BgDB9ZOkhyTcgwpjyQqaPLuWC48bnPHZjTH54TcCfxhl9zhaR13FWL3youweoalJEPgPcDwSB36hqtYhc7n7/l8ASYCRwozu6TqrqvD5dSR5lTjlker2+heZYihZ3RFwUDjKuopD66BvHhoMBjiiPHNbDzRgz9HldBbEdOFtESoCAqjZ6fNw9wD0d7vtlxtefBD7pPdyBpatdbQCv1DbT0JoklnRGxCOKwowuLSCafKPUpG2uMGZ487oKYgTwEWAqEGqbC1bVK/0KbKCLJZ0ph44bKwAe37qf79y7qT35VhWHGVlaQDSRdkpNnjKJUWWFlPdQz6G7Iu/GmMHP6xTEPTjrdF8EDs84w0xXXYrTqvzuyVf53ZNO8bhRpQV8YN4knthW215q8oOnTGLRCROIhLuv59BTkXdjzODnNQFHVPWLvkYyCKgq+5piNEUPn3JojiX57r2beOIlZyHHMePLWXzceO5+cQ+7G1oZV17Eh06bzDtPmOCpfm9nRX9a4kluWrPdErAxQ4TXBPx7EfkU8A8g1nanqtb5EtUA1FUhHYCdB1q4emU1r9Y6BdgvPHYcp06r4uerXyIUEMojIQ60xLj+4a2MKi30lEC9FHk3xgxuXt96jwPfB57E6Yb8DLDOr6AGmsZootNCOgD/frmWK25/lldrWwgFhC++YyZfeMcs/vLM64QCQlE4SDAQoLyogIJQoL1NUU/6WvTHGDN4eB0BfxE4UlX3+xnMQOMU0onTGE10+r0Va3fw63++jAKVxWGWLprLMRMqANjd0Ep5JEQwKIQCzv9zvRnBXjZ/OktWVdMST3ou8m6MGVy8JuBqYFi99k2knCmHePLwUW9rIsX379vM6i37AJg9tox3HT+B3zz+Svt8b2lBiGRaiYQDhzzO6wi2N0V/jDGDk9cEnAKeE5FHOXQOeEguQ2vr1daxfCTAnvooX/rz8+yujwJQVVzAyVMqufXJV9rne+taYjTHkgRECIj0eQTrpeiPMWbw8pqA73Q/hjRVpbY5TkPr4VMOAM++doAlK6vbd7aNLi2gMBRgxbodVERClJUUIiKUR4KEgwHPbYqMMcOT151wt4lIATDLvWuzqnaepQaprmr3gpOY//rs6/zysZdIKwQExldE2peIpdJRmuMpRpU5ZSTFHfV6aVNkjBm+vO6EWwDcBryCU2Zykoh8VFXX+BZZDrXEk+xrjB1Wuxcglkjx44e28sCGvQCEAsLEyggFwTc2UhQEhXgyTTjYt/leY8zw5HUK4ofAOaq6GdoLtP8ROMmvwHKlq/bwAA+s38P1j2xrXw523MQKNA0HWuNOeSEAgYriMAdbkrZiwRjTK14TcLgt+QKo6hYRGdSNyjrW7oVDi6cHRdjlvtEGEBR4tbaZdx0/gfs27KU1kaIoHCSZSlMYCvHpBVN4cnudzfcaYzzzmoCfEZFbgN+7ty/B2YwxKHVWuzezeHpalb0N7Ys9CAWcHm2N0SSPbd3P586ayZ/W7WBfY5RJVSXtyXZILgkxxvjGawK+HKcm8JU4c8BrgBv9CspPXRXSaSue3tCaoL5DrYegu5ECUXYcaOFts0fz/pMnWRlJY0y/9JiARSQAPKOqxwA/8j8kf/S0xGznwRaaYkmiie6LvQkwtjzCY5v3WalIY0y/9FgLQlXTwPNu+6BBq66b5LtxdwP1LYn25DuypICMDWyoKum0klaYPqqExzbvY8mqamoao4eUily9qSYXl2KMGSK8TkGMA6pF5Gmgue1OVV3kS1Q+SHWyqw3gvvV7+PFDW0ikFcFJvpUlYQKi7G9KEBSnzm8wIESCQUSEy/7wDCJwRFkEKRArFWmM6ROvCXipr1HkwZPbavnxw1vY3+QsQRtVWsBHTp3CI5v3saehlQkjSrjgTRU8t7OemsYoZYUhapvjxFNpUuk0ARF21bcCUF4UtlKRxphe6zYBi0gE5w24I3G6Ydyiqj21ox/wHtlYw/fu30zcLS8ZCQcIBoQx5RF+9IHj2o8rCDkNM8PBABff/BSJtFJcEKIwFCSZVkRhf1OM8qKwbbwwxvRaT3PAtwHzcJLvuTgbMga1rXsbue7+Te3Jt6o4zKQRRRQEA6xYu6P9uJLCEOMritp3t+040EKR20ZodFkhqqAo8VSalnjSNl4YY3qtpymIOar6JgB3HfDT/ofkn4c31vCDBzaTSCkiMLYsQlnE+RFEwgH2NDhTCiOKC6gqKTjksZMqi6lpjFJcEKIsEmb8CKcymgJjyiK2CsIY02s9JeD2ZQOqmmzrhjzYpNLKTx/eyh+eeg2AgmCAypJwe/IFiCbSjK0oYnRZIWWddCvuWCC9bcpi2aK5lniNMX3SUwI+TkQa3K8FKHJvC6CqWu5rdFnQHEty+R+e4Z9bnWYeJ02p5PxjxvKrx1+mNZEiEg60t4u/4m3TO02+YAXSjTHZ120CVtXue6cPAkXhIAXuPO77TprIpfOnEww4S8dWrN3BnoZWxlUU8ekFMzh77thun8sKpBtjskk6bskdDObNm6fr1nnvCdoQTXDvi7s5eWrVYd8rDAcZWx4haNuKjTH+6DK5eO2KPKiVR8Kc2cnI1VnpYMnXGJMfXjdiDDkVRWFGlhbmOwxjzDA2LBPwyNJCKoreeLNt9aYaK6xjjMm5YTEF0UZEOKI8cljytcI6xph8GDYJOCjCuIoIJYWHDvpvWrOdcNBZFSHifA4HhZvWbM9TpMaY4WLYTEFUlRTQ2UaSHQdaCAps39dEPJWmIBhgVGmBFdYxxvhu2CTgzOSbOedb1xwnGk8RDjkFeZJp5fWDUWaOKc1jtMaY4WDYJOA2P31oCz9f/RLJdJrCYIBYKk0aSKXShIIBcJdFD8b10caYwWVYJeDVm2r4+eqXSKsSDgZIKaTSTsfjNE7R9oJggLGlhTRndEs2xhg/DKsEfNOa7aTSSiggCE73Y4CUOltVJowooiwSpiWeZExZJL/BGmOGvGGzCgKcN9wKQwFUnQppidShDThfP9DK/qao1fY1xuTEsErAkyqLKYuESKlTSD1zlrcgKCjQHEtZiUljTE4MqwR82fzppNJOh+OOxlYUMXtsGRVFYUu+xpicGFZzwOCMcDMnHsIBISDC/qYYoaBYXzdjTM4MmxFw25bjWCpFYUgIuRXQFAVRYsm0zf0aY3Jq2CTgti3HkVAQEMLBAKGAkFZIppXigqDN/RpjcmrYJOC2rsZtHY3TqgQDEBBhwohifnrRCZZ8jTE5NeQT8OpNNVx881Psa4yxraYJgPEjIoTcbcc28jXG5MuQfhOubd43HBTKI0H2NSV4pbaFwqBQVVrAyGChJV9jTN4M6RFw27xvKq3Ut6YIBZwdb7GUUtec4L0nTrDka4zJmyGdgNvmffc1xhCBcDBIYShAOChMrCziye11+Q7RGDOMDekEPKmymNZEingqTVs1SlUoCAYoCget5q8xJq+GdAK+bP50EiklKELa3QGXRhlVWkhrImWbLowxeTWkE/CC2WNYtmgu00aVOBXPAjC+IkIoKLbpwhiTd0N6FQQ4SXjB7DHtXTB2HmhhTFnEOh8bY/JuyCfgNm2J2BhjBoohPQVhjDEDmSVgY4zJE18TsIgsFJHNIrJNRL7WyfdFRH7qfv8FETnRz3iMMWYg8S0Bi0gQ+DlwLjAHuFhE5nQ47FxgpvtxKfALv+IxxpiBxs8R8CnANlXdrqpxYAWwuMMxi4HfqeMpYISIjPMxJmOMGTD8TMATgB0Zt3e69/X2GGOMGZL8TMDSyX0dm7F5OcY5UORSEVknIuv27dvX7+CMMSbf/EzAO4FJGbcnArv6cAwAqnqzqs5T1XmjR4/OaqDGGJMPfibgtcBMEZkmIgXARcCqDsesAj7iroY4DahX1d0+xmSMMQOGqHb6ij87Ty5yHvATIAj8RlW/JSKXA6jqL0VEgBuAhUAL8HFVXefhefcBr3oMYxSwvw/hD3Z23cOLXffAtV9VF3b2DV8T8EAgIutUdV6+48g1u+7hxa57cLKdcMYYkyeWgI0xJk+GQwK+Od8B5Ild9/Bi1z0IDfk5YGOMGaiGwwjYGGMGJEvAxhiTJ0MiAQ/Xspcernu2iDwpIjER+XI+YvSDh+u+xP09vyAi/xKR4/IRZ7Z5uO7F7jU/527bPyMfcWZbT9edcdzJIpISkffmMr5+UdVB/YGzyeMlYDpQADwPzOlwzHnAvTi1J04D/p3vuHN03WOAk4FvAV/Od8w5vO63AJXu1+cOo993KW+8r3MssCnfcefiujOOewS4B3hvvuP2+jEURsDDtexlj9etqjWquhZI5CNAn3i57n+p6gH35lM4NUYGOy/X3aRuNgJK6KKw1SDj5d83wGeBvwI1uQyuv4ZCAh6uZS+H4jV50dvr/gTOq5/BztN1i8i7RGQTcDfw3zmKzU89XreITADeBfwyh3FlxVBIwFktezmIDMVr8qI3JUzPxEnAX/U1otzwdN2q+ndVnQ28E1jud1A54OW6fwJ8VVVT/oeTXUOhLX1Wy14OIkPxmrzwdN0icizwa+BcVa3NUWx+6tXvW1XXiMgMERmlqgO9WE13vFz3PGCFU9uLUcB5IpJU1TtzEmE/DIUR8HAte+nluoeiHq9bRCYDfwM+rKpb8hCjH7xc95FuhUHclT4FwGD/z6fH61bVaao6VVWnAn8B/mcwJF8YAiNgVU2KyGeA+3mj7GV1ZtlLnHdGzwO24Za9zFe82eLlukVkLLAOKAfSIvJ5nHeQG/IVd395/H0vAUYCN7r5KKmDuGIWeL7u9+AMNBJAK/CBjDflBiWP1z1o2VZkY4zJk6EwBWGMMYOSJWBjjMkTS8DGGJMnloCNMSZPLAGbYUtEPikiVfmOwwxfloAHMLey03Misl5E/iwixXmMpcn9PF5E/pKLc3Vy/619qXTVWcxuVa1WVa3rY5jDjoh8TETG9/IxU0VkvV8xDXaWgAe2VlU9XlWPAeLA5ZnfFJFgrgNS1V2qOnjK/dF5zKr6XVW9PV8xdZSL36WI9Hfd/8eAXiVg0z1LwIPHP4EjRWSBiDwqIv8HvCgiERH5rYi8KCL/cesftI1W7hSRu0TkZRH5jIh80T3mqbaX3u521ftE5BkR+aeIzHbvn+bWEl4rIu01BTJHNF2dO5Mb7xoR+buIbBCRX4pIwP3exe5j14vIdR0e90MReVZEHhaR0Z087xI3tvUicnPGDrAjReQhEXneffwMLzG7P6+/uT+LrSLyvc5+CSLyiogsdZ/7xYyfV4mI/MaN6T8isti9v1hE7hCnTu+fROTfIjLP/V6TiCwTkX8Db+7qmjqc/1b3Z/hPEdkiIhd4uK4/i8hdwAOdPN+HRORpcV5p3SQiQffjVjeOF0XkC+K88pgH3O4eW9TN7+Ak9+f/JPDpjHP1+Pcy7OS7HqZ9dP0BNLmfQ8BK4ApgAdAMTHO/9yXgt+7Xs4HXgAjOaGUbUAaMBuqBy93jfgx83v36YWCm+/WpwCPu16uAj7hffzojlqnA+u7O3eEaFgBRnHquQeBB4L04I6nX3NhCOLVc3+k+RoFL3K+XADe4X9+KW+sVqMo4x++BC92v/w28y/06AhR7idn9eW0HKtzbrwKTOvmdvAJ81v36f4Bfu19/G/iQ+/UIYAtOScgvAze59x8DJIF5Gdf5/ozn7vSaOpz/VuA+nMHTTJxaCZEermtn5nNnPNfRwF1A2L19I/AR4CTgwYzjRrifV7fF3sPv4AXgbe7X3+/pZ5/vf2f5/LAR8MBWJCLP4Wwnfg24xb3/aVV92f36DJw/flR1E07imOV+71FVbVTVfTgJ+C73/heBqSJSilO8/M/ueW4C2uoknw780f36913E1925Mz2tTj3XlPucZ+AUil+tqvtUNQncDsx3j08Df3K//oN7fEdnuqPJF4GzgLkiUgZMUNW/uzFFVbWlFzE/rKr1qhoFNgBTurjuv7mfn8FJ7gDnAF9zf46rcZLfZPd8K9zzrcdJTm1SODVsu7ymLs5/h6qmVXUrzn8as3u4rge187nut+Mk27Vu3G/H+Y9yOzBdRH4mIguBrraud/Y7qMBJ2I+5x2T+7Xj9exk2Bn0tiCGuVVWPz7zDfZXXnHlXN4+PZXydzridxvndB4CDHc+Road96t2du7vn0V489rDHi0gEZ7Q2T1V3iMi1OAnPy3N6/Xml6PrfR6yTYwR4j6pu7hBrd+eLuv8pdXdNnentz7O5i/sFuE1Vv37YN5w2Tv+F8+rn/XSoLdzD76Crv5ve/M6HBRsBD35rgEsARGQWzqhrc7ePcKlTlOdlEXmf+3iRN/qnPYFTeYq25+/HuU8RZ045AHwAeBxnquBtIjJKnDegLgbaRk0BnGkKgA+6x2dqS0z73VH8ezOuZ6eIvNONqVAOXznS559XD+4HPpsxD3qCe//jOAkMEZkDvKmLx3d6TV14n4gERGQGzoh1M327roeB94rIGPdxVSIyRURGAQFV/StwNdDWQ7ERZ0qry3hV9SBQL2/0o8v82/HrZz9oWQIe/G4Egu7LwD8BH1PVWA+PyXQJ8AkReR6o5o12L58DPi0ia3HmRftz7ieB7wLrgZeBv6tTDvTrwKM4fb6eVdWV7vHNOC9nn8F5abss88ncf+S/wplKuROnZGGbDwNXisgLwL+AsX2MubeWA2HgBXHe8Gt74/JGYLQbz1dxpiDqOz64h2vqaDPOf1b34szrR+nDdanqBuAq4AE3vgdxpqAmAKvdaYlbcX5PuF//0r0/1k28Hwd+7r4J15pxv18/+0HLqqEZX4nIApyGoBfkOZS8cEf3YVWNuiPWh4FZ6vQ368vz3Qr8Q1V9XYttcsPmgI3xVzHwqIiEceZAr+hr8jVDj42AjTEmT2wO2Bhj8sQSsDHG5IklYGOMyRNLwMYYkyeWgI0xJk8sARtjTJ78fzHtIi8qieFmAAAAAElFTkSuQmCC"/>
+          <p:cNvSpPr>
+            <a:spLocks noChangeAspect="1" noChangeArrowheads="1"/>
+          </p:cNvSpPr>
+          <p:nvPr/>
+        </p:nvSpPr>
+        <p:spPr bwMode="auto">
+          <a:xfrm>
+            <a:off x="155575" y="-144463"/>
+            <a:ext cx="304800" cy="304801"/>
+          </a:xfrm>
+          <a:prstGeom prst="rect">
+            <a:avLst/>
+          </a:prstGeom>
+          <a:noFill/>
+          <a:extLst>
+            <a:ext uri="{909E8E84-426E-40DD-AFC4-6F175D3DCCD1}">
+              <a14:hiddenFill xmlns:a14="http://schemas.microsoft.com/office/drawing/2010/main">
+                <a:solidFill>
+                  <a:srgbClr val="FFFFFF"/>
+                </a:solidFill>
+              </a14:hiddenFill>
+            </a:ext>
+          </a:extLst>
+        </p:spPr>
+        <p:txBody>
+          <a:bodyPr vert="horz" wrap="square" lIns="91440" tIns="45720" rIns="91440" bIns="45720" numCol="1" anchor="t" anchorCtr="0" compatLnSpc="1">
+            <a:prstTxWarp prst="textNoShape">
+              <a:avLst/>
+            </a:prstTxWarp>
+          </a:bodyPr>
+          <a:lstStyle/>
+          <a:p>
+            <a:endParaRPr lang="es-CL"/>
+          </a:p>
+        </p:txBody>
+      </p:sp>
+      <p:pic>
+        <p:nvPicPr>
+          <p:cNvPr id="6" name="Imagen 5"/>
+          <p:cNvPicPr>
+            <a:picLocks noChangeAspect="1"/>
+          </p:cNvPicPr>
+          <p:nvPr/>
+        </p:nvPicPr>
+        <p:blipFill>
+          <a:blip r:embed="rId2"/>
+          <a:stretch>
+            <a:fillRect/>
+          </a:stretch>
+        </p:blipFill>
+        <p:spPr>
+          <a:xfrm>
+            <a:off x="762000" y="3390900"/>
+            <a:ext cx="6553200" cy="6446209"/>
+          </a:xfrm>
+          <a:prstGeom prst="rect">
+            <a:avLst/>
+          </a:prstGeom>
+        </p:spPr>
+      </p:pic>
+      <p:sp>
+        <p:nvSpPr>
+          <p:cNvPr id="8" name="CuadroTexto 7"/>
+          <p:cNvSpPr txBox="1"/>
+          <p:nvPr/>
+        </p:nvSpPr>
+        <p:spPr>
+          <a:xfrm>
+            <a:off x="8305800" y="3390900"/>
+            <a:ext cx="7467600" cy="1800493"/>
+          </a:xfrm>
+          <a:prstGeom prst="rect">
+            <a:avLst/>
+          </a:prstGeom>
+          <a:noFill/>
+        </p:spPr>
+        <p:txBody>
+          <a:bodyPr wrap="square" rtlCol="0">
+            <a:spAutoFit/>
+          </a:bodyPr>
+          <a:lstStyle/>
+          <a:p>
+            <a:r>
+              <a:rPr lang="es-MX" sz="3100" spc="-310" dirty="0" smtClean="0">
+                <a:solidFill>
+                  <a:srgbClr val="272352"/>
+                </a:solidFill>
+                <a:latin typeface="Bahnschrift"/>
+                <a:cs typeface="Bahnschrift"/>
+              </a:rPr>
+              <a:t>Vemos que si hay una relación entre estos datos así que podemos concluir, mientras más población más arrestos </a:t>
+            </a:r>
+            <a:endParaRPr lang="es-MX" dirty="0">
+              <a:latin typeface="Bahnschrift"/>
+              <a:cs typeface="Bahnschrift"/>
+            </a:endParaRPr>
+          </a:p>
+          <a:p>
+            <a:endParaRPr lang="es-CL" dirty="0"/>
+          </a:p>
+        </p:txBody>
+      </p:sp>
+    </p:spTree>
+    <p:extLst>
+      <p:ext uri="{BB962C8B-B14F-4D97-AF65-F5344CB8AC3E}">
+        <p14:creationId xmlns:p14="http://schemas.microsoft.com/office/powerpoint/2010/main" val="3684225155"/>
+      </p:ext>
+    </p:extLst>
+  </p:cSld>
+  <p:clrMapOvr>
+    <a:masterClrMapping/>
+  </p:clrMapOvr>
+  <p:timing>
+    <p:tnLst>
+      <p:par>
+        <p:cTn id="1" dur="indefinite" restart="never" nodeType="tmRoot">
+          <p:childTnLst>
+            <p:seq concurrent="1" nextAc="seek">
+              <p:cTn id="2" dur="indefinite" nodeType="mainSeq">
+                <p:childTnLst>
+                  <p:par>
+                    <p:cTn id="3" fill="hold">
+                      <p:stCondLst>
+                        <p:cond delay="indefinite"/>
+                      </p:stCondLst>
+                      <p:childTnLst>
+                        <p:par>
+                          <p:cTn id="4" fill="hold">
+                            <p:stCondLst>
+                              <p:cond delay="0"/>
+                            </p:stCondLst>
+                            <p:childTnLst>
+                              <p:par>
+                                <p:cTn id="5" presetID="14" presetClass="entr" presetSubtype="10" fill="hold" grpId="0" nodeType="clickEffect">
+                                  <p:stCondLst>
+                                    <p:cond delay="0"/>
+                                  </p:stCondLst>
+                                  <p:childTnLst>
+                                    <p:set>
+                                      <p:cBhvr>
+                                        <p:cTn id="6" dur="1" fill="hold">
+                                          <p:stCondLst>
+                                            <p:cond delay="0"/>
+                                          </p:stCondLst>
+                                        </p:cTn>
+                                        <p:tgtEl>
+                                          <p:spTgt spid="4"/>
+                                        </p:tgtEl>
+                                        <p:attrNameLst>
+                                          <p:attrName>style.visibility</p:attrName>
+                                        </p:attrNameLst>
+                                      </p:cBhvr>
+                                      <p:to>
+                                        <p:strVal val="visible"/>
+                                      </p:to>
+                                    </p:set>
+                                    <p:animEffect transition="in" filter="randombar(horizontal)">
+                                      <p:cBhvr>
+                                        <p:cTn id="7" dur="500"/>
+                                        <p:tgtEl>
+                                          <p:spTgt spid="4"/>
+                                        </p:tgtEl>
+                                      </p:cBhvr>
+                                    </p:animEffect>
+                                  </p:childTnLst>
+                                </p:cTn>
+                              </p:par>
+                            </p:childTnLst>
+                          </p:cTn>
+                        </p:par>
+                      </p:childTnLst>
+                    </p:cTn>
+                  </p:par>
+                  <p:par>
+                    <p:cTn id="8" fill="hold">
+                      <p:stCondLst>
+                        <p:cond delay="indefinite"/>
+                      </p:stCondLst>
+                      <p:childTnLst>
+                        <p:par>
+                          <p:cTn id="9" fill="hold">
+                            <p:stCondLst>
+                              <p:cond delay="0"/>
+                            </p:stCondLst>
+                            <p:childTnLst>
+                              <p:par>
+                                <p:cTn id="10" presetID="42" presetClass="entr" presetSubtype="0" fill="hold" grpId="0" nodeType="clickEffect">
+                                  <p:stCondLst>
+                                    <p:cond delay="0"/>
+                                  </p:stCondLst>
+                                  <p:childTnLst>
+                                    <p:set>
+                                      <p:cBhvr>
+                                        <p:cTn id="11" dur="1" fill="hold">
+                                          <p:stCondLst>
+                                            <p:cond delay="0"/>
+                                          </p:stCondLst>
+                                        </p:cTn>
+                                        <p:tgtEl>
+                                          <p:spTgt spid="8"/>
+                                        </p:tgtEl>
+                                        <p:attrNameLst>
+                                          <p:attrName>style.visibility</p:attrName>
+                                        </p:attrNameLst>
+                                      </p:cBhvr>
+                                      <p:to>
+                                        <p:strVal val="visible"/>
+                                      </p:to>
+                                    </p:set>
+                                    <p:animEffect transition="in" filter="fade">
+                                      <p:cBhvr>
+                                        <p:cTn id="12" dur="1000"/>
+                                        <p:tgtEl>
+                                          <p:spTgt spid="8"/>
+                                        </p:tgtEl>
+                                      </p:cBhvr>
+                                    </p:animEffect>
+                                    <p:anim calcmode="lin" valueType="num">
+                                      <p:cBhvr>
+                                        <p:cTn id="13" dur="1000" fill="hold"/>
+                                        <p:tgtEl>
+                                          <p:spTgt spid="8"/>
+                                        </p:tgtEl>
+                                        <p:attrNameLst>
+                                          <p:attrName>ppt_x</p:attrName>
+                                        </p:attrNameLst>
+                                      </p:cBhvr>
+                                      <p:tavLst>
+                                        <p:tav tm="0">
+                                          <p:val>
+                                            <p:strVal val="#ppt_x"/>
+                                          </p:val>
+                                        </p:tav>
+                                        <p:tav tm="100000">
+                                          <p:val>
+                                            <p:strVal val="#ppt_x"/>
+                                          </p:val>
+                                        </p:tav>
+                                      </p:tavLst>
+                                    </p:anim>
+                                    <p:anim calcmode="lin" valueType="num">
+                                      <p:cBhvr>
+                                        <p:cTn id="14" dur="1000" fill="hold"/>
+                                        <p:tgtEl>
+                                          <p:spTgt spid="8"/>
+                                        </p:tgtEl>
+                                        <p:attrNameLst>
+                                          <p:attrName>ppt_y</p:attrName>
+                                        </p:attrNameLst>
+                                      </p:cBhvr>
+                                      <p:tavLst>
+                                        <p:tav tm="0">
+                                          <p:val>
+                                            <p:strVal val="#ppt_y+.1"/>
+                                          </p:val>
+                                        </p:tav>
+                                        <p:tav tm="100000">
+                                          <p:val>
+                                            <p:strVal val="#ppt_y"/>
+                                          </p:val>
+                                        </p:tav>
+                                      </p:tavLst>
+                                    </p:anim>
+                                  </p:childTnLst>
+                                </p:cTn>
+                              </p:par>
+                            </p:childTnLst>
+                          </p:cTn>
+                        </p:par>
+                      </p:childTnLst>
+                    </p:cTn>
+                  </p:par>
+                </p:childTnLst>
+              </p:cTn>
+              <p:prevCondLst>
+                <p:cond evt="onPrev" delay="0">
+                  <p:tgtEl>
+                    <p:sldTgt/>
+                  </p:tgtEl>
+                </p:cond>
+              </p:prevCondLst>
+              <p:nextCondLst>
+                <p:cond evt="onNext" delay="0">
+                  <p:tgtEl>
+                    <p:sldTgt/>
+                  </p:tgtEl>
+                </p:cond>
+              </p:nextCondLst>
+            </p:seq>
+          </p:childTnLst>
+        </p:cTn>
+      </p:par>
+    </p:tnLst>
+    <p:bldLst>
+      <p:bldP spid="4" grpId="0"/>
+      <p:bldP spid="8" grpId="0"/>
+    </p:bldLst>
+  </p:timing>
+</p:sld>
+</file>
+
+<file path=ppt/slides/slide14.xml><?xml version="1.0" encoding="utf-8"?>
 <p:sld xmlns:a="http://schemas.openxmlformats.org/drawingml/2006/main" xmlns:r="http://schemas.openxmlformats.org/officeDocument/2006/relationships" xmlns:p="http://schemas.openxmlformats.org/presentationml/2006/main">
   <p:cSld>
     <p:spTree>
@@ -6534,7 +7188,7 @@
         <p:spPr>
           <a:xfrm>
             <a:off x="417068" y="3317265"/>
-            <a:ext cx="15044419" cy="4598035"/>
+            <a:ext cx="15044419" cy="4733475"/>
           </a:xfrm>
           <a:prstGeom prst="rect">
             <a:avLst/>
@@ -6555,797 +7209,36 @@
               </a:spcBef>
             </a:pPr>
             <a:r>
-              <a:rPr sz="3200" spc="-175" dirty="0">
-                <a:solidFill>
-                  <a:srgbClr val="272352"/>
-                </a:solidFill>
-                <a:latin typeface="Bahnschrift"/>
-                <a:cs typeface="Bahnschrift"/>
-              </a:rPr>
-              <a:t>Esto</a:t>
-            </a:r>
-            <a:r>
-              <a:rPr sz="3200" spc="-55" dirty="0">
-                <a:solidFill>
-                  <a:srgbClr val="272352"/>
-                </a:solidFill>
-                <a:latin typeface="Bahnschrift"/>
-                <a:cs typeface="Bahnschrift"/>
-              </a:rPr>
-              <a:t> </a:t>
-            </a:r>
-            <a:r>
-              <a:rPr sz="3200" spc="-150" dirty="0">
-                <a:solidFill>
-                  <a:srgbClr val="272352"/>
-                </a:solidFill>
-                <a:latin typeface="Bahnschrift"/>
-                <a:cs typeface="Bahnschrift"/>
-              </a:rPr>
-              <a:t>implica</a:t>
-            </a:r>
-            <a:r>
-              <a:rPr sz="3200" spc="20" dirty="0">
-                <a:solidFill>
-                  <a:srgbClr val="272352"/>
-                </a:solidFill>
-                <a:latin typeface="Bahnschrift"/>
-                <a:cs typeface="Bahnschrift"/>
-              </a:rPr>
-              <a:t> </a:t>
-            </a:r>
-            <a:r>
-              <a:rPr sz="3200" spc="-160" dirty="0">
-                <a:solidFill>
-                  <a:srgbClr val="272352"/>
-                </a:solidFill>
-                <a:latin typeface="Bahnschrift"/>
-                <a:cs typeface="Bahnschrift"/>
-              </a:rPr>
-              <a:t>por</a:t>
-            </a:r>
-            <a:r>
-              <a:rPr sz="3200" spc="25" dirty="0">
-                <a:solidFill>
-                  <a:srgbClr val="272352"/>
-                </a:solidFill>
-                <a:latin typeface="Bahnschrift"/>
-                <a:cs typeface="Bahnschrift"/>
-              </a:rPr>
-              <a:t> </a:t>
-            </a:r>
-            <a:r>
-              <a:rPr sz="3200" spc="-45" dirty="0">
-                <a:solidFill>
-                  <a:srgbClr val="272352"/>
-                </a:solidFill>
-                <a:latin typeface="Bahnschrift"/>
-                <a:cs typeface="Bahnschrift"/>
-              </a:rPr>
-              <a:t>lo</a:t>
-            </a:r>
-            <a:r>
-              <a:rPr sz="3200" spc="-55" dirty="0">
-                <a:solidFill>
-                  <a:srgbClr val="272352"/>
-                </a:solidFill>
-                <a:latin typeface="Bahnschrift"/>
-                <a:cs typeface="Bahnschrift"/>
-              </a:rPr>
-              <a:t> </a:t>
-            </a:r>
-            <a:r>
-              <a:rPr sz="3200" spc="-215" dirty="0">
-                <a:solidFill>
-                  <a:srgbClr val="272352"/>
-                </a:solidFill>
-                <a:latin typeface="Bahnschrift"/>
-                <a:cs typeface="Bahnschrift"/>
-              </a:rPr>
-              <a:t>menos</a:t>
-            </a:r>
-            <a:r>
-              <a:rPr sz="3200" spc="-65" dirty="0">
-                <a:solidFill>
-                  <a:srgbClr val="272352"/>
-                </a:solidFill>
-                <a:latin typeface="Bahnschrift"/>
-                <a:cs typeface="Bahnschrift"/>
-              </a:rPr>
-              <a:t> </a:t>
-            </a:r>
-            <a:r>
-              <a:rPr sz="3200" spc="-155" dirty="0">
-                <a:solidFill>
-                  <a:srgbClr val="272352"/>
-                </a:solidFill>
-                <a:latin typeface="Bahnschrift"/>
-                <a:cs typeface="Bahnschrift"/>
-              </a:rPr>
-              <a:t>una</a:t>
-            </a:r>
-            <a:r>
-              <a:rPr sz="3200" spc="15" dirty="0">
-                <a:solidFill>
-                  <a:srgbClr val="272352"/>
-                </a:solidFill>
-                <a:latin typeface="Bahnschrift"/>
-                <a:cs typeface="Bahnschrift"/>
-              </a:rPr>
-              <a:t> </a:t>
-            </a:r>
-            <a:r>
-              <a:rPr sz="3200" spc="-170" dirty="0">
-                <a:solidFill>
-                  <a:srgbClr val="272352"/>
-                </a:solidFill>
-                <a:latin typeface="Bahnschrift"/>
-                <a:cs typeface="Bahnschrift"/>
-              </a:rPr>
-              <a:t>tendencia</a:t>
-            </a:r>
-            <a:r>
-              <a:rPr sz="3200" spc="25" dirty="0">
-                <a:solidFill>
-                  <a:srgbClr val="272352"/>
-                </a:solidFill>
-                <a:latin typeface="Bahnschrift"/>
-                <a:cs typeface="Bahnschrift"/>
-              </a:rPr>
-              <a:t> </a:t>
-            </a:r>
-            <a:r>
-              <a:rPr sz="3200" spc="5" dirty="0">
-                <a:solidFill>
-                  <a:srgbClr val="272352"/>
-                </a:solidFill>
-                <a:latin typeface="Bahnschrift"/>
-                <a:cs typeface="Bahnschrift"/>
-              </a:rPr>
-              <a:t>a </a:t>
-            </a:r>
-            <a:r>
-              <a:rPr sz="3200" spc="-114" dirty="0">
-                <a:solidFill>
-                  <a:srgbClr val="272352"/>
-                </a:solidFill>
-                <a:latin typeface="Bahnschrift"/>
-                <a:cs typeface="Bahnschrift"/>
-              </a:rPr>
-              <a:t>los</a:t>
-            </a:r>
-            <a:r>
-              <a:rPr sz="3200" spc="-55" dirty="0">
-                <a:solidFill>
-                  <a:srgbClr val="272352"/>
-                </a:solidFill>
-                <a:latin typeface="Bahnschrift"/>
-                <a:cs typeface="Bahnschrift"/>
-              </a:rPr>
-              <a:t> </a:t>
-            </a:r>
-            <a:r>
-              <a:rPr sz="3200" spc="-175" dirty="0">
-                <a:solidFill>
-                  <a:srgbClr val="272352"/>
-                </a:solidFill>
-                <a:latin typeface="Bahnschrift"/>
-                <a:cs typeface="Bahnschrift"/>
-              </a:rPr>
-              <a:t>arrestos</a:t>
-            </a:r>
-            <a:r>
-              <a:rPr sz="3200" spc="-55" dirty="0">
-                <a:solidFill>
-                  <a:srgbClr val="272352"/>
-                </a:solidFill>
-                <a:latin typeface="Bahnschrift"/>
-                <a:cs typeface="Bahnschrift"/>
-              </a:rPr>
-              <a:t> </a:t>
-            </a:r>
-            <a:r>
-              <a:rPr sz="3200" spc="-105" dirty="0">
-                <a:solidFill>
-                  <a:srgbClr val="272352"/>
-                </a:solidFill>
-                <a:latin typeface="Bahnschrift"/>
-                <a:cs typeface="Bahnschrift"/>
-              </a:rPr>
-              <a:t>de</a:t>
-            </a:r>
-            <a:r>
-              <a:rPr sz="3200" spc="-5" dirty="0">
-                <a:solidFill>
-                  <a:srgbClr val="272352"/>
-                </a:solidFill>
-                <a:latin typeface="Bahnschrift"/>
-                <a:cs typeface="Bahnschrift"/>
-              </a:rPr>
-              <a:t> </a:t>
-            </a:r>
-            <a:r>
-              <a:rPr sz="3200" spc="-200" dirty="0">
-                <a:solidFill>
-                  <a:srgbClr val="272352"/>
-                </a:solidFill>
-                <a:latin typeface="Bahnschrift"/>
-                <a:cs typeface="Bahnschrift"/>
-              </a:rPr>
-              <a:t>personas</a:t>
-            </a:r>
-            <a:r>
-              <a:rPr sz="3200" spc="-45" dirty="0">
-                <a:solidFill>
-                  <a:srgbClr val="272352"/>
-                </a:solidFill>
-                <a:latin typeface="Bahnschrift"/>
-                <a:cs typeface="Bahnschrift"/>
-              </a:rPr>
-              <a:t> </a:t>
-            </a:r>
-            <a:r>
-              <a:rPr sz="3200" spc="-185" dirty="0">
-                <a:solidFill>
-                  <a:srgbClr val="272352"/>
-                </a:solidFill>
-                <a:latin typeface="Bahnschrift"/>
-                <a:cs typeface="Bahnschrift"/>
-              </a:rPr>
-              <a:t>negras,</a:t>
-            </a:r>
-            <a:r>
-              <a:rPr sz="3200" spc="100" dirty="0">
-                <a:solidFill>
-                  <a:srgbClr val="272352"/>
-                </a:solidFill>
-                <a:latin typeface="Bahnschrift"/>
-                <a:cs typeface="Bahnschrift"/>
-              </a:rPr>
-              <a:t> </a:t>
-            </a:r>
-            <a:r>
-              <a:rPr sz="3200" spc="-95" dirty="0">
-                <a:solidFill>
-                  <a:srgbClr val="272352"/>
-                </a:solidFill>
-                <a:latin typeface="Bahnschrift"/>
-                <a:cs typeface="Bahnschrift"/>
-              </a:rPr>
-              <a:t>ya</a:t>
-            </a:r>
-            <a:r>
-              <a:rPr sz="3200" spc="25" dirty="0">
-                <a:solidFill>
-                  <a:srgbClr val="272352"/>
-                </a:solidFill>
-                <a:latin typeface="Bahnschrift"/>
-                <a:cs typeface="Bahnschrift"/>
-              </a:rPr>
-              <a:t> </a:t>
-            </a:r>
-            <a:r>
-              <a:rPr sz="3200" spc="-140" dirty="0">
-                <a:solidFill>
-                  <a:srgbClr val="272352"/>
-                </a:solidFill>
-                <a:latin typeface="Bahnschrift"/>
-                <a:cs typeface="Bahnschrift"/>
-              </a:rPr>
-              <a:t>que</a:t>
-            </a:r>
-            <a:r>
-              <a:rPr sz="3200" spc="-45" dirty="0">
-                <a:solidFill>
-                  <a:srgbClr val="272352"/>
-                </a:solidFill>
-                <a:latin typeface="Bahnschrift"/>
-                <a:cs typeface="Bahnschrift"/>
-              </a:rPr>
-              <a:t> </a:t>
-            </a:r>
-            <a:r>
-              <a:rPr sz="3200" spc="-215" dirty="0">
-                <a:solidFill>
-                  <a:srgbClr val="272352"/>
-                </a:solidFill>
-                <a:latin typeface="Bahnschrift"/>
-                <a:cs typeface="Bahnschrift"/>
-              </a:rPr>
-              <a:t>estos </a:t>
-            </a:r>
-            <a:r>
-              <a:rPr sz="3200" spc="-530" dirty="0">
-                <a:solidFill>
-                  <a:srgbClr val="272352"/>
-                </a:solidFill>
-                <a:latin typeface="Bahnschrift"/>
-                <a:cs typeface="Bahnschrift"/>
-              </a:rPr>
-              <a:t> </a:t>
-            </a:r>
-            <a:r>
-              <a:rPr sz="3200" spc="-185" dirty="0">
-                <a:solidFill>
-                  <a:srgbClr val="272352"/>
-                </a:solidFill>
-                <a:latin typeface="Bahnschrift"/>
-                <a:cs typeface="Bahnschrift"/>
-              </a:rPr>
-              <a:t>representan</a:t>
-            </a:r>
-            <a:r>
-              <a:rPr sz="3200" spc="-180" dirty="0">
-                <a:solidFill>
-                  <a:srgbClr val="272352"/>
-                </a:solidFill>
-                <a:latin typeface="Bahnschrift"/>
-                <a:cs typeface="Bahnschrift"/>
-              </a:rPr>
-              <a:t> </a:t>
-            </a:r>
-            <a:r>
-              <a:rPr sz="3200" spc="-114" dirty="0">
-                <a:solidFill>
-                  <a:srgbClr val="272352"/>
-                </a:solidFill>
-                <a:latin typeface="Bahnschrift"/>
-                <a:cs typeface="Bahnschrift"/>
-              </a:rPr>
-              <a:t>un </a:t>
-            </a:r>
-            <a:r>
-              <a:rPr sz="3200" spc="-170" dirty="0">
-                <a:solidFill>
-                  <a:srgbClr val="272352"/>
-                </a:solidFill>
-                <a:latin typeface="Bahnschrift"/>
-                <a:cs typeface="Bahnschrift"/>
-              </a:rPr>
-              <a:t>porcentaje </a:t>
-            </a:r>
-            <a:r>
-              <a:rPr sz="3200" spc="-200" dirty="0">
-                <a:solidFill>
-                  <a:srgbClr val="272352"/>
-                </a:solidFill>
-                <a:latin typeface="Bahnschrift"/>
-                <a:cs typeface="Bahnschrift"/>
-              </a:rPr>
-              <a:t>mucho </a:t>
-            </a:r>
-            <a:r>
-              <a:rPr sz="3200" spc="-215" dirty="0">
-                <a:solidFill>
-                  <a:srgbClr val="272352"/>
-                </a:solidFill>
-                <a:latin typeface="Bahnschrift"/>
-                <a:cs typeface="Bahnschrift"/>
-              </a:rPr>
-              <a:t>menor</a:t>
-            </a:r>
-            <a:r>
-              <a:rPr sz="3200" spc="-210" dirty="0">
-                <a:solidFill>
-                  <a:srgbClr val="272352"/>
-                </a:solidFill>
-                <a:latin typeface="Bahnschrift"/>
-                <a:cs typeface="Bahnschrift"/>
-              </a:rPr>
-              <a:t> </a:t>
-            </a:r>
-            <a:r>
-              <a:rPr sz="3200" spc="5" dirty="0">
-                <a:solidFill>
-                  <a:srgbClr val="272352"/>
-                </a:solidFill>
-                <a:latin typeface="Bahnschrift"/>
-                <a:cs typeface="Bahnschrift"/>
-              </a:rPr>
-              <a:t>a </a:t>
-            </a:r>
-            <a:r>
-              <a:rPr sz="3200" spc="-95" dirty="0">
-                <a:solidFill>
-                  <a:srgbClr val="272352"/>
-                </a:solidFill>
-                <a:latin typeface="Bahnschrift"/>
-                <a:cs typeface="Bahnschrift"/>
-              </a:rPr>
-              <a:t>las </a:t>
-            </a:r>
-            <a:r>
-              <a:rPr sz="3200" spc="-200" dirty="0">
-                <a:solidFill>
-                  <a:srgbClr val="272352"/>
-                </a:solidFill>
-                <a:latin typeface="Bahnschrift"/>
-                <a:cs typeface="Bahnschrift"/>
-              </a:rPr>
-              <a:t>personas</a:t>
-            </a:r>
-            <a:r>
-              <a:rPr sz="3200" spc="-195" dirty="0">
-                <a:solidFill>
-                  <a:srgbClr val="272352"/>
-                </a:solidFill>
-                <a:latin typeface="Bahnschrift"/>
-                <a:cs typeface="Bahnschrift"/>
-              </a:rPr>
-              <a:t> </a:t>
-            </a:r>
-            <a:r>
-              <a:rPr sz="3200" spc="-160" dirty="0" err="1">
-                <a:solidFill>
-                  <a:srgbClr val="272352"/>
-                </a:solidFill>
-                <a:latin typeface="Bahnschrift"/>
-                <a:cs typeface="Bahnschrift"/>
-              </a:rPr>
-              <a:t>blancas</a:t>
-            </a:r>
-            <a:r>
-              <a:rPr sz="3200" spc="-160" dirty="0">
-                <a:solidFill>
-                  <a:srgbClr val="272352"/>
-                </a:solidFill>
-                <a:latin typeface="Bahnschrift"/>
-                <a:cs typeface="Bahnschrift"/>
-              </a:rPr>
-              <a:t> </a:t>
-            </a:r>
-            <a:r>
-              <a:rPr lang="es-MX" sz="3200" spc="-150" dirty="0" smtClean="0">
-                <a:solidFill>
-                  <a:srgbClr val="272352"/>
-                </a:solidFill>
-                <a:latin typeface="Bahnschrift"/>
-                <a:cs typeface="Bahnschrift"/>
-              </a:rPr>
-              <a:t>como se vio en el grafico de barras. </a:t>
-            </a:r>
-            <a:r>
-              <a:rPr sz="3200" spc="-190" dirty="0" err="1" smtClean="0">
-                <a:solidFill>
-                  <a:srgbClr val="272352"/>
-                </a:solidFill>
-                <a:latin typeface="Bahnschrift"/>
-                <a:cs typeface="Bahnschrift"/>
-              </a:rPr>
-              <a:t>Así</a:t>
-            </a:r>
-            <a:r>
-              <a:rPr sz="3200" spc="-185" dirty="0" smtClean="0">
-                <a:solidFill>
-                  <a:srgbClr val="272352"/>
-                </a:solidFill>
-                <a:latin typeface="Bahnschrift"/>
-                <a:cs typeface="Bahnschrift"/>
-              </a:rPr>
-              <a:t> </a:t>
-            </a:r>
-            <a:r>
-              <a:rPr sz="3200" spc="-140" dirty="0">
-                <a:solidFill>
-                  <a:srgbClr val="272352"/>
-                </a:solidFill>
-                <a:latin typeface="Bahnschrift"/>
-                <a:cs typeface="Bahnschrift"/>
-              </a:rPr>
-              <a:t>que </a:t>
-            </a:r>
-            <a:r>
-              <a:rPr sz="3200" spc="-254" dirty="0">
-                <a:solidFill>
-                  <a:srgbClr val="272352"/>
-                </a:solidFill>
-                <a:latin typeface="Bahnschrift"/>
-                <a:cs typeface="Bahnschrift"/>
-              </a:rPr>
-              <a:t>podemos </a:t>
-            </a:r>
-            <a:r>
-              <a:rPr sz="3200" spc="-250" dirty="0">
-                <a:solidFill>
-                  <a:srgbClr val="272352"/>
-                </a:solidFill>
-                <a:latin typeface="Bahnschrift"/>
-                <a:cs typeface="Bahnschrift"/>
-              </a:rPr>
-              <a:t> </a:t>
-            </a:r>
-            <a:r>
-              <a:rPr sz="3200" spc="-160" dirty="0">
-                <a:solidFill>
-                  <a:srgbClr val="272352"/>
-                </a:solidFill>
-                <a:latin typeface="Bahnschrift"/>
-                <a:cs typeface="Bahnschrift"/>
-              </a:rPr>
-              <a:t>concluir</a:t>
-            </a:r>
-            <a:r>
-              <a:rPr sz="3200" spc="-155" dirty="0">
-                <a:solidFill>
-                  <a:srgbClr val="272352"/>
-                </a:solidFill>
-                <a:latin typeface="Bahnschrift"/>
-                <a:cs typeface="Bahnschrift"/>
-              </a:rPr>
-              <a:t> </a:t>
-            </a:r>
-            <a:r>
-              <a:rPr sz="3200" spc="-150" dirty="0">
-                <a:solidFill>
-                  <a:srgbClr val="272352"/>
-                </a:solidFill>
-                <a:latin typeface="Bahnschrift"/>
-                <a:cs typeface="Bahnschrift"/>
-              </a:rPr>
-              <a:t>que</a:t>
-            </a:r>
-            <a:r>
-              <a:rPr sz="3200" spc="-145" dirty="0">
-                <a:solidFill>
-                  <a:srgbClr val="272352"/>
-                </a:solidFill>
-                <a:latin typeface="Bahnschrift"/>
-                <a:cs typeface="Bahnschrift"/>
-              </a:rPr>
-              <a:t> </a:t>
-            </a:r>
-            <a:r>
-              <a:rPr sz="3200" u="sng" spc="-125" dirty="0">
-                <a:solidFill>
-                  <a:srgbClr val="272352"/>
-                </a:solidFill>
-                <a:latin typeface="Bahnschrift"/>
-                <a:cs typeface="Bahnschrift"/>
-              </a:rPr>
-              <a:t>Sí,</a:t>
-            </a:r>
-            <a:r>
-              <a:rPr sz="3200" u="sng" spc="-120" dirty="0">
-                <a:solidFill>
-                  <a:srgbClr val="272352"/>
-                </a:solidFill>
-                <a:latin typeface="Bahnschrift"/>
-                <a:cs typeface="Bahnschrift"/>
-              </a:rPr>
-              <a:t> </a:t>
-            </a:r>
-            <a:r>
-              <a:rPr sz="3200" u="sng" spc="-114" dirty="0">
-                <a:solidFill>
-                  <a:srgbClr val="272352"/>
-                </a:solidFill>
-                <a:latin typeface="Bahnschrift"/>
-                <a:cs typeface="Bahnschrift"/>
-              </a:rPr>
-              <a:t>los </a:t>
-            </a:r>
-            <a:r>
-              <a:rPr sz="3200" u="sng" spc="-155" dirty="0">
-                <a:solidFill>
-                  <a:srgbClr val="272352"/>
-                </a:solidFill>
-                <a:latin typeface="Bahnschrift"/>
-                <a:cs typeface="Bahnschrift"/>
-              </a:rPr>
-              <a:t>datos </a:t>
-            </a:r>
-            <a:r>
-              <a:rPr sz="3200" u="sng" spc="-145" dirty="0">
-                <a:solidFill>
-                  <a:srgbClr val="272352"/>
-                </a:solidFill>
-                <a:latin typeface="Bahnschrift"/>
-                <a:cs typeface="Bahnschrift"/>
-              </a:rPr>
-              <a:t>reflejan</a:t>
-            </a:r>
-            <a:r>
-              <a:rPr sz="3200" u="sng" spc="-140" dirty="0">
-                <a:solidFill>
-                  <a:srgbClr val="272352"/>
-                </a:solidFill>
-                <a:latin typeface="Bahnschrift"/>
-                <a:cs typeface="Bahnschrift"/>
-              </a:rPr>
-              <a:t> </a:t>
-            </a:r>
-            <a:r>
-              <a:rPr sz="3200" u="sng" spc="-45" dirty="0">
-                <a:solidFill>
-                  <a:srgbClr val="272352"/>
-                </a:solidFill>
-                <a:latin typeface="Bahnschrift"/>
-                <a:cs typeface="Bahnschrift"/>
-              </a:rPr>
-              <a:t>la </a:t>
-            </a:r>
-            <a:r>
-              <a:rPr sz="3200" u="sng" spc="-155" dirty="0">
-                <a:solidFill>
-                  <a:srgbClr val="272352"/>
-                </a:solidFill>
-                <a:latin typeface="Bahnschrift"/>
-                <a:cs typeface="Bahnschrift"/>
-              </a:rPr>
-              <a:t>realidad</a:t>
-            </a:r>
-            <a:r>
-              <a:rPr sz="3200" u="sng" spc="-150" dirty="0">
-                <a:solidFill>
-                  <a:srgbClr val="272352"/>
-                </a:solidFill>
-                <a:latin typeface="Bahnschrift"/>
-                <a:cs typeface="Bahnschrift"/>
-              </a:rPr>
-              <a:t> </a:t>
-            </a:r>
-            <a:r>
-              <a:rPr sz="3200" u="sng" spc="-105" dirty="0">
-                <a:solidFill>
-                  <a:srgbClr val="272352"/>
-                </a:solidFill>
-                <a:latin typeface="Bahnschrift"/>
-                <a:cs typeface="Bahnschrift"/>
-              </a:rPr>
-              <a:t>de </a:t>
-            </a:r>
-            <a:r>
-              <a:rPr sz="3200" u="sng" spc="-45" dirty="0">
-                <a:solidFill>
-                  <a:srgbClr val="272352"/>
-                </a:solidFill>
-                <a:latin typeface="Bahnschrift"/>
-                <a:cs typeface="Bahnschrift"/>
-              </a:rPr>
-              <a:t>lo </a:t>
-            </a:r>
-            <a:r>
-              <a:rPr sz="3200" u="sng" spc="-140" dirty="0">
-                <a:solidFill>
-                  <a:srgbClr val="272352"/>
-                </a:solidFill>
-                <a:latin typeface="Bahnschrift"/>
-                <a:cs typeface="Bahnschrift"/>
-              </a:rPr>
-              <a:t>que</a:t>
-            </a:r>
-            <a:r>
-              <a:rPr sz="3200" u="sng" spc="-135" dirty="0">
-                <a:solidFill>
-                  <a:srgbClr val="272352"/>
-                </a:solidFill>
-                <a:latin typeface="Bahnschrift"/>
-                <a:cs typeface="Bahnschrift"/>
-              </a:rPr>
-              <a:t> </a:t>
-            </a:r>
-            <a:r>
-              <a:rPr sz="3200" u="sng" spc="-125" dirty="0">
-                <a:solidFill>
-                  <a:srgbClr val="272352"/>
-                </a:solidFill>
-                <a:latin typeface="Bahnschrift"/>
-                <a:cs typeface="Bahnschrift"/>
-              </a:rPr>
-              <a:t>se </a:t>
-            </a:r>
-            <a:r>
-              <a:rPr sz="3200" u="sng" spc="-150" dirty="0">
-                <a:solidFill>
-                  <a:srgbClr val="272352"/>
-                </a:solidFill>
-                <a:latin typeface="Bahnschrift"/>
-                <a:cs typeface="Bahnschrift"/>
-              </a:rPr>
-              <a:t>habla</a:t>
-            </a:r>
-            <a:r>
-              <a:rPr sz="3200" u="sng" spc="-145" dirty="0">
-                <a:solidFill>
-                  <a:srgbClr val="272352"/>
-                </a:solidFill>
-                <a:latin typeface="Bahnschrift"/>
-                <a:cs typeface="Bahnschrift"/>
-              </a:rPr>
-              <a:t> </a:t>
-            </a:r>
-            <a:r>
-              <a:rPr sz="3200" u="sng" spc="-110" dirty="0">
-                <a:solidFill>
-                  <a:srgbClr val="272352"/>
-                </a:solidFill>
-                <a:latin typeface="Bahnschrift"/>
-                <a:cs typeface="Bahnschrift"/>
-              </a:rPr>
-              <a:t>en </a:t>
-            </a:r>
-            <a:r>
-              <a:rPr sz="3200" u="sng" spc="-95" dirty="0">
-                <a:solidFill>
-                  <a:srgbClr val="272352"/>
-                </a:solidFill>
-                <a:latin typeface="Bahnschrift"/>
-                <a:cs typeface="Bahnschrift"/>
-              </a:rPr>
-              <a:t>las </a:t>
-            </a:r>
-            <a:r>
-              <a:rPr sz="3200" u="sng" spc="-170" dirty="0">
-                <a:solidFill>
-                  <a:srgbClr val="272352"/>
-                </a:solidFill>
-                <a:latin typeface="Bahnschrift"/>
-                <a:cs typeface="Bahnschrift"/>
-              </a:rPr>
-              <a:t>protestas </a:t>
-            </a:r>
-            <a:r>
-              <a:rPr sz="3200" u="sng" spc="-140" dirty="0">
-                <a:solidFill>
-                  <a:srgbClr val="272352"/>
-                </a:solidFill>
-                <a:latin typeface="Bahnschrift"/>
-                <a:cs typeface="Bahnschrift"/>
-              </a:rPr>
-              <a:t>del </a:t>
-            </a:r>
-            <a:r>
-              <a:rPr sz="3200" u="sng" spc="-135" dirty="0">
-                <a:solidFill>
-                  <a:srgbClr val="272352"/>
-                </a:solidFill>
-                <a:latin typeface="Bahnschrift"/>
-                <a:cs typeface="Bahnschrift"/>
-              </a:rPr>
-              <a:t> </a:t>
-            </a:r>
-            <a:r>
-              <a:rPr sz="3200" u="sng" spc="-190" dirty="0">
-                <a:solidFill>
-                  <a:srgbClr val="272352"/>
-                </a:solidFill>
-                <a:latin typeface="Bahnschrift"/>
-                <a:cs typeface="Bahnschrift"/>
-              </a:rPr>
-              <a:t>movimiento</a:t>
-            </a:r>
-            <a:r>
-              <a:rPr sz="3200" u="sng" spc="-70" dirty="0">
-                <a:solidFill>
-                  <a:srgbClr val="272352"/>
-                </a:solidFill>
-                <a:latin typeface="Bahnschrift"/>
-                <a:cs typeface="Bahnschrift"/>
-              </a:rPr>
-              <a:t> </a:t>
-            </a:r>
-            <a:r>
-              <a:rPr sz="3200" u="sng" spc="-260" dirty="0">
-                <a:solidFill>
-                  <a:srgbClr val="272352"/>
-                </a:solidFill>
-                <a:latin typeface="Bahnschrift"/>
-                <a:cs typeface="Bahnschrift"/>
-              </a:rPr>
-              <a:t>BLM.</a:t>
-            </a:r>
-            <a:endParaRPr sz="3200" u="sng" dirty="0">
-              <a:latin typeface="Bahnschrift"/>
-              <a:cs typeface="Bahnschrift"/>
-            </a:endParaRPr>
+              <a:rPr lang="es-MX" sz="3200" spc="-175" dirty="0" smtClean="0">
+                <a:solidFill>
+                  <a:srgbClr val="272352"/>
+                </a:solidFill>
+                <a:latin typeface="Bahnschrift"/>
+                <a:cs typeface="Bahnschrift"/>
+              </a:rPr>
+              <a:t>Vemos que no se puede llegar a una conclusión concreta, ya que parece tener que ver más con que a más población de color en un lugar, más arrestos hay de estas personas</a:t>
+            </a:r>
+            <a:r>
+              <a:rPr lang="es-MX" sz="3200" spc="-175" dirty="0" smtClean="0">
+                <a:solidFill>
+                  <a:srgbClr val="272352"/>
+                </a:solidFill>
+                <a:latin typeface="Bahnschrift"/>
+                <a:cs typeface="Bahnschrift"/>
+              </a:rPr>
+              <a:t>. Así que sugerimos ver más variables para ver si hay un prejuicio. </a:t>
+            </a:r>
           </a:p>
           <a:p>
-            <a:pPr>
+            <a:pPr marL="12700" marR="865505">
               <a:lnSpc>
-                <a:spcPct val="100000"/>
+                <a:spcPct val="117200"/>
               </a:lnSpc>
+              <a:spcBef>
+                <a:spcPts val="95"/>
+              </a:spcBef>
             </a:pPr>
-            <a:endParaRPr sz="3750" dirty="0">
+            <a:endParaRPr sz="3200" dirty="0">
               <a:latin typeface="Bahnschrift"/>
               <a:cs typeface="Bahnschrift"/>
             </a:endParaRPr>
@@ -7727,294 +7620,14 @@
               <a:t> </a:t>
             </a:r>
             <a:r>
-              <a:rPr sz="3200" spc="-170" dirty="0">
-                <a:solidFill>
-                  <a:srgbClr val="272352"/>
-                </a:solidFill>
-                <a:latin typeface="Bahnschrift"/>
-                <a:cs typeface="Bahnschrift"/>
-              </a:rPr>
-              <a:t>Es</a:t>
-            </a:r>
-            <a:r>
-              <a:rPr sz="3200" spc="-65" dirty="0">
-                <a:solidFill>
-                  <a:srgbClr val="272352"/>
-                </a:solidFill>
-                <a:latin typeface="Bahnschrift"/>
-                <a:cs typeface="Bahnschrift"/>
-              </a:rPr>
-              <a:t> </a:t>
-            </a:r>
-            <a:r>
-              <a:rPr sz="3200" spc="-160" dirty="0">
-                <a:solidFill>
-                  <a:srgbClr val="272352"/>
-                </a:solidFill>
-                <a:latin typeface="Bahnschrift"/>
-                <a:cs typeface="Bahnschrift"/>
-              </a:rPr>
-              <a:t>inaceptable</a:t>
-            </a:r>
-            <a:r>
-              <a:rPr sz="3200" spc="-30" dirty="0">
-                <a:solidFill>
-                  <a:srgbClr val="272352"/>
-                </a:solidFill>
-                <a:latin typeface="Bahnschrift"/>
-                <a:cs typeface="Bahnschrift"/>
-              </a:rPr>
-              <a:t> </a:t>
-            </a:r>
-            <a:r>
-              <a:rPr sz="3200" spc="-150" dirty="0">
-                <a:solidFill>
-                  <a:srgbClr val="272352"/>
-                </a:solidFill>
-                <a:latin typeface="Bahnschrift"/>
-                <a:cs typeface="Bahnschrift"/>
-              </a:rPr>
-              <a:t>que</a:t>
-            </a:r>
-            <a:r>
-              <a:rPr sz="3200" spc="-25" dirty="0">
-                <a:solidFill>
-                  <a:srgbClr val="272352"/>
-                </a:solidFill>
-                <a:latin typeface="Bahnschrift"/>
-                <a:cs typeface="Bahnschrift"/>
-              </a:rPr>
-              <a:t> </a:t>
-            </a:r>
-            <a:r>
-              <a:rPr sz="3200" spc="-135" dirty="0">
-                <a:solidFill>
-                  <a:srgbClr val="272352"/>
-                </a:solidFill>
-                <a:latin typeface="Bahnschrift"/>
-                <a:cs typeface="Bahnschrift"/>
-              </a:rPr>
-              <a:t>esta </a:t>
-            </a:r>
-            <a:r>
-              <a:rPr sz="3200" spc="-535" dirty="0">
-                <a:solidFill>
-                  <a:srgbClr val="272352"/>
-                </a:solidFill>
-                <a:latin typeface="Bahnschrift"/>
-                <a:cs typeface="Bahnschrift"/>
-              </a:rPr>
-              <a:t> </a:t>
-            </a:r>
-            <a:r>
-              <a:rPr sz="3200" spc="-170" dirty="0">
-                <a:solidFill>
-                  <a:srgbClr val="272352"/>
-                </a:solidFill>
-                <a:latin typeface="Bahnschrift"/>
-                <a:cs typeface="Bahnschrift"/>
-              </a:rPr>
-              <a:t>inequidad</a:t>
-            </a:r>
-            <a:r>
-              <a:rPr sz="3200" spc="35" dirty="0">
-                <a:solidFill>
-                  <a:srgbClr val="272352"/>
-                </a:solidFill>
-                <a:latin typeface="Bahnschrift"/>
-                <a:cs typeface="Bahnschrift"/>
-              </a:rPr>
-              <a:t> </a:t>
-            </a:r>
-            <a:r>
-              <a:rPr sz="3200" spc="-180" dirty="0">
-                <a:solidFill>
-                  <a:srgbClr val="272352"/>
-                </a:solidFill>
-                <a:latin typeface="Bahnschrift"/>
-                <a:cs typeface="Bahnschrift"/>
-              </a:rPr>
-              <a:t>suceda</a:t>
-            </a:r>
-            <a:r>
-              <a:rPr sz="3200" spc="-45" dirty="0">
-                <a:solidFill>
-                  <a:srgbClr val="272352"/>
-                </a:solidFill>
-                <a:latin typeface="Bahnschrift"/>
-                <a:cs typeface="Bahnschrift"/>
-              </a:rPr>
-              <a:t> </a:t>
-            </a:r>
-            <a:r>
-              <a:rPr sz="3200" spc="5" dirty="0">
-                <a:solidFill>
-                  <a:srgbClr val="272352"/>
-                </a:solidFill>
-                <a:latin typeface="Bahnschrift"/>
-                <a:cs typeface="Bahnschrift"/>
-              </a:rPr>
-              <a:t>y</a:t>
-            </a:r>
-            <a:r>
-              <a:rPr sz="3200" spc="20" dirty="0">
-                <a:solidFill>
-                  <a:srgbClr val="272352"/>
-                </a:solidFill>
-                <a:latin typeface="Bahnschrift"/>
-                <a:cs typeface="Bahnschrift"/>
-              </a:rPr>
-              <a:t> </a:t>
-            </a:r>
-            <a:r>
-              <a:rPr sz="3200" spc="-165" dirty="0">
-                <a:solidFill>
-                  <a:srgbClr val="272352"/>
-                </a:solidFill>
-                <a:latin typeface="Bahnschrift"/>
-                <a:cs typeface="Bahnschrift"/>
-              </a:rPr>
-              <a:t>sea</a:t>
-            </a:r>
-            <a:r>
-              <a:rPr sz="3200" spc="25" dirty="0">
-                <a:solidFill>
-                  <a:srgbClr val="272352"/>
-                </a:solidFill>
-                <a:latin typeface="Bahnschrift"/>
-                <a:cs typeface="Bahnschrift"/>
-              </a:rPr>
-              <a:t> </a:t>
-            </a:r>
-            <a:r>
-              <a:rPr sz="3200" spc="-175" dirty="0">
-                <a:solidFill>
-                  <a:srgbClr val="272352"/>
-                </a:solidFill>
-                <a:latin typeface="Bahnschrift"/>
-                <a:cs typeface="Bahnschrift"/>
-              </a:rPr>
-              <a:t>ignorada,</a:t>
-            </a:r>
-            <a:r>
-              <a:rPr sz="3200" spc="114" dirty="0">
-                <a:solidFill>
-                  <a:srgbClr val="272352"/>
-                </a:solidFill>
-                <a:latin typeface="Bahnschrift"/>
-                <a:cs typeface="Bahnschrift"/>
-              </a:rPr>
-              <a:t> </a:t>
-            </a:r>
-            <a:r>
-              <a:rPr sz="3200" spc="-175" dirty="0">
-                <a:solidFill>
-                  <a:srgbClr val="272352"/>
-                </a:solidFill>
-                <a:latin typeface="Bahnschrift"/>
-                <a:cs typeface="Bahnschrift"/>
-              </a:rPr>
-              <a:t>transforando</a:t>
-            </a:r>
-            <a:r>
-              <a:rPr sz="3200" spc="-140" dirty="0">
-                <a:solidFill>
-                  <a:srgbClr val="272352"/>
-                </a:solidFill>
-                <a:latin typeface="Bahnschrift"/>
-                <a:cs typeface="Bahnschrift"/>
-              </a:rPr>
-              <a:t> </a:t>
-            </a:r>
-            <a:r>
-              <a:rPr sz="3200" spc="-160" dirty="0">
-                <a:solidFill>
-                  <a:srgbClr val="272352"/>
-                </a:solidFill>
-                <a:latin typeface="Bahnschrift"/>
-                <a:cs typeface="Bahnschrift"/>
-              </a:rPr>
-              <a:t>estos</a:t>
-            </a:r>
-            <a:r>
-              <a:rPr sz="3200" spc="-85" dirty="0">
-                <a:solidFill>
-                  <a:srgbClr val="272352"/>
-                </a:solidFill>
-                <a:latin typeface="Bahnschrift"/>
-                <a:cs typeface="Bahnschrift"/>
-              </a:rPr>
-              <a:t> </a:t>
-            </a:r>
-            <a:r>
-              <a:rPr sz="3200" spc="-155" dirty="0">
-                <a:solidFill>
-                  <a:srgbClr val="272352"/>
-                </a:solidFill>
-                <a:latin typeface="Bahnschrift"/>
-                <a:cs typeface="Bahnschrift"/>
-              </a:rPr>
-              <a:t>datos</a:t>
-            </a:r>
-            <a:r>
-              <a:rPr sz="3200" spc="-35" dirty="0">
-                <a:solidFill>
-                  <a:srgbClr val="272352"/>
-                </a:solidFill>
-                <a:latin typeface="Bahnschrift"/>
-                <a:cs typeface="Bahnschrift"/>
-              </a:rPr>
-              <a:t> </a:t>
-            </a:r>
-            <a:r>
-              <a:rPr sz="3200" spc="5" dirty="0">
-                <a:solidFill>
-                  <a:srgbClr val="272352"/>
-                </a:solidFill>
-                <a:latin typeface="Bahnschrift"/>
-                <a:cs typeface="Bahnschrift"/>
-              </a:rPr>
-              <a:t>a</a:t>
-            </a:r>
-            <a:r>
-              <a:rPr sz="3200" dirty="0">
-                <a:solidFill>
-                  <a:srgbClr val="272352"/>
-                </a:solidFill>
-                <a:latin typeface="Bahnschrift"/>
-                <a:cs typeface="Bahnschrift"/>
-              </a:rPr>
-              <a:t> </a:t>
-            </a:r>
-            <a:r>
-              <a:rPr sz="3200" spc="-185" dirty="0">
-                <a:solidFill>
-                  <a:srgbClr val="272352"/>
-                </a:solidFill>
-                <a:latin typeface="Bahnschrift"/>
-                <a:cs typeface="Bahnschrift"/>
-              </a:rPr>
-              <a:t>respuestas</a:t>
-            </a:r>
-            <a:r>
-              <a:rPr sz="3200" spc="-105" dirty="0">
-                <a:solidFill>
-                  <a:srgbClr val="272352"/>
-                </a:solidFill>
-                <a:latin typeface="Bahnschrift"/>
-                <a:cs typeface="Bahnschrift"/>
-              </a:rPr>
-              <a:t> </a:t>
-            </a:r>
-            <a:r>
-              <a:rPr sz="3200" spc="-185" dirty="0">
-                <a:solidFill>
-                  <a:srgbClr val="272352"/>
-                </a:solidFill>
-                <a:latin typeface="Bahnschrift"/>
-                <a:cs typeface="Bahnschrift"/>
-              </a:rPr>
-              <a:t>concretas.</a:t>
+              <a:rPr lang="es-MX" sz="3200" spc="105" dirty="0" smtClean="0">
+                <a:solidFill>
+                  <a:srgbClr val="272352"/>
+                </a:solidFill>
+                <a:latin typeface="Bahnschrift"/>
+                <a:cs typeface="Bahnschrift"/>
+              </a:rPr>
+              <a:t>Ya que es importante investigar estos temas para que se conozca más sobre la realidad aunque no den los datos que queremos.</a:t>
             </a:r>
             <a:endParaRPr sz="3200" dirty="0">
               <a:latin typeface="Bahnschrift"/>
@@ -14102,7 +13715,7 @@
         <p:spPr>
           <a:xfrm>
             <a:off x="553923" y="2561590"/>
-            <a:ext cx="17094835" cy="6295390"/>
+            <a:ext cx="17094835" cy="6351611"/>
           </a:xfrm>
           <a:prstGeom prst="rect">
             <a:avLst/>
@@ -14534,7 +14147,7 @@
               <a:t> </a:t>
             </a:r>
             <a:r>
-              <a:rPr sz="3100" spc="-130" dirty="0">
+              <a:rPr sz="3100" spc="-130" dirty="0" err="1">
                 <a:solidFill>
                   <a:srgbClr val="272352"/>
                 </a:solidFill>
@@ -14554,107 +14167,7 @@
               <a:t> </a:t>
             </a:r>
             <a:r>
-              <a:rPr sz="3100" spc="-180" dirty="0">
-                <a:solidFill>
-                  <a:srgbClr val="272352"/>
-                </a:solidFill>
-                <a:latin typeface="Bahnschrift"/>
-                <a:cs typeface="Bahnschrift"/>
-              </a:rPr>
-              <a:t>promedio</a:t>
-            </a:r>
-            <a:r>
-              <a:rPr sz="3100" spc="-20" dirty="0">
-                <a:solidFill>
-                  <a:srgbClr val="272352"/>
-                </a:solidFill>
-                <a:latin typeface="Bahnschrift"/>
-                <a:cs typeface="Bahnschrift"/>
-              </a:rPr>
-              <a:t> </a:t>
-            </a:r>
-            <a:r>
-              <a:rPr sz="3100" spc="-135" dirty="0">
-                <a:solidFill>
-                  <a:srgbClr val="272352"/>
-                </a:solidFill>
-                <a:latin typeface="Bahnschrift"/>
-                <a:cs typeface="Bahnschrift"/>
-              </a:rPr>
-              <a:t>entre</a:t>
-            </a:r>
-            <a:r>
-              <a:rPr sz="3100" spc="-15" dirty="0">
-                <a:solidFill>
-                  <a:srgbClr val="272352"/>
-                </a:solidFill>
-                <a:latin typeface="Bahnschrift"/>
-                <a:cs typeface="Bahnschrift"/>
-              </a:rPr>
-              <a:t> </a:t>
-            </a:r>
-            <a:r>
-              <a:rPr sz="3100" spc="-135" dirty="0">
-                <a:solidFill>
-                  <a:srgbClr val="272352"/>
-                </a:solidFill>
-                <a:latin typeface="Bahnschrift"/>
-                <a:cs typeface="Bahnschrift"/>
-              </a:rPr>
-              <a:t>gente</a:t>
-            </a:r>
-            <a:r>
-              <a:rPr sz="3100" spc="-30" dirty="0">
-                <a:solidFill>
-                  <a:srgbClr val="272352"/>
-                </a:solidFill>
-                <a:latin typeface="Bahnschrift"/>
-                <a:cs typeface="Bahnschrift"/>
-              </a:rPr>
-              <a:t> </a:t>
-            </a:r>
-            <a:r>
-              <a:rPr sz="3100" spc="-140" dirty="0">
-                <a:solidFill>
-                  <a:srgbClr val="272352"/>
-                </a:solidFill>
-                <a:latin typeface="Bahnschrift"/>
-                <a:cs typeface="Bahnschrift"/>
-              </a:rPr>
-              <a:t>blanca</a:t>
-            </a:r>
-            <a:r>
-              <a:rPr sz="3100" dirty="0">
-                <a:solidFill>
-                  <a:srgbClr val="272352"/>
-                </a:solidFill>
-                <a:latin typeface="Bahnschrift"/>
-                <a:cs typeface="Bahnschrift"/>
-              </a:rPr>
-              <a:t> </a:t>
-            </a:r>
-            <a:r>
-              <a:rPr sz="3100" spc="-95" dirty="0">
-                <a:solidFill>
-                  <a:srgbClr val="272352"/>
-                </a:solidFill>
-                <a:latin typeface="Bahnschrift"/>
-                <a:cs typeface="Bahnschrift"/>
-              </a:rPr>
-              <a:t>en</a:t>
-            </a:r>
-            <a:r>
-              <a:rPr sz="3100" spc="-15" dirty="0">
-                <a:solidFill>
-                  <a:srgbClr val="272352"/>
-                </a:solidFill>
-                <a:latin typeface="Bahnschrift"/>
-                <a:cs typeface="Bahnschrift"/>
-              </a:rPr>
-              <a:t> </a:t>
-            </a:r>
-            <a:r>
-              <a:rPr sz="3100" spc="-105" dirty="0">
+              <a:rPr sz="3100" spc="-105" dirty="0" err="1" smtClean="0">
                 <a:solidFill>
                   <a:srgbClr val="272352"/>
                 </a:solidFill>
@@ -14664,7 +14177,7 @@
               <a:t>los</a:t>
             </a:r>
             <a:r>
-              <a:rPr sz="3100" spc="-55" dirty="0">
+              <a:rPr sz="3100" spc="-55" dirty="0" smtClean="0">
                 <a:solidFill>
                   <a:srgbClr val="272352"/>
                 </a:solidFill>
@@ -14762,14 +14275,14 @@
               </a:tabLst>
             </a:pPr>
             <a:r>
-              <a:rPr sz="3100" spc="-145" dirty="0">
-                <a:solidFill>
-                  <a:srgbClr val="272352"/>
-                </a:solidFill>
-                <a:latin typeface="Bahnschrift"/>
-                <a:cs typeface="Bahnschrift"/>
-              </a:rPr>
-              <a:t>Illinois(IL)</a:t>
+              <a:rPr lang="es-MX" sz="3100" spc="-145" dirty="0" smtClean="0">
+                <a:solidFill>
+                  <a:srgbClr val="272352"/>
+                </a:solidFill>
+                <a:latin typeface="Bahnschrift"/>
+                <a:cs typeface="Bahnschrift"/>
+              </a:rPr>
+              <a:t>Columbia (DC)</a:t>
             </a:r>
             <a:endParaRPr sz="3100" dirty="0">
               <a:latin typeface="Bahnschrift"/>
@@ -15067,7 +14580,7 @@
               <a:t> </a:t>
             </a:r>
             <a:r>
-              <a:rPr sz="3100" spc="-180" dirty="0">
+              <a:rPr sz="3100" spc="-180" dirty="0" err="1">
                 <a:solidFill>
                   <a:srgbClr val="272352"/>
                 </a:solidFill>
@@ -15087,67 +14600,7 @@
               <a:t> </a:t>
             </a:r>
             <a:r>
-              <a:rPr sz="3100" spc="-135" dirty="0">
-                <a:solidFill>
-                  <a:srgbClr val="272352"/>
-                </a:solidFill>
-                <a:latin typeface="Bahnschrift"/>
-                <a:cs typeface="Bahnschrift"/>
-              </a:rPr>
-              <a:t>entre</a:t>
-            </a:r>
-            <a:r>
-              <a:rPr sz="3100" spc="-15" dirty="0">
-                <a:solidFill>
-                  <a:srgbClr val="272352"/>
-                </a:solidFill>
-                <a:latin typeface="Bahnschrift"/>
-                <a:cs typeface="Bahnschrift"/>
-              </a:rPr>
-              <a:t> </a:t>
-            </a:r>
-            <a:r>
-              <a:rPr sz="3100" spc="-135" dirty="0">
-                <a:solidFill>
-                  <a:srgbClr val="272352"/>
-                </a:solidFill>
-                <a:latin typeface="Bahnschrift"/>
-                <a:cs typeface="Bahnschrift"/>
-              </a:rPr>
-              <a:t>gente</a:t>
-            </a:r>
-            <a:r>
-              <a:rPr sz="3100" spc="-45" dirty="0">
-                <a:solidFill>
-                  <a:srgbClr val="272352"/>
-                </a:solidFill>
-                <a:latin typeface="Bahnschrift"/>
-                <a:cs typeface="Bahnschrift"/>
-              </a:rPr>
-              <a:t> </a:t>
-            </a:r>
-            <a:r>
-              <a:rPr sz="3100" spc="-140" dirty="0">
-                <a:solidFill>
-                  <a:srgbClr val="272352"/>
-                </a:solidFill>
-                <a:latin typeface="Bahnschrift"/>
-                <a:cs typeface="Bahnschrift"/>
-              </a:rPr>
-              <a:t>blanca</a:t>
-            </a:r>
-            <a:r>
-              <a:rPr sz="3100" spc="10" dirty="0">
-                <a:solidFill>
-                  <a:srgbClr val="272352"/>
-                </a:solidFill>
-                <a:latin typeface="Bahnschrift"/>
-                <a:cs typeface="Bahnschrift"/>
-              </a:rPr>
-              <a:t> </a:t>
-            </a:r>
-            <a:r>
-              <a:rPr sz="3100" spc="-95" dirty="0">
+              <a:rPr sz="3100" spc="-95" dirty="0" err="1" smtClean="0">
                 <a:solidFill>
                   <a:srgbClr val="272352"/>
                 </a:solidFill>
@@ -15157,7 +14610,7 @@
               <a:t>en</a:t>
             </a:r>
             <a:r>
-              <a:rPr sz="3100" spc="-25" dirty="0">
+              <a:rPr sz="3100" spc="-25" dirty="0" smtClean="0">
                 <a:solidFill>
                   <a:srgbClr val="272352"/>
                 </a:solidFill>

--- a/Relación entre arrestos de personas de distintas razas y la cantidad de arrestos por estado en EEUU, entre 2018 y 2020.pptx
+++ b/Relación entre arrestos de personas de distintas razas y la cantidad de arrestos por estado en EEUU, entre 2018 y 2020.pptx
@@ -222,7 +222,7 @@
           <a:p>
             <a:fld id="{41EF7AC9-34C1-4F88-8772-517BD051DFC7}" type="datetimeFigureOut">
               <a:rPr lang="es-CL" smtClean="0"/>
-              <a:t>13-12-2021</a:t>
+              <a:t>14-12-2021</a:t>
             </a:fld>
             <a:endParaRPr lang="es-CL"/>
           </a:p>
@@ -286,35 +286,35 @@
           <a:p>
             <a:pPr lvl="0"/>
             <a:r>
-              <a:rPr lang="es-ES" smtClean="0"/>
+              <a:rPr lang="es-ES"/>
               <a:t>Haga clic para modificar el estilo de texto del patrón</a:t>
             </a:r>
           </a:p>
           <a:p>
             <a:pPr lvl="1"/>
             <a:r>
-              <a:rPr lang="es-ES" smtClean="0"/>
+              <a:rPr lang="es-ES"/>
               <a:t>Segundo nivel</a:t>
             </a:r>
           </a:p>
           <a:p>
             <a:pPr lvl="2"/>
             <a:r>
-              <a:rPr lang="es-ES" smtClean="0"/>
+              <a:rPr lang="es-ES"/>
               <a:t>Tercer nivel</a:t>
             </a:r>
           </a:p>
           <a:p>
             <a:pPr lvl="3"/>
             <a:r>
-              <a:rPr lang="es-ES" smtClean="0"/>
+              <a:rPr lang="es-ES"/>
               <a:t>Cuarto nivel</a:t>
             </a:r>
           </a:p>
           <a:p>
             <a:pPr lvl="4"/>
             <a:r>
-              <a:rPr lang="es-ES" smtClean="0"/>
+              <a:rPr lang="es-ES"/>
               <a:t>Quinto nivel</a:t>
             </a:r>
             <a:endParaRPr lang="es-CL"/>
@@ -719,7 +719,7 @@
           <a:p>
             <a:fld id="{1D8BD707-D9CF-40AE-B4C6-C98DA3205C09}" type="datetimeFigureOut">
               <a:rPr lang="en-US"/>
-              <a:t>12/13/2021</a:t>
+              <a:t>12/14/2021</a:t>
             </a:fld>
             <a:endParaRPr lang="en-US"/>
           </a:p>
@@ -896,7 +896,7 @@
           <a:p>
             <a:fld id="{1D8BD707-D9CF-40AE-B4C6-C98DA3205C09}" type="datetimeFigureOut">
               <a:rPr lang="en-US"/>
-              <a:t>12/13/2021</a:t>
+              <a:t>12/14/2021</a:t>
             </a:fld>
             <a:endParaRPr lang="en-US"/>
           </a:p>
@@ -1110,7 +1110,7 @@
           <a:p>
             <a:fld id="{1D8BD707-D9CF-40AE-B4C6-C98DA3205C09}" type="datetimeFigureOut">
               <a:rPr lang="en-US"/>
-              <a:t>12/13/2021</a:t>
+              <a:t>12/14/2021</a:t>
             </a:fld>
             <a:endParaRPr lang="en-US"/>
           </a:p>
@@ -1258,7 +1258,7 @@
           <a:p>
             <a:fld id="{1D8BD707-D9CF-40AE-B4C6-C98DA3205C09}" type="datetimeFigureOut">
               <a:rPr lang="en-US"/>
-              <a:t>12/13/2021</a:t>
+              <a:t>12/14/2021</a:t>
             </a:fld>
             <a:endParaRPr lang="en-US"/>
           </a:p>
@@ -1377,7 +1377,7 @@
           <a:p>
             <a:fld id="{1D8BD707-D9CF-40AE-B4C6-C98DA3205C09}" type="datetimeFigureOut">
               <a:rPr lang="en-US"/>
-              <a:t>12/13/2021</a:t>
+              <a:t>12/14/2021</a:t>
             </a:fld>
             <a:endParaRPr lang="en-US"/>
           </a:p>
@@ -1652,7 +1652,7 @@
           <a:p>
             <a:fld id="{1D8BD707-D9CF-40AE-B4C6-C98DA3205C09}" type="datetimeFigureOut">
               <a:rPr lang="en-US"/>
-              <a:t>12/13/2021</a:t>
+              <a:t>12/14/2021</a:t>
             </a:fld>
             <a:endParaRPr lang="en-US"/>
           </a:p>
@@ -4036,7 +4036,7 @@
               <a:t> </a:t>
             </a:r>
             <a:r>
-              <a:rPr sz="3150" spc="-204" dirty="0" err="1" smtClean="0">
+              <a:rPr sz="3150" spc="-204" dirty="0" err="1">
                 <a:solidFill>
                   <a:srgbClr val="272352"/>
                 </a:solidFill>
@@ -4046,17 +4046,17 @@
               <a:t>mismos</a:t>
             </a:r>
             <a:r>
-              <a:rPr lang="es-MX" sz="3150" spc="-204" dirty="0" smtClean="0">
-                <a:solidFill>
-                  <a:srgbClr val="272352"/>
-                </a:solidFill>
-                <a:latin typeface="Bahnschrift"/>
-                <a:cs typeface="Bahnschrift"/>
-              </a:rPr>
-              <a:t> </a:t>
-            </a:r>
-            <a:r>
-              <a:rPr sz="3150" spc="-204" dirty="0" err="1" smtClean="0">
+              <a:rPr lang="es-MX" sz="3150" spc="-204" dirty="0">
+                <a:solidFill>
+                  <a:srgbClr val="272352"/>
+                </a:solidFill>
+                <a:latin typeface="Bahnschrift"/>
+                <a:cs typeface="Bahnschrift"/>
+              </a:rPr>
+              <a:t> </a:t>
+            </a:r>
+            <a:r>
+              <a:rPr sz="3150" spc="-204" dirty="0" err="1">
                 <a:solidFill>
                   <a:srgbClr val="272352"/>
                 </a:solidFill>
@@ -4066,7 +4066,7 @@
               <a:t>estados</a:t>
             </a:r>
             <a:r>
-              <a:rPr lang="es-MX" sz="3150" spc="-204" dirty="0" smtClean="0">
+              <a:rPr lang="es-MX" sz="3150" spc="-204" dirty="0">
                 <a:solidFill>
                   <a:srgbClr val="272352"/>
                 </a:solidFill>
@@ -4076,7 +4076,7 @@
               <a:t>, además que los porcentajes negativos pasan a ser muy bajos</a:t>
             </a:r>
             <a:r>
-              <a:rPr sz="3150" spc="-160" dirty="0" smtClean="0">
+              <a:rPr sz="3150" spc="-160" dirty="0">
                 <a:solidFill>
                   <a:srgbClr val="272352"/>
                 </a:solidFill>
@@ -4086,7 +4086,7 @@
               <a:t>.</a:t>
             </a:r>
             <a:r>
-              <a:rPr lang="es-MX" sz="3150" spc="-160" dirty="0" smtClean="0">
+              <a:rPr lang="es-MX" sz="3150" spc="-160" dirty="0">
                 <a:solidFill>
                   <a:srgbClr val="272352"/>
                 </a:solidFill>
@@ -4262,7 +4262,7 @@
               <a:t> </a:t>
             </a:r>
             <a:r>
-              <a:rPr sz="4100" u="sng" spc="-245" dirty="0" smtClean="0">
+              <a:rPr sz="4100" u="sng" spc="-245" dirty="0">
                 <a:solidFill>
                   <a:srgbClr val="272352"/>
                 </a:solidFill>
@@ -4272,7 +4272,7 @@
               <a:t>2</a:t>
             </a:r>
             <a:r>
-              <a:rPr sz="4100" u="sng" spc="-285" dirty="0" smtClean="0">
+              <a:rPr sz="4100" u="sng" spc="-285" dirty="0">
                 <a:solidFill>
                   <a:srgbClr val="272352"/>
                 </a:solidFill>
@@ -4282,7 +4282,7 @@
               <a:t>0</a:t>
             </a:r>
             <a:r>
-              <a:rPr sz="4100" u="sng" spc="-130" dirty="0" smtClean="0">
+              <a:rPr sz="4100" u="sng" spc="-130" dirty="0">
                 <a:solidFill>
                   <a:srgbClr val="272352"/>
                 </a:solidFill>
@@ -4292,7 +4292,7 @@
               <a:t>1</a:t>
             </a:r>
             <a:r>
-              <a:rPr sz="4100" u="sng" spc="-310" dirty="0" smtClean="0">
+              <a:rPr sz="4100" u="sng" spc="-310" dirty="0">
                 <a:solidFill>
                   <a:srgbClr val="272352"/>
                 </a:solidFill>
@@ -4302,7 +4302,7 @@
               <a:t>8</a:t>
             </a:r>
             <a:r>
-              <a:rPr sz="4100" u="sng" spc="-254" dirty="0" smtClean="0">
+              <a:rPr sz="4100" u="sng" spc="-254" dirty="0">
                 <a:solidFill>
                   <a:srgbClr val="272352"/>
                 </a:solidFill>
@@ -4312,7 +4312,7 @@
               <a:t>-</a:t>
             </a:r>
             <a:r>
-              <a:rPr sz="4100" u="sng" spc="-245" dirty="0" smtClean="0">
+              <a:rPr sz="4100" u="sng" spc="-245" dirty="0">
                 <a:solidFill>
                   <a:srgbClr val="272352"/>
                 </a:solidFill>
@@ -4322,7 +4322,7 @@
               <a:t>2</a:t>
             </a:r>
             <a:r>
-              <a:rPr sz="4100" u="sng" spc="-285" dirty="0" smtClean="0">
+              <a:rPr sz="4100" u="sng" spc="-285" dirty="0">
                 <a:solidFill>
                   <a:srgbClr val="272352"/>
                 </a:solidFill>
@@ -4332,7 +4332,7 @@
               <a:t>0</a:t>
             </a:r>
             <a:r>
-              <a:rPr sz="4100" u="sng" spc="-130" dirty="0" smtClean="0">
+              <a:rPr sz="4100" u="sng" spc="-130" dirty="0">
                 <a:solidFill>
                   <a:srgbClr val="272352"/>
                 </a:solidFill>
@@ -4342,7 +4342,7 @@
               <a:t>1</a:t>
             </a:r>
             <a:r>
-              <a:rPr sz="4100" u="sng" dirty="0" smtClean="0">
+              <a:rPr sz="4100" u="sng" dirty="0">
                 <a:solidFill>
                   <a:srgbClr val="272352"/>
                 </a:solidFill>
@@ -4644,7 +4644,7 @@
               </a:spcBef>
             </a:pPr>
             <a:r>
-              <a:rPr lang="es-MX" sz="4350" spc="-455" dirty="0" smtClean="0">
+              <a:rPr lang="es-MX" sz="4350" spc="-455" dirty="0">
                 <a:solidFill>
                   <a:srgbClr val="272352"/>
                 </a:solidFill>
@@ -4664,7 +4664,7 @@
               </a:spcBef>
             </a:pPr>
             <a:r>
-              <a:rPr lang="es-MX" sz="4350" spc="-455" dirty="0" smtClean="0">
+              <a:rPr lang="es-MX" sz="4350" spc="-455" dirty="0">
                 <a:solidFill>
                   <a:srgbClr val="272352"/>
                 </a:solidFill>
@@ -4684,7 +4684,7 @@
               </a:spcBef>
             </a:pPr>
             <a:r>
-              <a:rPr lang="es-MX" sz="4350" spc="-455" dirty="0" err="1" smtClean="0">
+              <a:rPr lang="es-MX" sz="4350" spc="-455" dirty="0" err="1">
                 <a:solidFill>
                   <a:srgbClr val="272352"/>
                 </a:solidFill>
@@ -4730,7 +4730,7 @@
               </a:spcBef>
             </a:pPr>
             <a:r>
-              <a:rPr lang="es-MX" sz="4350" spc="-180" dirty="0" smtClean="0">
+              <a:rPr lang="es-MX" sz="4350" spc="-180" dirty="0">
                 <a:solidFill>
                   <a:srgbClr val="272352"/>
                 </a:solidFill>
@@ -4740,7 +4740,7 @@
               <a:t>-55 </a:t>
             </a:r>
             <a:r>
-              <a:rPr sz="4350" spc="-180" dirty="0" smtClean="0">
+              <a:rPr sz="4350" spc="-180" dirty="0">
                 <a:solidFill>
                   <a:srgbClr val="272352"/>
                 </a:solidFill>
@@ -4764,7 +4764,7 @@
               </a:spcBef>
             </a:pPr>
             <a:r>
-              <a:rPr lang="es-MX" sz="4350" spc="-175" dirty="0" smtClean="0">
+              <a:rPr lang="es-MX" sz="4350" spc="-175" dirty="0">
                 <a:solidFill>
                   <a:srgbClr val="272352"/>
                 </a:solidFill>
@@ -4774,7 +4774,7 @@
               <a:t> -11</a:t>
             </a:r>
             <a:r>
-              <a:rPr sz="4350" spc="-175" dirty="0" smtClean="0">
+              <a:rPr sz="4350" spc="-175" dirty="0">
                 <a:solidFill>
                   <a:srgbClr val="272352"/>
                 </a:solidFill>
@@ -4795,7 +4795,7 @@
               </a:lnSpc>
             </a:pPr>
             <a:r>
-              <a:rPr lang="es-MX" sz="4350" spc="-140" dirty="0" smtClean="0">
+              <a:rPr lang="es-MX" sz="4350" spc="-140" dirty="0">
                 <a:solidFill>
                   <a:srgbClr val="272352"/>
                 </a:solidFill>
@@ -6002,7 +6002,7 @@
               </a:spcBef>
             </a:pPr>
             <a:r>
-              <a:rPr lang="es-MX" sz="4800" spc="-175" dirty="0" smtClean="0">
+              <a:rPr lang="es-MX" sz="4800" spc="-175" dirty="0">
                 <a:solidFill>
                   <a:srgbClr val="272352"/>
                 </a:solidFill>
@@ -6022,7 +6022,7 @@
               </a:spcBef>
             </a:pPr>
             <a:r>
-              <a:rPr lang="es-MX" sz="4800" spc="-175" dirty="0" smtClean="0">
+              <a:rPr lang="es-MX" sz="4800" spc="-175" dirty="0">
                 <a:solidFill>
                   <a:srgbClr val="272352"/>
                 </a:solidFill>
@@ -6042,7 +6042,7 @@
               </a:spcBef>
             </a:pPr>
             <a:r>
-              <a:rPr lang="es-MX" sz="4800" spc="-175" dirty="0" smtClean="0">
+              <a:rPr lang="es-MX" sz="4800" spc="-175" dirty="0">
                 <a:solidFill>
                   <a:srgbClr val="272352"/>
                 </a:solidFill>
@@ -6088,7 +6088,7 @@
               </a:spcBef>
             </a:pPr>
             <a:r>
-              <a:rPr sz="4100" u="sng" spc="-465" dirty="0" err="1" smtClean="0">
+              <a:rPr sz="4100" u="sng" spc="-465" dirty="0" err="1">
                 <a:solidFill>
                   <a:srgbClr val="272352"/>
                 </a:solidFill>
@@ -6098,7 +6098,7 @@
               <a:t>M</a:t>
             </a:r>
             <a:r>
-              <a:rPr sz="4100" u="sng" spc="-260" dirty="0" err="1" smtClean="0">
+              <a:rPr sz="4100" u="sng" spc="-260" dirty="0" err="1">
                 <a:solidFill>
                   <a:srgbClr val="272352"/>
                 </a:solidFill>
@@ -6108,7 +6108,7 @@
               <a:t>áx</a:t>
             </a:r>
             <a:r>
-              <a:rPr sz="4100" u="sng" spc="-110" dirty="0" err="1" smtClean="0">
+              <a:rPr sz="4100" u="sng" spc="-110" dirty="0" err="1">
                 <a:solidFill>
                   <a:srgbClr val="272352"/>
                 </a:solidFill>
@@ -6118,7 +6118,7 @@
               <a:t>i</a:t>
             </a:r>
             <a:r>
-              <a:rPr sz="4100" u="sng" spc="-459" dirty="0" err="1" smtClean="0">
+              <a:rPr sz="4100" u="sng" spc="-459" dirty="0" err="1">
                 <a:solidFill>
                   <a:srgbClr val="272352"/>
                 </a:solidFill>
@@ -6128,7 +6128,7 @@
               <a:t>m</a:t>
             </a:r>
             <a:r>
-              <a:rPr sz="4100" u="sng" spc="-330" dirty="0" err="1" smtClean="0">
+              <a:rPr sz="4100" u="sng" spc="-330" dirty="0" err="1">
                 <a:solidFill>
                   <a:srgbClr val="272352"/>
                 </a:solidFill>
@@ -6138,7 +6138,7 @@
               <a:t>o</a:t>
             </a:r>
             <a:r>
-              <a:rPr sz="4100" u="sng" dirty="0" err="1" smtClean="0">
+              <a:rPr sz="4100" u="sng" dirty="0" err="1">
                 <a:solidFill>
                   <a:srgbClr val="272352"/>
                 </a:solidFill>
@@ -6148,17 +6148,17 @@
               <a:t>s</a:t>
             </a:r>
             <a:r>
-              <a:rPr sz="4100" u="sng" spc="-95" dirty="0" smtClean="0">
-                <a:solidFill>
-                  <a:srgbClr val="272352"/>
-                </a:solidFill>
-                <a:latin typeface="Bahnschrift"/>
-                <a:cs typeface="Bahnschrift"/>
-              </a:rPr>
-              <a:t> </a:t>
-            </a:r>
-            <a:r>
-              <a:rPr sz="4100" u="sng" spc="-300" dirty="0" smtClean="0">
+              <a:rPr sz="4100" u="sng" spc="-95" dirty="0">
+                <a:solidFill>
+                  <a:srgbClr val="272352"/>
+                </a:solidFill>
+                <a:latin typeface="Bahnschrift"/>
+                <a:cs typeface="Bahnschrift"/>
+              </a:rPr>
+              <a:t> </a:t>
+            </a:r>
+            <a:r>
+              <a:rPr sz="4100" u="sng" spc="-300" dirty="0">
                 <a:solidFill>
                   <a:srgbClr val="272352"/>
                 </a:solidFill>
@@ -6168,7 +6168,7 @@
               <a:t>en</a:t>
             </a:r>
             <a:r>
-              <a:rPr sz="4100" u="sng" spc="-135" dirty="0" smtClean="0">
+              <a:rPr sz="4100" u="sng" spc="-135" dirty="0">
                 <a:solidFill>
                   <a:srgbClr val="272352"/>
                 </a:solidFill>
@@ -6178,7 +6178,7 @@
               <a:t>t</a:t>
             </a:r>
             <a:r>
-              <a:rPr sz="4100" u="sng" spc="-235" dirty="0" smtClean="0">
+              <a:rPr sz="4100" u="sng" spc="-235" dirty="0">
                 <a:solidFill>
                   <a:srgbClr val="272352"/>
                 </a:solidFill>
@@ -6188,7 +6188,7 @@
               <a:t>r</a:t>
             </a:r>
             <a:r>
-              <a:rPr sz="4100" u="sng" dirty="0" smtClean="0">
+              <a:rPr sz="4100" u="sng" dirty="0">
                 <a:solidFill>
                   <a:srgbClr val="272352"/>
                 </a:solidFill>
@@ -6198,17 +6198,17 @@
               <a:t>e</a:t>
             </a:r>
             <a:r>
-              <a:rPr sz="4100" u="sng" spc="-55" dirty="0" smtClean="0">
-                <a:solidFill>
-                  <a:srgbClr val="272352"/>
-                </a:solidFill>
-                <a:latin typeface="Bahnschrift"/>
-                <a:cs typeface="Bahnschrift"/>
-              </a:rPr>
-              <a:t> </a:t>
-            </a:r>
-            <a:r>
-              <a:rPr sz="4100" u="sng" spc="-245" dirty="0" smtClean="0">
+              <a:rPr sz="4100" u="sng" spc="-55" dirty="0">
+                <a:solidFill>
+                  <a:srgbClr val="272352"/>
+                </a:solidFill>
+                <a:latin typeface="Bahnschrift"/>
+                <a:cs typeface="Bahnschrift"/>
+              </a:rPr>
+              <a:t> </a:t>
+            </a:r>
+            <a:r>
+              <a:rPr sz="4100" u="sng" spc="-245" dirty="0">
                 <a:solidFill>
                   <a:srgbClr val="272352"/>
                 </a:solidFill>
@@ -6218,7 +6218,7 @@
               <a:t>2</a:t>
             </a:r>
             <a:r>
-              <a:rPr sz="4100" u="sng" spc="-285" dirty="0" smtClean="0">
+              <a:rPr sz="4100" u="sng" spc="-285" dirty="0">
                 <a:solidFill>
                   <a:srgbClr val="272352"/>
                 </a:solidFill>
@@ -6228,7 +6228,7 @@
               <a:t>0</a:t>
             </a:r>
             <a:r>
-              <a:rPr sz="4100" u="sng" spc="-130" dirty="0" smtClean="0">
+              <a:rPr sz="4100" u="sng" spc="-130" dirty="0">
                 <a:solidFill>
                   <a:srgbClr val="272352"/>
                 </a:solidFill>
@@ -6238,7 +6238,7 @@
               <a:t>1</a:t>
             </a:r>
             <a:r>
-              <a:rPr sz="4100" u="sng" spc="-305" dirty="0" smtClean="0">
+              <a:rPr sz="4100" u="sng" spc="-305" dirty="0">
                 <a:solidFill>
                   <a:srgbClr val="272352"/>
                 </a:solidFill>
@@ -6248,7 +6248,7 @@
               <a:t>8</a:t>
             </a:r>
             <a:r>
-              <a:rPr sz="4100" u="sng" spc="-254" dirty="0" smtClean="0">
+              <a:rPr sz="4100" u="sng" spc="-254" dirty="0">
                 <a:solidFill>
                   <a:srgbClr val="272352"/>
                 </a:solidFill>
@@ -6258,7 +6258,7 @@
               <a:t>-</a:t>
             </a:r>
             <a:r>
-              <a:rPr sz="4100" u="sng" spc="-245" dirty="0" smtClean="0">
+              <a:rPr sz="4100" u="sng" spc="-245" dirty="0">
                 <a:solidFill>
                   <a:srgbClr val="272352"/>
                 </a:solidFill>
@@ -6268,7 +6268,7 @@
               <a:t>2</a:t>
             </a:r>
             <a:r>
-              <a:rPr sz="4100" u="sng" spc="-285" dirty="0" smtClean="0">
+              <a:rPr sz="4100" u="sng" spc="-285" dirty="0">
                 <a:solidFill>
                   <a:srgbClr val="272352"/>
                 </a:solidFill>
@@ -6278,7 +6278,7 @@
               <a:t>0</a:t>
             </a:r>
             <a:r>
-              <a:rPr sz="4100" u="sng" spc="-130" dirty="0" smtClean="0">
+              <a:rPr sz="4100" u="sng" spc="-130" dirty="0">
                 <a:solidFill>
                   <a:srgbClr val="272352"/>
                 </a:solidFill>
@@ -6288,7 +6288,7 @@
               <a:t>1</a:t>
             </a:r>
             <a:r>
-              <a:rPr sz="4100" u="sng" dirty="0" smtClean="0">
+              <a:rPr sz="4100" u="sng" dirty="0">
                 <a:solidFill>
                   <a:srgbClr val="272352"/>
                 </a:solidFill>
@@ -6315,7 +6315,7 @@
               </a:spcBef>
             </a:pPr>
             <a:r>
-              <a:rPr lang="es-MX" sz="4100" dirty="0" smtClean="0">
+              <a:rPr lang="es-MX" sz="4100" dirty="0">
                 <a:solidFill>
                   <a:srgbClr val="002060"/>
                 </a:solidFill>
@@ -6335,7 +6335,7 @@
               </a:spcBef>
             </a:pPr>
             <a:r>
-              <a:rPr lang="es-MX" sz="4100" dirty="0" smtClean="0">
+              <a:rPr lang="es-MX" sz="4100" dirty="0">
                 <a:solidFill>
                   <a:srgbClr val="002060"/>
                 </a:solidFill>
@@ -6355,7 +6355,7 @@
               </a:spcBef>
             </a:pPr>
             <a:r>
-              <a:rPr lang="es-MX" sz="4100" dirty="0" smtClean="0">
+              <a:rPr lang="es-MX" sz="4100" dirty="0">
                 <a:solidFill>
                   <a:srgbClr val="002060"/>
                 </a:solidFill>
@@ -6667,7 +6667,7 @@
               </a:spcBef>
             </a:pPr>
             <a:r>
-              <a:rPr lang="es-MX" sz="3150" dirty="0" smtClean="0">
+              <a:rPr lang="es-MX" sz="3150" dirty="0">
                 <a:solidFill>
                   <a:srgbClr val="002060"/>
                 </a:solidFill>
@@ -6677,7 +6677,7 @@
               <a:t>Vemos que aquí también aumentan los porcentajes, en este caso solo se mantiene Pensilvania entre los máximos. </a:t>
             </a:r>
             <a:r>
-              <a:rPr lang="es-MX" sz="3150" dirty="0" err="1" smtClean="0">
+              <a:rPr lang="es-MX" sz="3150" dirty="0" err="1">
                 <a:solidFill>
                   <a:srgbClr val="002060"/>
                 </a:solidFill>
@@ -6687,7 +6687,7 @@
               <a:t>Estan</a:t>
             </a:r>
             <a:r>
-              <a:rPr lang="es-MX" sz="3150" dirty="0" smtClean="0">
+              <a:rPr lang="es-MX" sz="3150" dirty="0">
                 <a:solidFill>
                   <a:srgbClr val="002060"/>
                 </a:solidFill>
@@ -7846,7 +7846,7 @@
               <a:t> </a:t>
             </a:r>
             <a:r>
-              <a:rPr sz="3100" spc="-190" dirty="0" err="1" smtClean="0">
+              <a:rPr sz="3100" spc="-190" dirty="0" err="1">
                 <a:solidFill>
                   <a:srgbClr val="272352"/>
                 </a:solidFill>
@@ -7856,7 +7856,7 @@
               <a:t>analizarlo</a:t>
             </a:r>
             <a:r>
-              <a:rPr lang="es-MX" sz="3100" spc="-190" dirty="0" smtClean="0">
+              <a:rPr lang="es-MX" sz="3100" spc="-190" dirty="0">
                 <a:solidFill>
                   <a:srgbClr val="272352"/>
                 </a:solidFill>
@@ -7919,7 +7919,7 @@
           <a:lstStyle/>
           <a:p>
             <a:r>
-              <a:rPr lang="es-MX" sz="3100" b="1" dirty="0" smtClean="0">
+              <a:rPr lang="es-MX" sz="3100" b="1" dirty="0">
                 <a:solidFill>
                   <a:srgbClr val="002060"/>
                 </a:solidFill>
@@ -8806,17 +8806,17 @@
                 <a:latin typeface="Bahnschrift"/>
                 <a:cs typeface="Bahnschrift"/>
               </a:rPr>
-              <a:t>Los </a:t>
-            </a:r>
-            <a:r>
-              <a:rPr lang="es-MX" sz="3100" spc="-310" dirty="0" smtClean="0">
-                <a:solidFill>
-                  <a:srgbClr val="272352"/>
-                </a:solidFill>
-                <a:latin typeface="Bahnschrift"/>
-                <a:cs typeface="Bahnschrift"/>
-              </a:rPr>
-              <a:t> datos  muestran  que  </a:t>
+              <a:t>Los  datos  muestran  que  los  grupos  0 y  2  son  los  que  tienen  menos  arrestos de personas de color.  Los </a:t>
+            </a:r>
+            <a:r>
+              <a:rPr lang="es-MX" sz="3100" spc="-310" dirty="0" err="1">
+                <a:solidFill>
+                  <a:srgbClr val="272352"/>
+                </a:solidFill>
+                <a:latin typeface="Bahnschrift"/>
+                <a:cs typeface="Bahnschrift"/>
+              </a:rPr>
+              <a:t>clusters</a:t>
             </a:r>
             <a:r>
               <a:rPr lang="es-MX" sz="3100" spc="-310" dirty="0">
@@ -8826,187 +8826,7 @@
                 <a:latin typeface="Bahnschrift"/>
                 <a:cs typeface="Bahnschrift"/>
               </a:rPr>
-              <a:t>los </a:t>
-            </a:r>
-            <a:r>
-              <a:rPr lang="es-MX" sz="3100" spc="-310" dirty="0" smtClean="0">
-                <a:solidFill>
-                  <a:srgbClr val="272352"/>
-                </a:solidFill>
-                <a:latin typeface="Bahnschrift"/>
-                <a:cs typeface="Bahnschrift"/>
-              </a:rPr>
-              <a:t> grupos  </a:t>
-            </a:r>
-            <a:r>
-              <a:rPr lang="es-MX" sz="3100" spc="-310" dirty="0" smtClean="0">
-                <a:solidFill>
-                  <a:srgbClr val="272352"/>
-                </a:solidFill>
-                <a:latin typeface="Bahnschrift"/>
-                <a:cs typeface="Bahnschrift"/>
-              </a:rPr>
-              <a:t>0 </a:t>
-            </a:r>
-            <a:r>
-              <a:rPr lang="es-MX" sz="3100" spc="-310" dirty="0" smtClean="0">
-                <a:solidFill>
-                  <a:srgbClr val="272352"/>
-                </a:solidFill>
-                <a:latin typeface="Bahnschrift"/>
-                <a:cs typeface="Bahnschrift"/>
-              </a:rPr>
-              <a:t>y  </a:t>
-            </a:r>
-            <a:r>
-              <a:rPr lang="es-MX" sz="3100" spc="-310" dirty="0" smtClean="0">
-                <a:solidFill>
-                  <a:srgbClr val="272352"/>
-                </a:solidFill>
-                <a:latin typeface="Bahnschrift"/>
-                <a:cs typeface="Bahnschrift"/>
-              </a:rPr>
-              <a:t>2  </a:t>
-            </a:r>
-            <a:r>
-              <a:rPr lang="es-MX" sz="3100" spc="-310" dirty="0">
-                <a:solidFill>
-                  <a:srgbClr val="272352"/>
-                </a:solidFill>
-                <a:latin typeface="Bahnschrift"/>
-                <a:cs typeface="Bahnschrift"/>
-              </a:rPr>
-              <a:t>son </a:t>
-            </a:r>
-            <a:r>
-              <a:rPr lang="es-MX" sz="3100" spc="-310" dirty="0" smtClean="0">
-                <a:solidFill>
-                  <a:srgbClr val="272352"/>
-                </a:solidFill>
-                <a:latin typeface="Bahnschrift"/>
-                <a:cs typeface="Bahnschrift"/>
-              </a:rPr>
-              <a:t> los  que  </a:t>
-            </a:r>
-            <a:r>
-              <a:rPr lang="es-MX" sz="3100" spc="-310" dirty="0">
-                <a:solidFill>
-                  <a:srgbClr val="272352"/>
-                </a:solidFill>
-                <a:latin typeface="Bahnschrift"/>
-                <a:cs typeface="Bahnschrift"/>
-              </a:rPr>
-              <a:t>tienen </a:t>
-            </a:r>
-            <a:r>
-              <a:rPr lang="es-MX" sz="3100" spc="-310" dirty="0" smtClean="0">
-                <a:solidFill>
-                  <a:srgbClr val="272352"/>
-                </a:solidFill>
-                <a:latin typeface="Bahnschrift"/>
-                <a:cs typeface="Bahnschrift"/>
-              </a:rPr>
-              <a:t> menos  arrestos de personas de color.  Los </a:t>
-            </a:r>
-            <a:r>
-              <a:rPr lang="es-MX" sz="3100" spc="-310" dirty="0" err="1" smtClean="0">
-                <a:solidFill>
-                  <a:srgbClr val="272352"/>
-                </a:solidFill>
-                <a:latin typeface="Bahnschrift"/>
-                <a:cs typeface="Bahnschrift"/>
-              </a:rPr>
-              <a:t>clusters</a:t>
-            </a:r>
-            <a:r>
-              <a:rPr lang="es-MX" sz="3100" spc="-310" dirty="0" smtClean="0">
-                <a:solidFill>
-                  <a:srgbClr val="272352"/>
-                </a:solidFill>
-                <a:latin typeface="Bahnschrift"/>
-                <a:cs typeface="Bahnschrift"/>
-              </a:rPr>
-              <a:t> </a:t>
-            </a:r>
-            <a:r>
-              <a:rPr lang="es-MX" sz="3100" spc="-310" dirty="0" smtClean="0">
-                <a:solidFill>
-                  <a:srgbClr val="272352"/>
-                </a:solidFill>
-                <a:latin typeface="Bahnschrift"/>
-                <a:cs typeface="Bahnschrift"/>
-              </a:rPr>
-              <a:t>1 </a:t>
-            </a:r>
-            <a:r>
-              <a:rPr lang="es-MX" sz="3100" spc="-310" dirty="0" smtClean="0">
-                <a:solidFill>
-                  <a:srgbClr val="272352"/>
-                </a:solidFill>
-                <a:latin typeface="Bahnschrift"/>
-                <a:cs typeface="Bahnschrift"/>
-              </a:rPr>
-              <a:t>y </a:t>
-            </a:r>
-            <a:r>
-              <a:rPr lang="es-MX" sz="3100" spc="-310" dirty="0" smtClean="0">
-                <a:solidFill>
-                  <a:srgbClr val="272352"/>
-                </a:solidFill>
-                <a:latin typeface="Bahnschrift"/>
-                <a:cs typeface="Bahnschrift"/>
-              </a:rPr>
-              <a:t>3 </a:t>
-            </a:r>
-            <a:r>
-              <a:rPr lang="es-MX" sz="3100" spc="-310" dirty="0" smtClean="0">
-                <a:solidFill>
-                  <a:srgbClr val="272352"/>
-                </a:solidFill>
-                <a:latin typeface="Bahnschrift"/>
-                <a:cs typeface="Bahnschrift"/>
-              </a:rPr>
-              <a:t>tienen mayor cantidad de </a:t>
-            </a:r>
-            <a:r>
-              <a:rPr lang="es-MX" sz="3100" spc="-310" dirty="0" smtClean="0">
-                <a:solidFill>
-                  <a:srgbClr val="272352"/>
-                </a:solidFill>
-                <a:latin typeface="Bahnschrift"/>
-                <a:cs typeface="Bahnschrift"/>
-              </a:rPr>
-              <a:t>arrestos</a:t>
-            </a:r>
-            <a:r>
-              <a:rPr lang="es-MX" sz="3100" spc="-310" dirty="0">
-                <a:solidFill>
-                  <a:srgbClr val="272352"/>
-                </a:solidFill>
-                <a:latin typeface="Bahnschrift"/>
-                <a:cs typeface="Bahnschrift"/>
-              </a:rPr>
-              <a:t> </a:t>
-            </a:r>
-            <a:r>
-              <a:rPr lang="es-MX" sz="3100" spc="-310" dirty="0" smtClean="0">
-                <a:solidFill>
-                  <a:srgbClr val="272352"/>
-                </a:solidFill>
-                <a:latin typeface="Bahnschrift"/>
-                <a:cs typeface="Bahnschrift"/>
-              </a:rPr>
-              <a:t>de estos individuos.</a:t>
-            </a:r>
-            <a:r>
-              <a:rPr lang="es-MX" sz="3100" spc="-310" dirty="0" smtClean="0">
-                <a:solidFill>
-                  <a:srgbClr val="272352"/>
-                </a:solidFill>
-                <a:latin typeface="Bahnschrift"/>
-                <a:cs typeface="Bahnschrift"/>
-              </a:rPr>
-              <a:t> </a:t>
+              <a:t>  1  y  3 tienen mayor cantidad de arrestos de estos individuos. </a:t>
             </a:r>
             <a:endParaRPr lang="es-CL" dirty="0"/>
           </a:p>
@@ -9565,7 +9385,7 @@
           <a:lstStyle/>
           <a:p>
             <a:r>
-              <a:rPr lang="es-MX" dirty="0" smtClean="0"/>
+              <a:rPr lang="es-MX" dirty="0"/>
               <a:t>Además hicimos regresión lineal para ver si la población y la cantidad de arrestos tenían alguna relación.</a:t>
             </a:r>
             <a:endParaRPr lang="es-CL" dirty="0"/>
@@ -9615,66 +9435,65 @@
               </a:spcBef>
             </a:pPr>
             <a:r>
-              <a:rPr lang="es-MX" kern="0" spc="10" dirty="0" smtClean="0"/>
+              <a:rPr lang="es-MX" kern="0" spc="10" dirty="0"/>
               <a:t>5. </a:t>
             </a:r>
             <a:r>
-              <a:rPr lang="es-MX" kern="0" spc="5" dirty="0" smtClean="0"/>
+              <a:rPr lang="es-MX" kern="0" spc="5" dirty="0"/>
               <a:t>¿Existen </a:t>
             </a:r>
             <a:r>
-              <a:rPr lang="es-MX" kern="0" spc="50" dirty="0" smtClean="0"/>
+              <a:rPr lang="es-MX" kern="0" spc="50" dirty="0"/>
               <a:t>grupos </a:t>
             </a:r>
             <a:r>
-              <a:rPr lang="es-MX" kern="0" spc="10" dirty="0" smtClean="0"/>
+              <a:rPr lang="es-MX" kern="0" spc="10" dirty="0"/>
               <a:t>que </a:t>
             </a:r>
             <a:r>
-              <a:rPr lang="es-MX" kern="0" spc="5" dirty="0" smtClean="0"/>
+              <a:rPr lang="es-MX" kern="0" spc="5" dirty="0"/>
               <a:t>tengan </a:t>
             </a:r>
             <a:r>
-              <a:rPr lang="es-MX" kern="0" spc="15" dirty="0" smtClean="0"/>
+              <a:rPr lang="es-MX" kern="0" spc="15" dirty="0"/>
               <a:t>relación </a:t>
             </a:r>
             <a:r>
-              <a:rPr lang="es-MX" kern="0" spc="10" dirty="0" smtClean="0"/>
+              <a:rPr lang="es-MX" kern="0" spc="10" dirty="0"/>
               <a:t>basados </a:t>
             </a:r>
             <a:r>
-              <a:rPr lang="es-MX" kern="0" spc="5" dirty="0" smtClean="0"/>
+              <a:rPr lang="es-MX" kern="0" spc="5" dirty="0"/>
               <a:t>en </a:t>
             </a:r>
             <a:r>
-              <a:rPr lang="es-MX" kern="0" spc="-1505" dirty="0" smtClean="0"/>
-              <a:t> </a:t>
-            </a:r>
-            <a:r>
-              <a:rPr lang="es-MX" kern="0" spc="5" dirty="0" smtClean="0"/>
+              <a:rPr lang="es-MX" kern="0" spc="-1505" dirty="0"/>
+              <a:t> </a:t>
+            </a:r>
+            <a:r>
+              <a:rPr lang="es-MX" kern="0" spc="5" dirty="0"/>
               <a:t>la</a:t>
             </a:r>
             <a:r>
-              <a:rPr lang="es-MX" kern="0" dirty="0" smtClean="0"/>
-              <a:t> </a:t>
-            </a:r>
-            <a:r>
-              <a:rPr lang="es-MX" kern="0" spc="25" dirty="0" smtClean="0"/>
+              <a:rPr lang="es-MX" kern="0" dirty="0"/>
+              <a:t> </a:t>
+            </a:r>
+            <a:r>
+              <a:rPr lang="es-MX" kern="0" spc="25" dirty="0"/>
               <a:t>información</a:t>
             </a:r>
             <a:r>
-              <a:rPr lang="es-MX" kern="0" spc="10" dirty="0" smtClean="0"/>
+              <a:rPr lang="es-MX" kern="0" spc="10" dirty="0"/>
               <a:t> que</a:t>
             </a:r>
             <a:r>
-              <a:rPr lang="es-MX" kern="0" spc="15" dirty="0" smtClean="0"/>
-              <a:t> </a:t>
-            </a:r>
-            <a:r>
-              <a:rPr lang="es-MX" kern="0" spc="10" dirty="0" smtClean="0"/>
+              <a:rPr lang="es-MX" kern="0" spc="15" dirty="0"/>
+              <a:t> </a:t>
+            </a:r>
+            <a:r>
+              <a:rPr lang="es-MX" kern="0" spc="10" dirty="0"/>
               <a:t>tenemos?</a:t>
             </a:r>
-            <a:endParaRPr lang="es-MX" kern="0" spc="10" dirty="0"/>
           </a:p>
         </p:txBody>
       </p:sp>
@@ -9764,7 +9583,7 @@
           <a:lstStyle/>
           <a:p>
             <a:r>
-              <a:rPr lang="es-MX" sz="3100" spc="-310" dirty="0" smtClean="0">
+              <a:rPr lang="es-MX" sz="3100" spc="-310" dirty="0">
                 <a:solidFill>
                   <a:srgbClr val="272352"/>
                 </a:solidFill>
@@ -10029,7 +9848,7 @@
               </a:spcBef>
             </a:pPr>
             <a:r>
-              <a:rPr lang="es-MX" sz="3200" spc="-175" dirty="0" smtClean="0">
+              <a:rPr lang="es-MX" sz="3200" spc="-175" dirty="0">
                 <a:solidFill>
                   <a:srgbClr val="272352"/>
                 </a:solidFill>
@@ -10430,7 +10249,7 @@
               <a:t> </a:t>
             </a:r>
             <a:r>
-              <a:rPr lang="es-MX" sz="3200" spc="105" dirty="0" smtClean="0">
+              <a:rPr lang="es-MX" sz="3200" spc="105" dirty="0">
                 <a:solidFill>
                   <a:srgbClr val="272352"/>
                 </a:solidFill>
@@ -10502,14 +10321,14 @@
               </a:spcBef>
             </a:pPr>
             <a:r>
-              <a:rPr sz="3200" spc="-229" dirty="0" err="1" smtClean="0">
+              <a:rPr sz="3200" spc="-229" dirty="0" err="1">
                 <a:latin typeface="Bahnschrift"/>
                 <a:cs typeface="Bahnschrift"/>
               </a:rPr>
               <a:t>Vemos</a:t>
             </a:r>
             <a:r>
-              <a:rPr sz="3200" spc="-229" dirty="0" smtClean="0">
+              <a:rPr sz="3200" spc="-229" dirty="0">
                 <a:latin typeface="Bahnschrift"/>
                 <a:cs typeface="Bahnschrift"/>
               </a:rPr>
@@ -10579,21 +10398,21 @@
               <a:t> </a:t>
             </a:r>
             <a:r>
-              <a:rPr sz="3200" spc="-95" dirty="0" smtClean="0">
+              <a:rPr sz="3200" spc="-95" dirty="0">
                 <a:latin typeface="Bahnschrift"/>
                 <a:cs typeface="Bahnschrift"/>
               </a:rPr>
               <a:t>la</a:t>
             </a:r>
             <a:r>
-              <a:rPr lang="es-MX" sz="3200" spc="-95" dirty="0" smtClean="0">
-                <a:latin typeface="Bahnschrift"/>
-                <a:cs typeface="Bahnschrift"/>
-              </a:rPr>
-              <a:t> </a:t>
-            </a:r>
-            <a:r>
-              <a:rPr sz="3200" spc="-204" dirty="0" smtClean="0">
+              <a:rPr lang="es-MX" sz="3200" spc="-95" dirty="0">
+                <a:latin typeface="Bahnschrift"/>
+                <a:cs typeface="Bahnschrift"/>
+              </a:rPr>
+              <a:t> </a:t>
+            </a:r>
+            <a:r>
+              <a:rPr sz="3200" spc="-204" dirty="0">
                 <a:latin typeface="Bahnschrift"/>
                 <a:cs typeface="Bahnschrift"/>
               </a:rPr>
@@ -10642,14 +10461,14 @@
               <a:t>color </a:t>
             </a:r>
             <a:r>
-              <a:rPr sz="3200" spc="-130" dirty="0" err="1" smtClean="0">
+              <a:rPr sz="3200" spc="-130" dirty="0" err="1">
                 <a:latin typeface="Bahnschrift"/>
                 <a:cs typeface="Bahnschrift"/>
               </a:rPr>
               <a:t>tiene</a:t>
             </a:r>
             <a:r>
-              <a:rPr sz="3200" spc="-130" dirty="0" smtClean="0">
+              <a:rPr sz="3200" spc="-130" dirty="0">
                 <a:latin typeface="Bahnschrift"/>
                 <a:cs typeface="Bahnschrift"/>
               </a:rPr>
@@ -16970,7 +16789,7 @@
               <a:t> </a:t>
             </a:r>
             <a:r>
-              <a:rPr sz="3100" spc="-105" dirty="0" err="1" smtClean="0">
+              <a:rPr sz="3100" spc="-105" dirty="0" err="1">
                 <a:solidFill>
                   <a:srgbClr val="272352"/>
                 </a:solidFill>
@@ -16980,7 +16799,7 @@
               <a:t>los</a:t>
             </a:r>
             <a:r>
-              <a:rPr sz="3100" spc="-55" dirty="0" smtClean="0">
+              <a:rPr sz="3100" spc="-55" dirty="0">
                 <a:solidFill>
                   <a:srgbClr val="272352"/>
                 </a:solidFill>
@@ -17078,7 +16897,7 @@
               </a:tabLst>
             </a:pPr>
             <a:r>
-              <a:rPr lang="es-MX" sz="3100" spc="-145" dirty="0" smtClean="0">
+              <a:rPr lang="es-MX" sz="3100" spc="-145" dirty="0">
                 <a:solidFill>
                   <a:srgbClr val="272352"/>
                 </a:solidFill>
@@ -17403,7 +17222,7 @@
               <a:t> </a:t>
             </a:r>
             <a:r>
-              <a:rPr sz="3100" spc="-95" dirty="0" err="1" smtClean="0">
+              <a:rPr sz="3100" spc="-95" dirty="0" err="1">
                 <a:solidFill>
                   <a:srgbClr val="272352"/>
                 </a:solidFill>
@@ -17413,7 +17232,7 @@
               <a:t>en</a:t>
             </a:r>
             <a:r>
-              <a:rPr sz="3100" spc="-25" dirty="0" smtClean="0">
+              <a:rPr sz="3100" spc="-25" dirty="0">
                 <a:solidFill>
                   <a:srgbClr val="272352"/>
                 </a:solidFill>
@@ -18513,11 +18332,7 @@
             </a:pPr>
             <a:r>
               <a:rPr lang="es-MX" sz="3200" spc="-175" dirty="0"/>
-              <a:t>Así entonces podemos concluir que los estados con menor numero de arrestos totales promedio entre gente blanca en los últimos 3 años </a:t>
-            </a:r>
-            <a:r>
-              <a:rPr lang="es-MX" sz="3200" spc="-175" dirty="0" smtClean="0"/>
-              <a:t>son:</a:t>
+              <a:t>Así entonces podemos concluir que los estados con menor numero de arrestos totales promedio entre gente blanca en los últimos 3 años son:</a:t>
             </a:r>
           </a:p>
           <a:p>
@@ -18533,16 +18348,12 @@
               </a:tabLst>
             </a:pPr>
             <a:r>
-              <a:rPr lang="es-MX" sz="3200" spc="-175" dirty="0" err="1" smtClean="0"/>
+              <a:rPr lang="es-MX" sz="3200" spc="-175" dirty="0" err="1"/>
               <a:t>Hawaii</a:t>
             </a:r>
             <a:r>
-              <a:rPr lang="es-MX" sz="3200" spc="-175" dirty="0" smtClean="0"/>
-              <a:t> </a:t>
-            </a:r>
-            <a:r>
               <a:rPr lang="es-MX" sz="3200" spc="-175" dirty="0"/>
-              <a:t>(HI) - 11272.000000</a:t>
+              <a:t> (HI) - 11272.000000</a:t>
             </a:r>
           </a:p>
           <a:p>
@@ -18593,7 +18404,7 @@
                 <a:tab pos="469900" algn="l"/>
               </a:tabLst>
             </a:pPr>
-            <a:endParaRPr lang="es-MX" sz="3200" spc="-175" dirty="0" smtClean="0"/>
+            <a:endParaRPr lang="es-MX" sz="3200" spc="-175" dirty="0"/>
           </a:p>
           <a:p>
             <a:pPr marL="12700">
@@ -18605,10 +18416,6 @@
                 <a:tab pos="469900" algn="l"/>
               </a:tabLst>
             </a:pPr>
-            <a:r>
-              <a:rPr lang="es-MX" sz="3200" spc="-175" dirty="0"/>
-              <a:t/>
-            </a:r>
             <a:br>
               <a:rPr lang="es-MX" sz="3200" spc="-175" dirty="0"/>
             </a:br>
@@ -18630,12 +18437,8 @@
               </a:tabLst>
             </a:pPr>
             <a:r>
-              <a:rPr lang="es-MX" sz="3200" spc="-175" dirty="0" smtClean="0"/>
-              <a:t> </a:t>
-            </a:r>
-            <a:r>
               <a:rPr lang="es-MX" sz="3200" spc="-175" dirty="0"/>
-              <a:t>California (CA) - 801275.666667</a:t>
+              <a:t> California (CA) - 801275.666667</a:t>
             </a:r>
           </a:p>
           <a:p>
@@ -18727,159 +18530,159 @@
               </a:spcBef>
             </a:pPr>
             <a:r>
-              <a:rPr lang="es-MX" sz="3300" kern="0" smtClean="0"/>
+              <a:rPr lang="es-MX" sz="3300" kern="0"/>
               <a:t>1.</a:t>
             </a:r>
             <a:r>
-              <a:rPr lang="es-MX" sz="3300" kern="0" spc="-10" smtClean="0"/>
-              <a:t> </a:t>
-            </a:r>
-            <a:r>
-              <a:rPr lang="es-MX" sz="3300" kern="0" smtClean="0"/>
+              <a:rPr lang="es-MX" sz="3300" kern="0" spc="-10"/>
+              <a:t> </a:t>
+            </a:r>
+            <a:r>
+              <a:rPr lang="es-MX" sz="3300" kern="0"/>
               <a:t>¿Cuáles</a:t>
             </a:r>
             <a:r>
-              <a:rPr lang="es-MX" sz="3300" kern="0" spc="-30" smtClean="0"/>
-              <a:t> </a:t>
-            </a:r>
-            <a:r>
-              <a:rPr lang="es-MX" sz="3300" kern="0" smtClean="0"/>
+              <a:rPr lang="es-MX" sz="3300" kern="0" spc="-30"/>
+              <a:t> </a:t>
+            </a:r>
+            <a:r>
+              <a:rPr lang="es-MX" sz="3300" kern="0"/>
               <a:t>son</a:t>
             </a:r>
             <a:r>
-              <a:rPr lang="es-MX" sz="3300" kern="0" spc="-10" smtClean="0"/>
-              <a:t> </a:t>
-            </a:r>
-            <a:r>
-              <a:rPr lang="es-MX" sz="3300" kern="0" smtClean="0"/>
+              <a:rPr lang="es-MX" sz="3300" kern="0" spc="-10"/>
+              <a:t> </a:t>
+            </a:r>
+            <a:r>
+              <a:rPr lang="es-MX" sz="3300" kern="0"/>
               <a:t>los</a:t>
             </a:r>
             <a:r>
-              <a:rPr lang="es-MX" sz="3300" kern="0" spc="-15" smtClean="0"/>
-              <a:t> </a:t>
-            </a:r>
-            <a:r>
-              <a:rPr lang="es-MX" sz="3300" kern="0" spc="-5" smtClean="0"/>
+              <a:rPr lang="es-MX" sz="3300" kern="0" spc="-15"/>
+              <a:t> </a:t>
+            </a:r>
+            <a:r>
+              <a:rPr lang="es-MX" sz="3300" kern="0" spc="-5"/>
               <a:t>estados</a:t>
             </a:r>
             <a:r>
-              <a:rPr lang="es-MX" sz="3300" kern="0" spc="10" smtClean="0"/>
-              <a:t> </a:t>
-            </a:r>
-            <a:r>
-              <a:rPr lang="es-MX" sz="3300" kern="0" spc="-5" smtClean="0"/>
+              <a:rPr lang="es-MX" sz="3300" kern="0" spc="10"/>
+              <a:t> </a:t>
+            </a:r>
+            <a:r>
+              <a:rPr lang="es-MX" sz="3300" kern="0" spc="-5"/>
               <a:t>con</a:t>
             </a:r>
             <a:r>
-              <a:rPr lang="es-MX" sz="3300" kern="0" smtClean="0"/>
+              <a:rPr lang="es-MX" sz="3300" kern="0"/>
               <a:t> más</a:t>
             </a:r>
             <a:r>
-              <a:rPr lang="es-MX" sz="3300" kern="0" spc="-10" smtClean="0"/>
-              <a:t> </a:t>
-            </a:r>
-            <a:r>
-              <a:rPr lang="es-MX" sz="3300" kern="0" smtClean="0"/>
+              <a:rPr lang="es-MX" sz="3300" kern="0" spc="-10"/>
+              <a:t> </a:t>
+            </a:r>
+            <a:r>
+              <a:rPr lang="es-MX" sz="3300" kern="0"/>
               <a:t>y</a:t>
             </a:r>
             <a:r>
-              <a:rPr lang="es-MX" sz="3300" kern="0" spc="-10" smtClean="0"/>
-              <a:t> </a:t>
-            </a:r>
-            <a:r>
-              <a:rPr lang="es-MX" sz="3300" kern="0" spc="-5" smtClean="0"/>
+              <a:rPr lang="es-MX" sz="3300" kern="0" spc="-10"/>
+              <a:t> </a:t>
+            </a:r>
+            <a:r>
+              <a:rPr lang="es-MX" sz="3300" kern="0" spc="-5"/>
               <a:t>menos</a:t>
             </a:r>
             <a:r>
-              <a:rPr lang="es-MX" sz="3300" kern="0" spc="5" smtClean="0"/>
-              <a:t> </a:t>
-            </a:r>
-            <a:r>
-              <a:rPr lang="es-MX" sz="3300" kern="0" spc="20" smtClean="0"/>
+              <a:rPr lang="es-MX" sz="3300" kern="0" spc="5"/>
+              <a:t> </a:t>
+            </a:r>
+            <a:r>
+              <a:rPr lang="es-MX" sz="3300" kern="0" spc="20"/>
               <a:t>arrestos</a:t>
             </a:r>
             <a:r>
-              <a:rPr lang="es-MX" sz="3300" kern="0" spc="-5" smtClean="0"/>
+              <a:rPr lang="es-MX" sz="3300" kern="0" spc="-5"/>
               <a:t> de</a:t>
             </a:r>
             <a:r>
-              <a:rPr lang="es-MX" sz="3300" kern="0" spc="10" smtClean="0"/>
-              <a:t> </a:t>
-            </a:r>
-            <a:r>
-              <a:rPr lang="es-MX" sz="3300" kern="0" smtClean="0"/>
+              <a:rPr lang="es-MX" sz="3300" kern="0" spc="10"/>
+              <a:t> </a:t>
+            </a:r>
+            <a:r>
+              <a:rPr lang="es-MX" sz="3300" kern="0"/>
               <a:t>gente</a:t>
             </a:r>
             <a:r>
-              <a:rPr lang="es-MX" sz="3300" kern="0" spc="-10" smtClean="0"/>
-              <a:t> </a:t>
-            </a:r>
-            <a:r>
-              <a:rPr lang="es-MX" sz="3300" kern="0" spc="-5" smtClean="0"/>
+              <a:rPr lang="es-MX" sz="3300" kern="0" spc="-10"/>
+              <a:t> </a:t>
+            </a:r>
+            <a:r>
+              <a:rPr lang="es-MX" sz="3300" kern="0" spc="-5"/>
               <a:t>blanca</a:t>
             </a:r>
             <a:r>
-              <a:rPr lang="es-MX" sz="3300" kern="0" smtClean="0"/>
+              <a:rPr lang="es-MX" sz="3300" kern="0"/>
               <a:t> y </a:t>
             </a:r>
             <a:r>
-              <a:rPr lang="es-MX" sz="3300" kern="0" spc="-1090" smtClean="0"/>
-              <a:t> </a:t>
-            </a:r>
-            <a:r>
-              <a:rPr lang="es-MX" sz="3300" kern="0" smtClean="0"/>
+              <a:rPr lang="es-MX" sz="3300" kern="0" spc="-1090"/>
+              <a:t> </a:t>
+            </a:r>
+            <a:r>
+              <a:rPr lang="es-MX" sz="3300" kern="0"/>
               <a:t>afroamericana,</a:t>
             </a:r>
             <a:r>
-              <a:rPr lang="es-MX" sz="3300" kern="0" spc="30" smtClean="0"/>
-              <a:t> </a:t>
-            </a:r>
-            <a:r>
-              <a:rPr lang="es-MX" sz="3300" kern="0" spc="-5" smtClean="0"/>
+              <a:rPr lang="es-MX" sz="3300" kern="0" spc="30"/>
+              <a:t> </a:t>
+            </a:r>
+            <a:r>
+              <a:rPr lang="es-MX" sz="3300" kern="0" spc="-5"/>
               <a:t>en conjunto</a:t>
             </a:r>
             <a:r>
-              <a:rPr lang="es-MX" sz="3300" kern="0" spc="20" smtClean="0"/>
-              <a:t> </a:t>
-            </a:r>
-            <a:r>
-              <a:rPr lang="es-MX" sz="3300" kern="0" smtClean="0"/>
+              <a:rPr lang="es-MX" sz="3300" kern="0" spc="20"/>
+              <a:t> </a:t>
+            </a:r>
+            <a:r>
+              <a:rPr lang="es-MX" sz="3300" kern="0"/>
               <a:t>y</a:t>
             </a:r>
             <a:r>
-              <a:rPr lang="es-MX" sz="3300" kern="0" spc="-10" smtClean="0"/>
+              <a:rPr lang="es-MX" sz="3300" kern="0" spc="-10"/>
               <a:t> por</a:t>
             </a:r>
             <a:r>
-              <a:rPr lang="es-MX" sz="3300" kern="0" smtClean="0"/>
-              <a:t> </a:t>
-            </a:r>
-            <a:r>
-              <a:rPr lang="es-MX" sz="3300" kern="0" spc="5" smtClean="0"/>
+              <a:rPr lang="es-MX" sz="3300" kern="0"/>
+              <a:t> </a:t>
+            </a:r>
+            <a:r>
+              <a:rPr lang="es-MX" sz="3300" kern="0" spc="5"/>
               <a:t>raza?</a:t>
             </a:r>
             <a:r>
-              <a:rPr lang="es-MX" sz="3300" kern="0" smtClean="0"/>
+              <a:rPr lang="es-MX" sz="3300" kern="0"/>
               <a:t> (promedio</a:t>
             </a:r>
             <a:r>
-              <a:rPr lang="es-MX" sz="3300" kern="0" spc="25" smtClean="0"/>
-              <a:t> </a:t>
-            </a:r>
-            <a:r>
-              <a:rPr lang="es-MX" sz="3300" kern="0" spc="5" smtClean="0"/>
+              <a:rPr lang="es-MX" sz="3300" kern="0" spc="25"/>
+              <a:t> </a:t>
+            </a:r>
+            <a:r>
+              <a:rPr lang="es-MX" sz="3300" kern="0" spc="5"/>
               <a:t>entre</a:t>
             </a:r>
             <a:r>
-              <a:rPr lang="es-MX" sz="3300" kern="0" spc="-5" smtClean="0"/>
+              <a:rPr lang="es-MX" sz="3300" kern="0" spc="-5"/>
               <a:t> 2018</a:t>
             </a:r>
             <a:r>
-              <a:rPr lang="es-MX" sz="3300" kern="0" smtClean="0"/>
+              <a:rPr lang="es-MX" sz="3300" kern="0"/>
               <a:t> y</a:t>
             </a:r>
             <a:r>
-              <a:rPr lang="es-MX" sz="3300" kern="0" spc="-5" smtClean="0"/>
+              <a:rPr lang="es-MX" sz="3300" kern="0" spc="-5"/>
               <a:t> 2020)?</a:t>
             </a:r>
             <a:endParaRPr lang="es-MX" sz="3300" kern="0" dirty="0"/>
@@ -22230,7 +22033,7 @@
               </a:tabLst>
             </a:pPr>
             <a:r>
-              <a:rPr lang="es-MX" spc="-229" dirty="0" smtClean="0"/>
+              <a:rPr lang="es-MX" spc="-229" dirty="0"/>
               <a:t>Idaho (ID)</a:t>
             </a:r>
             <a:endParaRPr spc="-229" dirty="0"/>
@@ -22249,7 +22052,7 @@
               </a:tabLst>
             </a:pPr>
             <a:r>
-              <a:rPr lang="es-MX" spc="-204" dirty="0" smtClean="0"/>
+              <a:rPr lang="es-MX" spc="-204" dirty="0"/>
               <a:t>Wyoming (WY)</a:t>
             </a:r>
             <a:endParaRPr spc="-204" dirty="0"/>
@@ -22405,7 +22208,7 @@
                 <a:spcPts val="50"/>
               </a:spcBef>
             </a:pPr>
-            <a:endParaRPr lang="es-MX" spc="-160" dirty="0" smtClean="0"/>
+            <a:endParaRPr lang="es-MX" spc="-160" dirty="0"/>
           </a:p>
           <a:p>
             <a:pPr marL="622300" indent="-514350">
@@ -22419,7 +22222,7 @@
               <a:buAutoNum type="arabicPeriod"/>
             </a:pPr>
             <a:r>
-              <a:rPr lang="es-MX" spc="-160" dirty="0" smtClean="0"/>
+              <a:rPr lang="es-MX" spc="-160" dirty="0"/>
               <a:t>Distrito de Columbia (DC)</a:t>
             </a:r>
           </a:p>
@@ -22435,11 +22238,11 @@
               <a:buAutoNum type="arabicPeriod"/>
             </a:pPr>
             <a:r>
-              <a:rPr lang="es-MX" spc="-160" dirty="0" err="1" smtClean="0"/>
+              <a:rPr lang="es-MX" spc="-160" dirty="0" err="1"/>
               <a:t>Misissippi</a:t>
             </a:r>
             <a:r>
-              <a:rPr lang="es-MX" spc="-160" dirty="0" smtClean="0"/>
+              <a:rPr lang="es-MX" spc="-160" dirty="0"/>
               <a:t> (MS)</a:t>
             </a:r>
           </a:p>
@@ -22455,11 +22258,11 @@
               <a:buAutoNum type="arabicPeriod"/>
             </a:pPr>
             <a:r>
-              <a:rPr lang="es-MX" spc="-160" dirty="0" err="1" smtClean="0"/>
+              <a:rPr lang="es-MX" spc="-160" dirty="0" err="1"/>
               <a:t>Lousiana</a:t>
             </a:r>
             <a:r>
-              <a:rPr lang="es-MX" spc="-160" dirty="0" smtClean="0"/>
+              <a:rPr lang="es-MX" spc="-160" dirty="0"/>
               <a:t> (LA)</a:t>
             </a:r>
             <a:endParaRPr spc="-160" dirty="0"/>
